--- a/Gestão do Projeto/ApresentacoesProjeto/EscopoAlteracaoMarco23.pptx
+++ b/Gestão do Projeto/ApresentacoesProjeto/EscopoAlteracaoMarco23.pptx
@@ -4,10 +4,13 @@
   <p:sldMasterIdLst>
     <p:sldMasterId id="2147483648" r:id="rId1"/>
   </p:sldMasterIdLst>
+  <p:notesMasterIdLst>
+    <p:notesMasterId r:id="rId8"/>
+  </p:notesMasterIdLst>
   <p:sldIdLst>
-    <p:sldId id="2147046996" r:id="rId2"/>
-    <p:sldId id="2147047007" r:id="rId3"/>
-    <p:sldId id="2147047013" r:id="rId4"/>
+    <p:sldId id="366" r:id="rId2"/>
+    <p:sldId id="2147046996" r:id="rId3"/>
+    <p:sldId id="2147047007" r:id="rId4"/>
     <p:sldId id="2147046997" r:id="rId5"/>
     <p:sldId id="2147047011" r:id="rId6"/>
     <p:sldId id="2147047012" r:id="rId7"/>
@@ -115,6 +118,465 @@
     </p:ext>
   </p:extLst>
 </p:presentation>
+</file>
+
+<file path=ppt/notesMasters/notesMaster1.xml><?xml version="1.0" encoding="utf-8"?>
+<p:notesMaster xmlns:a="http://schemas.openxmlformats.org/drawingml/2006/main" xmlns:r="http://schemas.openxmlformats.org/officeDocument/2006/relationships" xmlns:p="http://schemas.openxmlformats.org/presentationml/2006/main">
+  <p:cSld>
+    <p:bg>
+      <p:bgRef idx="1001">
+        <a:schemeClr val="bg1"/>
+      </p:bgRef>
+    </p:bg>
+    <p:spTree>
+      <p:nvGrpSpPr>
+        <p:cNvPr id="1" name=""/>
+        <p:cNvGrpSpPr/>
+        <p:nvPr/>
+      </p:nvGrpSpPr>
+      <p:grpSpPr>
+        <a:xfrm>
+          <a:off x="0" y="0"/>
+          <a:ext cx="0" cy="0"/>
+          <a:chOff x="0" y="0"/>
+          <a:chExt cx="0" cy="0"/>
+        </a:xfrm>
+      </p:grpSpPr>
+      <p:sp>
+        <p:nvSpPr>
+          <p:cNvPr id="2" name="Header Placeholder 1"/>
+          <p:cNvSpPr>
+            <a:spLocks noGrp="1"/>
+          </p:cNvSpPr>
+          <p:nvPr>
+            <p:ph type="hdr" sz="quarter"/>
+          </p:nvPr>
+        </p:nvSpPr>
+        <p:spPr>
+          <a:xfrm>
+            <a:off x="0" y="0"/>
+            <a:ext cx="2971800" cy="458788"/>
+          </a:xfrm>
+          <a:prstGeom prst="rect">
+            <a:avLst/>
+          </a:prstGeom>
+        </p:spPr>
+        <p:txBody>
+          <a:bodyPr vert="horz" lIns="91440" tIns="45720" rIns="91440" bIns="45720" rtlCol="0"/>
+          <a:lstStyle>
+            <a:lvl1pPr algn="l">
+              <a:defRPr sz="1200"/>
+            </a:lvl1pPr>
+          </a:lstStyle>
+          <a:p>
+            <a:endParaRPr lang="en-BR"/>
+          </a:p>
+        </p:txBody>
+      </p:sp>
+      <p:sp>
+        <p:nvSpPr>
+          <p:cNvPr id="3" name="Date Placeholder 2"/>
+          <p:cNvSpPr>
+            <a:spLocks noGrp="1"/>
+          </p:cNvSpPr>
+          <p:nvPr>
+            <p:ph type="dt" idx="1"/>
+          </p:nvPr>
+        </p:nvSpPr>
+        <p:spPr>
+          <a:xfrm>
+            <a:off x="3884613" y="0"/>
+            <a:ext cx="2971800" cy="458788"/>
+          </a:xfrm>
+          <a:prstGeom prst="rect">
+            <a:avLst/>
+          </a:prstGeom>
+        </p:spPr>
+        <p:txBody>
+          <a:bodyPr vert="horz" lIns="91440" tIns="45720" rIns="91440" bIns="45720" rtlCol="0"/>
+          <a:lstStyle>
+            <a:lvl1pPr algn="r">
+              <a:defRPr sz="1200"/>
+            </a:lvl1pPr>
+          </a:lstStyle>
+          <a:p>
+            <a:fld id="{956A9880-E9EC-9746-B3F7-730A38DDE7C0}" type="datetimeFigureOut">
+              <a:rPr lang="en-BR" smtClean="0"/>
+              <a:t>27/03/23</a:t>
+            </a:fld>
+            <a:endParaRPr lang="en-BR"/>
+          </a:p>
+        </p:txBody>
+      </p:sp>
+      <p:sp>
+        <p:nvSpPr>
+          <p:cNvPr id="4" name="Slide Image Placeholder 3"/>
+          <p:cNvSpPr>
+            <a:spLocks noGrp="1" noRot="1" noChangeAspect="1"/>
+          </p:cNvSpPr>
+          <p:nvPr>
+            <p:ph type="sldImg" idx="2"/>
+          </p:nvPr>
+        </p:nvSpPr>
+        <p:spPr>
+          <a:xfrm>
+            <a:off x="685800" y="1143000"/>
+            <a:ext cx="5486400" cy="3086100"/>
+          </a:xfrm>
+          <a:prstGeom prst="rect">
+            <a:avLst/>
+          </a:prstGeom>
+          <a:noFill/>
+          <a:ln w="12700">
+            <a:solidFill>
+              <a:prstClr val="black"/>
+            </a:solidFill>
+          </a:ln>
+        </p:spPr>
+        <p:txBody>
+          <a:bodyPr vert="horz" lIns="91440" tIns="45720" rIns="91440" bIns="45720" rtlCol="0" anchor="ctr"/>
+          <a:lstStyle/>
+          <a:p>
+            <a:endParaRPr lang="en-BR"/>
+          </a:p>
+        </p:txBody>
+      </p:sp>
+      <p:sp>
+        <p:nvSpPr>
+          <p:cNvPr id="5" name="Notes Placeholder 4"/>
+          <p:cNvSpPr>
+            <a:spLocks noGrp="1"/>
+          </p:cNvSpPr>
+          <p:nvPr>
+            <p:ph type="body" sz="quarter" idx="3"/>
+          </p:nvPr>
+        </p:nvSpPr>
+        <p:spPr>
+          <a:xfrm>
+            <a:off x="685800" y="4400550"/>
+            <a:ext cx="5486400" cy="3600450"/>
+          </a:xfrm>
+          <a:prstGeom prst="rect">
+            <a:avLst/>
+          </a:prstGeom>
+        </p:spPr>
+        <p:txBody>
+          <a:bodyPr vert="horz" lIns="91440" tIns="45720" rIns="91440" bIns="45720" rtlCol="0"/>
+          <a:lstStyle/>
+          <a:p>
+            <a:pPr lvl="0"/>
+            <a:r>
+              <a:rPr lang="en-US"/>
+              <a:t>Click to edit Master text styles</a:t>
+            </a:r>
+          </a:p>
+          <a:p>
+            <a:pPr lvl="1"/>
+            <a:r>
+              <a:rPr lang="en-US"/>
+              <a:t>Second level</a:t>
+            </a:r>
+          </a:p>
+          <a:p>
+            <a:pPr lvl="2"/>
+            <a:r>
+              <a:rPr lang="en-US"/>
+              <a:t>Third level</a:t>
+            </a:r>
+          </a:p>
+          <a:p>
+            <a:pPr lvl="3"/>
+            <a:r>
+              <a:rPr lang="en-US"/>
+              <a:t>Fourth level</a:t>
+            </a:r>
+          </a:p>
+          <a:p>
+            <a:pPr lvl="4"/>
+            <a:r>
+              <a:rPr lang="en-US"/>
+              <a:t>Fifth level</a:t>
+            </a:r>
+            <a:endParaRPr lang="en-BR"/>
+          </a:p>
+        </p:txBody>
+      </p:sp>
+      <p:sp>
+        <p:nvSpPr>
+          <p:cNvPr id="6" name="Footer Placeholder 5"/>
+          <p:cNvSpPr>
+            <a:spLocks noGrp="1"/>
+          </p:cNvSpPr>
+          <p:nvPr>
+            <p:ph type="ftr" sz="quarter" idx="4"/>
+          </p:nvPr>
+        </p:nvSpPr>
+        <p:spPr>
+          <a:xfrm>
+            <a:off x="0" y="8685213"/>
+            <a:ext cx="2971800" cy="458787"/>
+          </a:xfrm>
+          <a:prstGeom prst="rect">
+            <a:avLst/>
+          </a:prstGeom>
+        </p:spPr>
+        <p:txBody>
+          <a:bodyPr vert="horz" lIns="91440" tIns="45720" rIns="91440" bIns="45720" rtlCol="0" anchor="b"/>
+          <a:lstStyle>
+            <a:lvl1pPr algn="l">
+              <a:defRPr sz="1200"/>
+            </a:lvl1pPr>
+          </a:lstStyle>
+          <a:p>
+            <a:endParaRPr lang="en-BR"/>
+          </a:p>
+        </p:txBody>
+      </p:sp>
+      <p:sp>
+        <p:nvSpPr>
+          <p:cNvPr id="7" name="Slide Number Placeholder 6"/>
+          <p:cNvSpPr>
+            <a:spLocks noGrp="1"/>
+          </p:cNvSpPr>
+          <p:nvPr>
+            <p:ph type="sldNum" sz="quarter" idx="5"/>
+          </p:nvPr>
+        </p:nvSpPr>
+        <p:spPr>
+          <a:xfrm>
+            <a:off x="3884613" y="8685213"/>
+            <a:ext cx="2971800" cy="458787"/>
+          </a:xfrm>
+          <a:prstGeom prst="rect">
+            <a:avLst/>
+          </a:prstGeom>
+        </p:spPr>
+        <p:txBody>
+          <a:bodyPr vert="horz" lIns="91440" tIns="45720" rIns="91440" bIns="45720" rtlCol="0" anchor="b"/>
+          <a:lstStyle>
+            <a:lvl1pPr algn="r">
+              <a:defRPr sz="1200"/>
+            </a:lvl1pPr>
+          </a:lstStyle>
+          <a:p>
+            <a:fld id="{0AEABE7F-92F5-1543-8732-913DD11A229F}" type="slidenum">
+              <a:rPr lang="en-BR" smtClean="0"/>
+              <a:t>‹#›</a:t>
+            </a:fld>
+            <a:endParaRPr lang="en-BR"/>
+          </a:p>
+        </p:txBody>
+      </p:sp>
+    </p:spTree>
+    <p:extLst>
+      <p:ext uri="{BB962C8B-B14F-4D97-AF65-F5344CB8AC3E}">
+        <p14:creationId xmlns:p14="http://schemas.microsoft.com/office/powerpoint/2010/main" val="1633703468"/>
+      </p:ext>
+    </p:extLst>
+  </p:cSld>
+  <p:clrMap bg1="lt1" tx1="dk1" bg2="lt2" tx2="dk2" accent1="accent1" accent2="accent2" accent3="accent3" accent4="accent4" accent5="accent5" accent6="accent6" hlink="hlink" folHlink="folHlink"/>
+  <p:notesStyle>
+    <a:lvl1pPr marL="0" algn="l" defTabSz="914400" rtl="0" eaLnBrk="1" latinLnBrk="0" hangingPunct="1">
+      <a:defRPr sz="1200" kern="1200">
+        <a:solidFill>
+          <a:schemeClr val="tx1"/>
+        </a:solidFill>
+        <a:latin typeface="+mn-lt"/>
+        <a:ea typeface="+mn-ea"/>
+        <a:cs typeface="+mn-cs"/>
+      </a:defRPr>
+    </a:lvl1pPr>
+    <a:lvl2pPr marL="457200" algn="l" defTabSz="914400" rtl="0" eaLnBrk="1" latinLnBrk="0" hangingPunct="1">
+      <a:defRPr sz="1200" kern="1200">
+        <a:solidFill>
+          <a:schemeClr val="tx1"/>
+        </a:solidFill>
+        <a:latin typeface="+mn-lt"/>
+        <a:ea typeface="+mn-ea"/>
+        <a:cs typeface="+mn-cs"/>
+      </a:defRPr>
+    </a:lvl2pPr>
+    <a:lvl3pPr marL="914400" algn="l" defTabSz="914400" rtl="0" eaLnBrk="1" latinLnBrk="0" hangingPunct="1">
+      <a:defRPr sz="1200" kern="1200">
+        <a:solidFill>
+          <a:schemeClr val="tx1"/>
+        </a:solidFill>
+        <a:latin typeface="+mn-lt"/>
+        <a:ea typeface="+mn-ea"/>
+        <a:cs typeface="+mn-cs"/>
+      </a:defRPr>
+    </a:lvl3pPr>
+    <a:lvl4pPr marL="1371600" algn="l" defTabSz="914400" rtl="0" eaLnBrk="1" latinLnBrk="0" hangingPunct="1">
+      <a:defRPr sz="1200" kern="1200">
+        <a:solidFill>
+          <a:schemeClr val="tx1"/>
+        </a:solidFill>
+        <a:latin typeface="+mn-lt"/>
+        <a:ea typeface="+mn-ea"/>
+        <a:cs typeface="+mn-cs"/>
+      </a:defRPr>
+    </a:lvl4pPr>
+    <a:lvl5pPr marL="1828800" algn="l" defTabSz="914400" rtl="0" eaLnBrk="1" latinLnBrk="0" hangingPunct="1">
+      <a:defRPr sz="1200" kern="1200">
+        <a:solidFill>
+          <a:schemeClr val="tx1"/>
+        </a:solidFill>
+        <a:latin typeface="+mn-lt"/>
+        <a:ea typeface="+mn-ea"/>
+        <a:cs typeface="+mn-cs"/>
+      </a:defRPr>
+    </a:lvl5pPr>
+    <a:lvl6pPr marL="2286000" algn="l" defTabSz="914400" rtl="0" eaLnBrk="1" latinLnBrk="0" hangingPunct="1">
+      <a:defRPr sz="1200" kern="1200">
+        <a:solidFill>
+          <a:schemeClr val="tx1"/>
+        </a:solidFill>
+        <a:latin typeface="+mn-lt"/>
+        <a:ea typeface="+mn-ea"/>
+        <a:cs typeface="+mn-cs"/>
+      </a:defRPr>
+    </a:lvl6pPr>
+    <a:lvl7pPr marL="2743200" algn="l" defTabSz="914400" rtl="0" eaLnBrk="1" latinLnBrk="0" hangingPunct="1">
+      <a:defRPr sz="1200" kern="1200">
+        <a:solidFill>
+          <a:schemeClr val="tx1"/>
+        </a:solidFill>
+        <a:latin typeface="+mn-lt"/>
+        <a:ea typeface="+mn-ea"/>
+        <a:cs typeface="+mn-cs"/>
+      </a:defRPr>
+    </a:lvl7pPr>
+    <a:lvl8pPr marL="3200400" algn="l" defTabSz="914400" rtl="0" eaLnBrk="1" latinLnBrk="0" hangingPunct="1">
+      <a:defRPr sz="1200" kern="1200">
+        <a:solidFill>
+          <a:schemeClr val="tx1"/>
+        </a:solidFill>
+        <a:latin typeface="+mn-lt"/>
+        <a:ea typeface="+mn-ea"/>
+        <a:cs typeface="+mn-cs"/>
+      </a:defRPr>
+    </a:lvl8pPr>
+    <a:lvl9pPr marL="3657600" algn="l" defTabSz="914400" rtl="0" eaLnBrk="1" latinLnBrk="0" hangingPunct="1">
+      <a:defRPr sz="1200" kern="1200">
+        <a:solidFill>
+          <a:schemeClr val="tx1"/>
+        </a:solidFill>
+        <a:latin typeface="+mn-lt"/>
+        <a:ea typeface="+mn-ea"/>
+        <a:cs typeface="+mn-cs"/>
+      </a:defRPr>
+    </a:lvl9pPr>
+  </p:notesStyle>
+</p:notesMaster>
+</file>
+
+<file path=ppt/notesSlides/notesSlide1.xml><?xml version="1.0" encoding="utf-8"?>
+<p:notes xmlns:a="http://schemas.openxmlformats.org/drawingml/2006/main" xmlns:r="http://schemas.openxmlformats.org/officeDocument/2006/relationships" xmlns:p="http://schemas.openxmlformats.org/presentationml/2006/main" showMasterSp="0" showMasterPhAnim="0">
+  <p:cSld>
+    <p:spTree>
+      <p:nvGrpSpPr>
+        <p:cNvPr id="1" name="Shape 125"/>
+        <p:cNvGrpSpPr/>
+        <p:nvPr/>
+      </p:nvGrpSpPr>
+      <p:grpSpPr>
+        <a:xfrm>
+          <a:off x="0" y="0"/>
+          <a:ext cx="0" cy="0"/>
+          <a:chOff x="0" y="0"/>
+          <a:chExt cx="0" cy="0"/>
+        </a:xfrm>
+      </p:grpSpPr>
+      <p:sp>
+        <p:nvSpPr>
+          <p:cNvPr id="126" name="Google Shape;126;g11e1fdedc7c_0_0:notes"/>
+          <p:cNvSpPr>
+            <a:spLocks noGrp="1" noRot="1" noChangeAspect="1"/>
+          </p:cNvSpPr>
+          <p:nvPr>
+            <p:ph type="sldImg" idx="2"/>
+          </p:nvPr>
+        </p:nvSpPr>
+        <p:spPr>
+          <a:xfrm>
+            <a:off x="381000" y="685800"/>
+            <a:ext cx="6096000" cy="3429000"/>
+          </a:xfrm>
+          <a:custGeom>
+            <a:avLst/>
+            <a:gdLst/>
+            <a:ahLst/>
+            <a:cxnLst/>
+            <a:rect l="l" t="t" r="r" b="b"/>
+            <a:pathLst>
+              <a:path w="120000" h="120000" extrusionOk="0">
+                <a:moveTo>
+                  <a:pt x="0" y="0"/>
+                </a:moveTo>
+                <a:lnTo>
+                  <a:pt x="120000" y="0"/>
+                </a:lnTo>
+                <a:lnTo>
+                  <a:pt x="120000" y="120000"/>
+                </a:lnTo>
+                <a:lnTo>
+                  <a:pt x="0" y="120000"/>
+                </a:lnTo>
+                <a:close/>
+              </a:path>
+            </a:pathLst>
+          </a:custGeom>
+        </p:spPr>
+      </p:sp>
+      <p:sp>
+        <p:nvSpPr>
+          <p:cNvPr id="127" name="Google Shape;127;g11e1fdedc7c_0_0:notes"/>
+          <p:cNvSpPr txBox="1">
+            <a:spLocks noGrp="1"/>
+          </p:cNvSpPr>
+          <p:nvPr>
+            <p:ph type="body" idx="1"/>
+          </p:nvPr>
+        </p:nvSpPr>
+        <p:spPr>
+          <a:xfrm>
+            <a:off x="685800" y="4343400"/>
+            <a:ext cx="5486400" cy="4114800"/>
+          </a:xfrm>
+          <a:prstGeom prst="rect">
+            <a:avLst/>
+          </a:prstGeom>
+        </p:spPr>
+        <p:txBody>
+          <a:bodyPr spcFirstLastPara="1" wrap="square" lIns="91425" tIns="91425" rIns="91425" bIns="91425" anchor="t" anchorCtr="0">
+            <a:noAutofit/>
+          </a:bodyPr>
+          <a:lstStyle/>
+          <a:p>
+            <a:pPr marL="0" lvl="0" indent="0" algn="l" rtl="0">
+              <a:spcBef>
+                <a:spcPts val="0"/>
+              </a:spcBef>
+              <a:spcAft>
+                <a:spcPts val="0"/>
+              </a:spcAft>
+              <a:buNone/>
+            </a:pPr>
+            <a:endParaRPr/>
+          </a:p>
+        </p:txBody>
+      </p:sp>
+    </p:spTree>
+    <p:extLst>
+      <p:ext uri="{BB962C8B-B14F-4D97-AF65-F5344CB8AC3E}">
+        <p14:creationId xmlns:p14="http://schemas.microsoft.com/office/powerpoint/2010/main" val="1435597794"/>
+      </p:ext>
+    </p:extLst>
+  </p:cSld>
+  <p:clrMapOvr>
+    <a:masterClrMapping/>
+  </p:clrMapOvr>
+</p:notes>
 </file>
 
 <file path=ppt/slideLayouts/slideLayout1.xml><?xml version="1.0" encoding="utf-8"?>
@@ -2934,7 +3396,7 @@
   <p:cSld>
     <p:spTree>
       <p:nvGrpSpPr>
-        <p:cNvPr id="1" name=""/>
+        <p:cNvPr id="1" name="Shape 128"/>
         <p:cNvGrpSpPr/>
         <p:nvPr/>
       </p:nvGrpSpPr>
@@ -2948,105 +3410,727 @@
       </p:grpSpPr>
       <p:sp>
         <p:nvSpPr>
-          <p:cNvPr id="3" name="Title 2">
-            <a:extLst>
-              <a:ext uri="{FF2B5EF4-FFF2-40B4-BE49-F238E27FC236}">
-                <a16:creationId xmlns:a16="http://schemas.microsoft.com/office/drawing/2014/main" id="{B81B9399-1967-EA1F-22E1-3806C2318777}"/>
-              </a:ext>
-            </a:extLst>
-          </p:cNvPr>
+          <p:cNvPr id="129" name="Google Shape;129;p25"/>
+          <p:cNvSpPr txBox="1"/>
+          <p:nvPr/>
+        </p:nvSpPr>
+        <p:spPr>
+          <a:xfrm>
+            <a:off x="8561933" y="3505567"/>
+            <a:ext cx="3221200" cy="1308010"/>
+          </a:xfrm>
+          <a:prstGeom prst="rect">
+            <a:avLst/>
+          </a:prstGeom>
+          <a:noFill/>
+          <a:ln>
+            <a:noFill/>
+          </a:ln>
+        </p:spPr>
+        <p:txBody>
+          <a:bodyPr spcFirstLastPara="1" wrap="square" lIns="121900" tIns="121900" rIns="121900" bIns="121900" anchor="t" anchorCtr="0">
+            <a:spAutoFit/>
+          </a:bodyPr>
+          <a:lstStyle/>
+          <a:p>
+            <a:pPr marL="0" marR="0" lvl="0" indent="0" algn="l" defTabSz="1219170" rtl="0" eaLnBrk="1" fontAlgn="auto" latinLnBrk="0" hangingPunct="1">
+              <a:lnSpc>
+                <a:spcPct val="115000"/>
+              </a:lnSpc>
+              <a:spcBef>
+                <a:spcPts val="0"/>
+              </a:spcBef>
+              <a:spcAft>
+                <a:spcPts val="0"/>
+              </a:spcAft>
+              <a:buClr>
+                <a:srgbClr val="000000"/>
+              </a:buClr>
+              <a:buSzTx/>
+              <a:buFontTx/>
+              <a:buNone/>
+              <a:tabLst/>
+              <a:defRPr/>
+            </a:pPr>
+            <a:r>
+              <a:rPr kumimoji="0" lang="en" sz="2000" b="0" i="0" u="none" strike="noStrike" kern="0" cap="none" spc="0" normalizeH="0" baseline="0" noProof="0" dirty="0">
+                <a:ln>
+                  <a:noFill/>
+                </a:ln>
+                <a:solidFill>
+                  <a:srgbClr val="8E7CC3"/>
+                </a:solidFill>
+                <a:effectLst/>
+                <a:uLnTx/>
+                <a:uFillTx/>
+                <a:latin typeface="DM Sans"/>
+                <a:ea typeface="DM Sans"/>
+                <a:cs typeface="DM Sans"/>
+                <a:sym typeface="DM Sans"/>
+              </a:rPr>
+              <a:t>O melhor </a:t>
+            </a:r>
+            <a:r>
+              <a:rPr kumimoji="0" lang="en" sz="2000" b="1" i="0" u="none" strike="noStrike" kern="0" cap="none" spc="0" normalizeH="0" baseline="0" noProof="0" dirty="0">
+                <a:ln>
+                  <a:noFill/>
+                </a:ln>
+                <a:solidFill>
+                  <a:srgbClr val="8E7CC3"/>
+                </a:solidFill>
+                <a:effectLst/>
+                <a:uLnTx/>
+                <a:uFillTx/>
+                <a:latin typeface="DM Sans"/>
+                <a:ea typeface="DM Sans"/>
+                <a:cs typeface="DM Sans"/>
+                <a:sym typeface="DM Sans"/>
+              </a:rPr>
+              <a:t>cuidado</a:t>
+            </a:r>
+            <a:r>
+              <a:rPr kumimoji="0" lang="en" sz="2000" b="0" i="0" u="none" strike="noStrike" kern="0" cap="none" spc="0" normalizeH="0" baseline="0" noProof="0" dirty="0">
+                <a:ln>
+                  <a:noFill/>
+                </a:ln>
+                <a:solidFill>
+                  <a:srgbClr val="8E7CC3"/>
+                </a:solidFill>
+                <a:effectLst/>
+                <a:uLnTx/>
+                <a:uFillTx/>
+                <a:latin typeface="DM Sans"/>
+                <a:ea typeface="DM Sans"/>
+                <a:cs typeface="DM Sans"/>
+                <a:sym typeface="DM Sans"/>
+              </a:rPr>
+              <a:t> para cada pessoa em um SUS conectado</a:t>
+            </a:r>
+            <a:endParaRPr kumimoji="0" sz="2000" b="0" i="0" u="none" strike="noStrike" kern="0" cap="none" spc="0" normalizeH="0" baseline="0" noProof="0" dirty="0">
+              <a:ln>
+                <a:noFill/>
+              </a:ln>
+              <a:solidFill>
+                <a:srgbClr val="8E7CC3"/>
+              </a:solidFill>
+              <a:effectLst/>
+              <a:uLnTx/>
+              <a:uFillTx/>
+              <a:latin typeface="DM Sans"/>
+              <a:ea typeface="DM Sans"/>
+              <a:cs typeface="DM Sans"/>
+              <a:sym typeface="DM Sans"/>
+            </a:endParaRPr>
+          </a:p>
+        </p:txBody>
+      </p:sp>
+      <p:sp>
+        <p:nvSpPr>
+          <p:cNvPr id="130" name="Google Shape;130;p25"/>
+          <p:cNvSpPr txBox="1"/>
+          <p:nvPr/>
+        </p:nvSpPr>
+        <p:spPr>
+          <a:xfrm>
+            <a:off x="8561933" y="4852717"/>
+            <a:ext cx="3440400" cy="1632971"/>
+          </a:xfrm>
+          <a:prstGeom prst="rect">
+            <a:avLst/>
+          </a:prstGeom>
+          <a:noFill/>
+          <a:ln>
+            <a:noFill/>
+          </a:ln>
+        </p:spPr>
+        <p:txBody>
+          <a:bodyPr spcFirstLastPara="1" wrap="square" lIns="121900" tIns="121900" rIns="121900" bIns="121900" anchor="t" anchorCtr="0">
+            <a:spAutoFit/>
+          </a:bodyPr>
+          <a:lstStyle/>
+          <a:p>
+            <a:pPr marL="0" marR="0" lvl="0" indent="0" algn="l" defTabSz="1219170" rtl="0" eaLnBrk="1" fontAlgn="auto" latinLnBrk="0" hangingPunct="1">
+              <a:lnSpc>
+                <a:spcPct val="130000"/>
+              </a:lnSpc>
+              <a:spcBef>
+                <a:spcPts val="0"/>
+              </a:spcBef>
+              <a:spcAft>
+                <a:spcPts val="0"/>
+              </a:spcAft>
+              <a:buClr>
+                <a:srgbClr val="000000"/>
+              </a:buClr>
+              <a:buSzPts val="1100"/>
+              <a:buFontTx/>
+              <a:buNone/>
+              <a:tabLst/>
+              <a:defRPr/>
+            </a:pPr>
+            <a:r>
+              <a:rPr kumimoji="0" lang="en" sz="1733" b="1" i="0" u="none" strike="noStrike" kern="0" cap="none" spc="0" normalizeH="0" baseline="0" noProof="0" dirty="0">
+                <a:ln>
+                  <a:noFill/>
+                </a:ln>
+                <a:solidFill>
+                  <a:srgbClr val="B4A7D6"/>
+                </a:solidFill>
+                <a:effectLst/>
+                <a:uLnTx/>
+                <a:uFillTx/>
+                <a:latin typeface="DM Sans"/>
+                <a:ea typeface="DM Sans"/>
+                <a:cs typeface="DM Sans"/>
+                <a:sym typeface="DM Sans"/>
+              </a:rPr>
+              <a:t>#estruturantes para o SUS</a:t>
+            </a:r>
+            <a:endParaRPr kumimoji="0" sz="1733" b="1" i="0" u="none" strike="noStrike" kern="0" cap="none" spc="0" normalizeH="0" baseline="0" noProof="0" dirty="0">
+              <a:ln>
+                <a:noFill/>
+              </a:ln>
+              <a:solidFill>
+                <a:srgbClr val="B4A7D6"/>
+              </a:solidFill>
+              <a:effectLst/>
+              <a:uLnTx/>
+              <a:uFillTx/>
+              <a:latin typeface="DM Sans"/>
+              <a:ea typeface="DM Sans"/>
+              <a:cs typeface="DM Sans"/>
+              <a:sym typeface="DM Sans"/>
+            </a:endParaRPr>
+          </a:p>
+          <a:p>
+            <a:pPr marL="0" marR="0" lvl="0" indent="0" algn="l" defTabSz="1219170" rtl="0" eaLnBrk="1" fontAlgn="auto" latinLnBrk="0" hangingPunct="1">
+              <a:lnSpc>
+                <a:spcPct val="130000"/>
+              </a:lnSpc>
+              <a:spcBef>
+                <a:spcPts val="0"/>
+              </a:spcBef>
+              <a:spcAft>
+                <a:spcPts val="0"/>
+              </a:spcAft>
+              <a:buClr>
+                <a:srgbClr val="000000"/>
+              </a:buClr>
+              <a:buSzPts val="1100"/>
+              <a:buFontTx/>
+              <a:buNone/>
+              <a:tabLst/>
+              <a:defRPr/>
+            </a:pPr>
+            <a:r>
+              <a:rPr kumimoji="0" lang="en" sz="1733" b="1" i="0" u="none" strike="noStrike" kern="0" cap="none" spc="0" normalizeH="0" baseline="0" noProof="0" dirty="0">
+                <a:ln>
+                  <a:noFill/>
+                </a:ln>
+                <a:solidFill>
+                  <a:srgbClr val="B4A7D6"/>
+                </a:solidFill>
+                <a:effectLst/>
+                <a:uLnTx/>
+                <a:uFillTx/>
+                <a:latin typeface="DM Sans"/>
+                <a:ea typeface="DM Sans"/>
+                <a:cs typeface="DM Sans"/>
+                <a:sym typeface="DM Sans"/>
+              </a:rPr>
+              <a:t>#centrados no usuário</a:t>
+            </a:r>
+            <a:endParaRPr kumimoji="0" sz="1733" b="1" i="0" u="none" strike="noStrike" kern="0" cap="none" spc="0" normalizeH="0" baseline="0" noProof="0" dirty="0">
+              <a:ln>
+                <a:noFill/>
+              </a:ln>
+              <a:solidFill>
+                <a:srgbClr val="B4A7D6"/>
+              </a:solidFill>
+              <a:effectLst/>
+              <a:uLnTx/>
+              <a:uFillTx/>
+              <a:latin typeface="DM Sans"/>
+              <a:ea typeface="DM Sans"/>
+              <a:cs typeface="DM Sans"/>
+              <a:sym typeface="DM Sans"/>
+            </a:endParaRPr>
+          </a:p>
+          <a:p>
+            <a:pPr marL="0" marR="0" lvl="0" indent="0" algn="l" defTabSz="1219170" rtl="0" eaLnBrk="1" fontAlgn="auto" latinLnBrk="0" hangingPunct="1">
+              <a:lnSpc>
+                <a:spcPct val="130000"/>
+              </a:lnSpc>
+              <a:spcBef>
+                <a:spcPts val="0"/>
+              </a:spcBef>
+              <a:spcAft>
+                <a:spcPts val="0"/>
+              </a:spcAft>
+              <a:buClr>
+                <a:srgbClr val="000000"/>
+              </a:buClr>
+              <a:buSzPts val="1100"/>
+              <a:buFontTx/>
+              <a:buNone/>
+              <a:tabLst/>
+              <a:defRPr/>
+            </a:pPr>
+            <a:r>
+              <a:rPr kumimoji="0" lang="en" sz="1733" b="1" i="0" u="none" strike="noStrike" kern="0" cap="none" spc="0" normalizeH="0" baseline="0" noProof="0" dirty="0">
+                <a:ln>
+                  <a:noFill/>
+                </a:ln>
+                <a:solidFill>
+                  <a:srgbClr val="B4A7D6"/>
+                </a:solidFill>
+                <a:effectLst/>
+                <a:uLnTx/>
+                <a:uFillTx/>
+                <a:latin typeface="DM Sans"/>
+                <a:ea typeface="DM Sans"/>
+                <a:cs typeface="DM Sans"/>
+                <a:sym typeface="DM Sans"/>
+              </a:rPr>
+              <a:t>#orientados por dados</a:t>
+            </a:r>
+            <a:endParaRPr kumimoji="0" sz="1733" b="1" i="0" u="none" strike="noStrike" kern="0" cap="none" spc="0" normalizeH="0" baseline="0" noProof="0" dirty="0">
+              <a:ln>
+                <a:noFill/>
+              </a:ln>
+              <a:solidFill>
+                <a:srgbClr val="B4A7D6"/>
+              </a:solidFill>
+              <a:effectLst/>
+              <a:uLnTx/>
+              <a:uFillTx/>
+              <a:latin typeface="DM Sans"/>
+              <a:ea typeface="DM Sans"/>
+              <a:cs typeface="DM Sans"/>
+              <a:sym typeface="DM Sans"/>
+            </a:endParaRPr>
+          </a:p>
+          <a:p>
+            <a:pPr marL="0" marR="0" lvl="0" indent="0" algn="l" defTabSz="1219170" rtl="0" eaLnBrk="1" fontAlgn="auto" latinLnBrk="0" hangingPunct="1">
+              <a:lnSpc>
+                <a:spcPct val="130000"/>
+              </a:lnSpc>
+              <a:spcBef>
+                <a:spcPts val="0"/>
+              </a:spcBef>
+              <a:spcAft>
+                <a:spcPts val="0"/>
+              </a:spcAft>
+              <a:buClr>
+                <a:srgbClr val="000000"/>
+              </a:buClr>
+              <a:buSzPts val="1100"/>
+              <a:buFontTx/>
+              <a:buNone/>
+              <a:tabLst/>
+              <a:defRPr/>
+            </a:pPr>
+            <a:r>
+              <a:rPr kumimoji="0" lang="en" sz="1733" b="1" i="0" u="none" strike="noStrike" kern="0" cap="none" spc="0" normalizeH="0" baseline="0" noProof="0" dirty="0">
+                <a:ln>
+                  <a:noFill/>
+                </a:ln>
+                <a:solidFill>
+                  <a:srgbClr val="B4A7D6"/>
+                </a:solidFill>
+                <a:effectLst/>
+                <a:uLnTx/>
+                <a:uFillTx/>
+                <a:latin typeface="DM Sans"/>
+                <a:ea typeface="DM Sans"/>
+                <a:cs typeface="DM Sans"/>
+                <a:sym typeface="DM Sans"/>
+              </a:rPr>
+              <a:t>#o SUS ta ON</a:t>
+            </a:r>
+            <a:endParaRPr kumimoji="0" sz="2000" b="1" i="0" u="none" strike="noStrike" kern="0" cap="none" spc="0" normalizeH="0" baseline="0" noProof="0" dirty="0">
+              <a:ln>
+                <a:noFill/>
+              </a:ln>
+              <a:solidFill>
+                <a:srgbClr val="B4A7D6"/>
+              </a:solidFill>
+              <a:effectLst/>
+              <a:uLnTx/>
+              <a:uFillTx/>
+              <a:latin typeface="DM Sans"/>
+              <a:ea typeface="DM Sans"/>
+              <a:cs typeface="DM Sans"/>
+              <a:sym typeface="DM Sans"/>
+            </a:endParaRPr>
+          </a:p>
+        </p:txBody>
+      </p:sp>
+      <p:sp>
+        <p:nvSpPr>
+          <p:cNvPr id="131" name="Google Shape;131;p25"/>
+          <p:cNvSpPr/>
+          <p:nvPr/>
+        </p:nvSpPr>
+        <p:spPr>
+          <a:xfrm>
+            <a:off x="8561933" y="0"/>
+            <a:ext cx="3630000" cy="3217200"/>
+          </a:xfrm>
+          <a:prstGeom prst="roundRect">
+            <a:avLst>
+              <a:gd name="adj" fmla="val 0"/>
+            </a:avLst>
+          </a:prstGeom>
+          <a:solidFill>
+            <a:srgbClr val="B4A7D6"/>
+          </a:solidFill>
+          <a:ln>
+            <a:noFill/>
+          </a:ln>
+        </p:spPr>
+        <p:txBody>
+          <a:bodyPr spcFirstLastPara="1" wrap="square" lIns="121900" tIns="121900" rIns="121900" bIns="121900" anchor="ctr" anchorCtr="0">
+            <a:noAutofit/>
+          </a:bodyPr>
+          <a:lstStyle/>
+          <a:p>
+            <a:pPr marL="0" marR="0" lvl="0" indent="0" algn="l" defTabSz="1219170" rtl="0" eaLnBrk="1" fontAlgn="auto" latinLnBrk="0" hangingPunct="1">
+              <a:lnSpc>
+                <a:spcPct val="100000"/>
+              </a:lnSpc>
+              <a:spcBef>
+                <a:spcPts val="0"/>
+              </a:spcBef>
+              <a:spcAft>
+                <a:spcPts val="0"/>
+              </a:spcAft>
+              <a:buClr>
+                <a:srgbClr val="000000"/>
+              </a:buClr>
+              <a:buSzTx/>
+              <a:buFontTx/>
+              <a:buNone/>
+              <a:tabLst/>
+              <a:defRPr/>
+            </a:pPr>
+            <a:endParaRPr kumimoji="0" sz="1867" b="0" i="0" u="none" strike="noStrike" kern="0" cap="none" spc="0" normalizeH="0" baseline="0" noProof="0">
+              <a:ln>
+                <a:noFill/>
+              </a:ln>
+              <a:solidFill>
+                <a:srgbClr val="000000"/>
+              </a:solidFill>
+              <a:effectLst/>
+              <a:uLnTx/>
+              <a:uFillTx/>
+              <a:latin typeface="Arial"/>
+              <a:ea typeface="+mn-ea"/>
+              <a:cs typeface="Arial"/>
+              <a:sym typeface="Arial"/>
+            </a:endParaRPr>
+          </a:p>
+        </p:txBody>
+      </p:sp>
+      <p:sp>
+        <p:nvSpPr>
+          <p:cNvPr id="132" name="Google Shape;132;p25"/>
+          <p:cNvSpPr txBox="1"/>
+          <p:nvPr/>
+        </p:nvSpPr>
+        <p:spPr>
+          <a:xfrm>
+            <a:off x="8178393" y="2096201"/>
+            <a:ext cx="3244000" cy="1099684"/>
+          </a:xfrm>
+          <a:prstGeom prst="rect">
+            <a:avLst/>
+          </a:prstGeom>
+          <a:noFill/>
+          <a:ln>
+            <a:noFill/>
+          </a:ln>
+        </p:spPr>
+        <p:txBody>
+          <a:bodyPr spcFirstLastPara="1" wrap="square" lIns="121900" tIns="121900" rIns="121900" bIns="121900" anchor="t" anchorCtr="0">
+            <a:spAutoFit/>
+          </a:bodyPr>
+          <a:lstStyle/>
+          <a:p>
+            <a:pPr marL="0" marR="0" lvl="0" indent="0" algn="ctr" defTabSz="1219170" rtl="0" eaLnBrk="1" fontAlgn="auto" latinLnBrk="0" hangingPunct="1">
+              <a:lnSpc>
+                <a:spcPct val="80000"/>
+              </a:lnSpc>
+              <a:spcBef>
+                <a:spcPts val="0"/>
+              </a:spcBef>
+              <a:spcAft>
+                <a:spcPts val="0"/>
+              </a:spcAft>
+              <a:buClr>
+                <a:srgbClr val="000000"/>
+              </a:buClr>
+              <a:buSzPts val="1100"/>
+              <a:buFontTx/>
+              <a:buNone/>
+              <a:tabLst/>
+              <a:defRPr/>
+            </a:pPr>
+            <a:r>
+              <a:rPr kumimoji="0" lang="en" sz="4800" b="0" i="0" u="none" strike="noStrike" kern="0" cap="none" spc="0" normalizeH="0" baseline="0" noProof="0">
+                <a:ln>
+                  <a:noFill/>
+                </a:ln>
+                <a:solidFill>
+                  <a:srgbClr val="EFEFEF"/>
+                </a:solidFill>
+                <a:effectLst/>
+                <a:uLnTx/>
+                <a:uFillTx/>
+                <a:latin typeface="Sniglet"/>
+                <a:ea typeface="Sniglet"/>
+                <a:cs typeface="Sniglet"/>
+                <a:sym typeface="Sniglet"/>
+              </a:rPr>
+              <a:t>digital</a:t>
+            </a:r>
+            <a:endParaRPr kumimoji="0" sz="4800" b="0" i="0" u="none" strike="noStrike" kern="0" cap="none" spc="0" normalizeH="0" baseline="0" noProof="0">
+              <a:ln>
+                <a:noFill/>
+              </a:ln>
+              <a:solidFill>
+                <a:srgbClr val="EFEFEF"/>
+              </a:solidFill>
+              <a:effectLst/>
+              <a:uLnTx/>
+              <a:uFillTx/>
+              <a:latin typeface="Sniglet"/>
+              <a:ea typeface="Sniglet"/>
+              <a:cs typeface="Sniglet"/>
+              <a:sym typeface="Sniglet"/>
+            </a:endParaRPr>
+          </a:p>
+          <a:p>
+            <a:pPr marL="0" marR="0" lvl="0" indent="0" algn="ctr" defTabSz="1219170" rtl="0" eaLnBrk="1" fontAlgn="auto" latinLnBrk="0" hangingPunct="1">
+              <a:lnSpc>
+                <a:spcPct val="80000"/>
+              </a:lnSpc>
+              <a:spcBef>
+                <a:spcPts val="0"/>
+              </a:spcBef>
+              <a:spcAft>
+                <a:spcPts val="0"/>
+              </a:spcAft>
+              <a:buClr>
+                <a:srgbClr val="000000"/>
+              </a:buClr>
+              <a:buSzTx/>
+              <a:buFontTx/>
+              <a:buNone/>
+              <a:tabLst/>
+              <a:defRPr/>
+            </a:pPr>
+            <a:endParaRPr kumimoji="0" sz="2133" b="0" i="0" u="none" strike="noStrike" kern="0" cap="none" spc="0" normalizeH="0" baseline="0" noProof="0">
+              <a:ln>
+                <a:noFill/>
+              </a:ln>
+              <a:solidFill>
+                <a:srgbClr val="EFEFEF"/>
+              </a:solidFill>
+              <a:effectLst/>
+              <a:uLnTx/>
+              <a:uFillTx/>
+              <a:latin typeface="Capriola"/>
+              <a:ea typeface="Capriola"/>
+              <a:cs typeface="Capriola"/>
+              <a:sym typeface="Capriola"/>
+            </a:endParaRPr>
+          </a:p>
+        </p:txBody>
+      </p:sp>
+      <p:sp>
+        <p:nvSpPr>
+          <p:cNvPr id="133" name="Google Shape;133;p25"/>
+          <p:cNvSpPr txBox="1"/>
+          <p:nvPr/>
+        </p:nvSpPr>
+        <p:spPr>
+          <a:xfrm>
+            <a:off x="9682484" y="2683834"/>
+            <a:ext cx="1920000" cy="377563"/>
+          </a:xfrm>
+          <a:prstGeom prst="rect">
+            <a:avLst/>
+          </a:prstGeom>
+          <a:noFill/>
+          <a:ln>
+            <a:noFill/>
+          </a:ln>
+        </p:spPr>
+        <p:txBody>
+          <a:bodyPr spcFirstLastPara="1" wrap="square" lIns="121900" tIns="121900" rIns="121900" bIns="121900" anchor="t" anchorCtr="0">
+            <a:spAutoFit/>
+          </a:bodyPr>
+          <a:lstStyle/>
+          <a:p>
+            <a:pPr marL="0" marR="0" lvl="0" indent="0" algn="l" defTabSz="1219170" rtl="0" eaLnBrk="1" fontAlgn="auto" latinLnBrk="0" hangingPunct="1">
+              <a:lnSpc>
+                <a:spcPct val="80000"/>
+              </a:lnSpc>
+              <a:spcBef>
+                <a:spcPts val="0"/>
+              </a:spcBef>
+              <a:spcAft>
+                <a:spcPts val="0"/>
+              </a:spcAft>
+              <a:buClr>
+                <a:srgbClr val="000000"/>
+              </a:buClr>
+              <a:buSzTx/>
+              <a:buFontTx/>
+              <a:buNone/>
+              <a:tabLst/>
+              <a:defRPr/>
+            </a:pPr>
+            <a:r>
+              <a:rPr kumimoji="0" lang="en" sz="1067" b="0" i="0" u="none" strike="noStrike" kern="0" cap="none" spc="0" normalizeH="0" baseline="0" noProof="0">
+                <a:ln>
+                  <a:noFill/>
+                </a:ln>
+                <a:solidFill>
+                  <a:srgbClr val="EFEFEF"/>
+                </a:solidFill>
+                <a:effectLst/>
+                <a:uLnTx/>
+                <a:uFillTx/>
+                <a:latin typeface="Varela Round"/>
+                <a:ea typeface="Varela Round"/>
+                <a:cs typeface="Varela Round"/>
+                <a:sym typeface="Varela Round"/>
+              </a:rPr>
+              <a:t>PORTFÓLIO</a:t>
+            </a:r>
+            <a:endParaRPr kumimoji="0" sz="533" b="0" i="0" u="none" strike="noStrike" kern="0" cap="none" spc="0" normalizeH="0" baseline="0" noProof="0">
+              <a:ln>
+                <a:noFill/>
+              </a:ln>
+              <a:solidFill>
+                <a:srgbClr val="EFEFEF"/>
+              </a:solidFill>
+              <a:effectLst/>
+              <a:uLnTx/>
+              <a:uFillTx/>
+              <a:latin typeface="Arial"/>
+              <a:ea typeface="+mn-ea"/>
+              <a:cs typeface="Arial"/>
+              <a:sym typeface="Arial"/>
+            </a:endParaRPr>
+          </a:p>
+        </p:txBody>
+      </p:sp>
+      <p:pic>
+        <p:nvPicPr>
+          <p:cNvPr id="135" name="Google Shape;135;p25"/>
+          <p:cNvPicPr preferRelativeResize="0"/>
+          <p:nvPr/>
+        </p:nvPicPr>
+        <p:blipFill>
+          <a:blip r:embed="rId3">
+            <a:alphaModFix/>
+          </a:blip>
+          <a:stretch>
+            <a:fillRect/>
+          </a:stretch>
+        </p:blipFill>
+        <p:spPr>
+          <a:xfrm>
+            <a:off x="77333" y="166365"/>
+            <a:ext cx="1920000" cy="517435"/>
+          </a:xfrm>
+          <a:prstGeom prst="rect">
+            <a:avLst/>
+          </a:prstGeom>
+          <a:noFill/>
+          <a:ln>
+            <a:noFill/>
+          </a:ln>
+        </p:spPr>
+      </p:pic>
+      <p:sp>
+        <p:nvSpPr>
+          <p:cNvPr id="43" name="Title 1"/>
           <p:cNvSpPr>
             <a:spLocks noGrp="1"/>
           </p:cNvSpPr>
           <p:nvPr>
-            <p:ph type="title"/>
-          </p:nvPr>
-        </p:nvSpPr>
-        <p:spPr/>
-        <p:txBody>
-          <a:bodyPr/>
+            <p:ph type="ctrTitle"/>
+          </p:nvPr>
+        </p:nvSpPr>
+        <p:spPr>
+          <a:xfrm>
+            <a:off x="361406" y="1046747"/>
+            <a:ext cx="6436436" cy="3518121"/>
+          </a:xfrm>
+        </p:spPr>
+        <p:txBody>
+          <a:bodyPr lIns="91440" tIns="45720" rIns="91440" bIns="45720" anchor="b">
+            <a:normAutofit/>
+          </a:bodyPr>
           <a:lstStyle/>
           <a:p>
-            <a:r>
-              <a:rPr lang="en-BR" dirty="0"/>
-              <a:t>Mudanças no Escopo do Projeto</a:t>
-            </a:r>
-          </a:p>
-        </p:txBody>
-      </p:sp>
-      <p:sp>
-        <p:nvSpPr>
-          <p:cNvPr id="4" name="Content Placeholder 3">
-            <a:extLst>
-              <a:ext uri="{FF2B5EF4-FFF2-40B4-BE49-F238E27FC236}">
-                <a16:creationId xmlns:a16="http://schemas.microsoft.com/office/drawing/2014/main" id="{220632D4-E6BD-7782-54CF-966432418F4E}"/>
-              </a:ext>
-            </a:extLst>
-          </p:cNvPr>
-          <p:cNvSpPr>
-            <a:spLocks noGrp="1"/>
-          </p:cNvSpPr>
-          <p:nvPr>
-            <p:ph idx="1"/>
-          </p:nvPr>
-        </p:nvSpPr>
-        <p:spPr/>
-        <p:txBody>
-          <a:bodyPr/>
-          <a:lstStyle/>
-          <a:p>
-            <a:r>
-              <a:rPr lang="en-BR" dirty="0"/>
-              <a:t>O projeto inicial previa um escopo de 17 meses, mas acabou sendo aprovado em dez 2022 -&gt; 12 meses -&gt; término em dez 23</a:t>
-            </a:r>
-          </a:p>
-          <a:p>
-            <a:r>
-              <a:rPr lang="en-BR" dirty="0"/>
-              <a:t>O projeto previa extrair as informações DISPONÍVEIS na RNDS para geração do IPS</a:t>
-            </a:r>
-          </a:p>
-          <a:p>
-            <a:pPr lvl="1"/>
-            <a:r>
-              <a:rPr lang="en-BR" dirty="0"/>
-              <a:t>RAC deveria estar completo na RNDS porém, na prática, hoje estão na RNDS:</a:t>
-            </a:r>
-          </a:p>
-          <a:p>
-            <a:pPr lvl="2"/>
-            <a:r>
-              <a:rPr lang="en-BR" dirty="0"/>
-              <a:t>Registro de Imunização</a:t>
-            </a:r>
-          </a:p>
-          <a:p>
-            <a:pPr lvl="2"/>
-            <a:r>
-              <a:rPr lang="en-BR" dirty="0"/>
-              <a:t>Registro de Exames COVID-19 e MonkeyPox</a:t>
-            </a:r>
-          </a:p>
-          <a:p>
-            <a:pPr lvl="1"/>
-            <a:r>
-              <a:rPr lang="en-BR" dirty="0"/>
-              <a:t>Ontologia Brasileiro da Medicmamentos (necessária para o Bloco Medicamentos)  deveria estar com todos os medicamentos da APS</a:t>
-            </a:r>
-          </a:p>
-          <a:p>
-            <a:pPr lvl="2"/>
-            <a:r>
-              <a:rPr lang="en-BR" dirty="0"/>
-              <a:t>Hoje OBM contém o elenco da Farmácia Popular</a:t>
-            </a:r>
+            <a:pPr algn="l"/>
+            <a:r>
+              <a:rPr lang="pt-BR" sz="3200" b="1" dirty="0">
+                <a:solidFill>
+                  <a:srgbClr val="137CC0"/>
+                </a:solidFill>
+                <a:latin typeface="DM Sans" panose="020B0604020202020204"/>
+                <a:ea typeface="Verdana"/>
+              </a:rPr>
+              <a:t>Promoção do Ambiente de  Interconectividade em Saúde como apoio a Implementação da Estratégia de Saúde Digital do Brasil</a:t>
+            </a:r>
+            <a:br>
+              <a:rPr lang="pt-BR" sz="3200" b="1" dirty="0">
+                <a:solidFill>
+                  <a:srgbClr val="137CC0"/>
+                </a:solidFill>
+                <a:latin typeface="DM Sans" panose="020B0604020202020204"/>
+                <a:ea typeface="Verdana"/>
+              </a:rPr>
+            </a:br>
+            <a:br>
+              <a:rPr lang="pt-BR" sz="3200" b="1" dirty="0">
+                <a:solidFill>
+                  <a:srgbClr val="137CC0"/>
+                </a:solidFill>
+                <a:latin typeface="DM Sans" panose="020B0604020202020204"/>
+                <a:ea typeface="Verdana"/>
+              </a:rPr>
+            </a:br>
+            <a:r>
+              <a:rPr lang="pt-BR" sz="3200" b="1" dirty="0">
+                <a:solidFill>
+                  <a:srgbClr val="00D1F8"/>
+                </a:solidFill>
+                <a:latin typeface="DM Sans" panose="020B0604020202020204"/>
+                <a:ea typeface="Verdana"/>
+              </a:rPr>
+              <a:t>IPS Brasil</a:t>
+            </a:r>
+            <a:endParaRPr lang="pt-BR" sz="3200" dirty="0">
+              <a:solidFill>
+                <a:srgbClr val="00D1F8"/>
+              </a:solidFill>
+              <a:latin typeface="DM Sans" panose="020B0604020202020204"/>
+              <a:cs typeface="Calibri Light" panose="020F0302020204030204"/>
+            </a:endParaRPr>
           </a:p>
         </p:txBody>
       </p:sp>
     </p:spTree>
     <p:extLst>
       <p:ext uri="{BB962C8B-B14F-4D97-AF65-F5344CB8AC3E}">
-        <p14:creationId xmlns:p14="http://schemas.microsoft.com/office/powerpoint/2010/main" val="2589546202"/>
+        <p14:creationId xmlns:p14="http://schemas.microsoft.com/office/powerpoint/2010/main" val="3276348427"/>
       </p:ext>
     </p:extLst>
   </p:cSld>
@@ -3075,578 +4159,99 @@
       </p:grpSpPr>
       <p:sp>
         <p:nvSpPr>
-          <p:cNvPr id="4" name="Google Shape;655;p119">
+          <p:cNvPr id="3" name="Title 2">
             <a:extLst>
               <a:ext uri="{FF2B5EF4-FFF2-40B4-BE49-F238E27FC236}">
-                <a16:creationId xmlns:a16="http://schemas.microsoft.com/office/drawing/2014/main" id="{49DF7715-E032-B3F7-7B4F-3C7533D88733}"/>
+                <a16:creationId xmlns:a16="http://schemas.microsoft.com/office/drawing/2014/main" id="{B81B9399-1967-EA1F-22E1-3806C2318777}"/>
               </a:ext>
             </a:extLst>
           </p:cNvPr>
-          <p:cNvSpPr txBox="1"/>
-          <p:nvPr/>
-        </p:nvSpPr>
-        <p:spPr>
-          <a:xfrm>
-            <a:off x="307517" y="115223"/>
-            <a:ext cx="9975735" cy="738623"/>
-          </a:xfrm>
-          <a:prstGeom prst="rect">
-            <a:avLst/>
-          </a:prstGeom>
-          <a:noFill/>
-          <a:ln>
-            <a:noFill/>
-          </a:ln>
-        </p:spPr>
-        <p:txBody>
-          <a:bodyPr spcFirstLastPara="1" wrap="square" lIns="121900" tIns="121900" rIns="121900" bIns="121900" anchor="t" anchorCtr="0">
-            <a:spAutoFit/>
+          <p:cNvSpPr>
+            <a:spLocks noGrp="1"/>
+          </p:cNvSpPr>
+          <p:nvPr>
+            <p:ph type="title"/>
+          </p:nvPr>
+        </p:nvSpPr>
+        <p:spPr/>
+        <p:txBody>
+          <a:bodyPr>
+            <a:normAutofit/>
           </a:bodyPr>
           <a:lstStyle/>
           <a:p>
-            <a:pPr defTabSz="1219170">
-              <a:buClr>
-                <a:srgbClr val="000000"/>
-              </a:buClr>
-            </a:pPr>
-            <a:r>
-              <a:rPr lang="pt-BR" sz="3200" b="1" kern="0" dirty="0">
-                <a:solidFill>
-                  <a:srgbClr val="B4A7D6"/>
-                </a:solidFill>
-                <a:latin typeface="Raleway"/>
-                <a:ea typeface="Raleway"/>
-                <a:cs typeface="Raleway"/>
-                <a:sym typeface="Raleway"/>
-              </a:rPr>
-              <a:t>Escopo do projeto*</a:t>
-            </a:r>
-            <a:endParaRPr sz="3200" b="1" i="1" kern="0" dirty="0">
-              <a:solidFill>
-                <a:srgbClr val="B4A7D6"/>
-              </a:solidFill>
-              <a:latin typeface="Raleway"/>
-              <a:ea typeface="Raleway"/>
-              <a:cs typeface="Raleway"/>
-              <a:sym typeface="Raleway"/>
-            </a:endParaRPr>
-          </a:p>
-        </p:txBody>
-      </p:sp>
-      <p:sp>
-        <p:nvSpPr>
-          <p:cNvPr id="7" name="CaixaDeTexto 6">
+            <a:r>
+              <a:rPr lang="en-BR" sz="4000" dirty="0"/>
+              <a:t>Mudanças no Escopo do Projeto - Justificativas</a:t>
+            </a:r>
+          </a:p>
+        </p:txBody>
+      </p:sp>
+      <p:sp>
+        <p:nvSpPr>
+          <p:cNvPr id="4" name="Content Placeholder 3">
             <a:extLst>
               <a:ext uri="{FF2B5EF4-FFF2-40B4-BE49-F238E27FC236}">
-                <a16:creationId xmlns:a16="http://schemas.microsoft.com/office/drawing/2014/main" id="{2B1A7D1B-47EE-7910-65EA-5D088C9740E3}"/>
+                <a16:creationId xmlns:a16="http://schemas.microsoft.com/office/drawing/2014/main" id="{220632D4-E6BD-7782-54CF-966432418F4E}"/>
               </a:ext>
             </a:extLst>
           </p:cNvPr>
-          <p:cNvSpPr txBox="1"/>
-          <p:nvPr/>
-        </p:nvSpPr>
-        <p:spPr>
-          <a:xfrm>
-            <a:off x="177799" y="1231936"/>
-            <a:ext cx="11836401" cy="4763420"/>
-          </a:xfrm>
-          <a:prstGeom prst="rect">
-            <a:avLst/>
-          </a:prstGeom>
-          <a:noFill/>
-        </p:spPr>
-        <p:txBody>
-          <a:bodyPr wrap="square" anchor="ctr">
-            <a:spAutoFit/>
-          </a:bodyPr>
+          <p:cNvSpPr>
+            <a:spLocks noGrp="1"/>
+          </p:cNvSpPr>
+          <p:nvPr>
+            <p:ph idx="1"/>
+          </p:nvPr>
+        </p:nvSpPr>
+        <p:spPr/>
+        <p:txBody>
+          <a:bodyPr/>
           <a:lstStyle/>
           <a:p>
-            <a:pPr>
-              <a:lnSpc>
-                <a:spcPct val="150000"/>
-              </a:lnSpc>
-            </a:pPr>
-            <a:r>
-              <a:rPr lang="en-BR" sz="2400" dirty="0">
-                <a:solidFill>
-                  <a:srgbClr val="137CC0"/>
-                </a:solidFill>
-                <a:latin typeface="DM Sans" pitchFamily="2" charset="77"/>
-              </a:rPr>
-              <a:t>Elaboração </a:t>
-            </a:r>
-            <a:r>
-              <a:rPr lang="pt-BR" sz="2400" dirty="0">
-                <a:solidFill>
-                  <a:srgbClr val="137CC0"/>
-                </a:solidFill>
-                <a:latin typeface="DM Sans" pitchFamily="2" charset="77"/>
-              </a:rPr>
-              <a:t>dos </a:t>
-            </a:r>
-            <a:r>
-              <a:rPr lang="en-BR" sz="2400" dirty="0">
-                <a:solidFill>
-                  <a:srgbClr val="137CC0"/>
-                </a:solidFill>
-                <a:latin typeface="DM Sans" pitchFamily="2" charset="77"/>
-              </a:rPr>
-              <a:t>G</a:t>
-            </a:r>
-            <a:r>
-              <a:rPr lang="pt-BR" sz="2400" dirty="0" err="1">
-                <a:solidFill>
-                  <a:srgbClr val="137CC0"/>
-                </a:solidFill>
-                <a:latin typeface="DM Sans" pitchFamily="2" charset="77"/>
-              </a:rPr>
-              <a:t>uias</a:t>
-            </a:r>
-            <a:r>
-              <a:rPr lang="pt-BR" sz="2400" dirty="0">
-                <a:solidFill>
-                  <a:srgbClr val="137CC0"/>
-                </a:solidFill>
-                <a:latin typeface="DM Sans" pitchFamily="2" charset="77"/>
-              </a:rPr>
-              <a:t> de </a:t>
-            </a:r>
-            <a:r>
-              <a:rPr lang="en-BR" sz="2400" dirty="0">
-                <a:solidFill>
-                  <a:srgbClr val="137CC0"/>
-                </a:solidFill>
-                <a:latin typeface="DM Sans" pitchFamily="2" charset="77"/>
-              </a:rPr>
-              <a:t>I</a:t>
-            </a:r>
-            <a:r>
-              <a:rPr lang="pt-BR" sz="2400" dirty="0" err="1">
-                <a:solidFill>
-                  <a:srgbClr val="137CC0"/>
-                </a:solidFill>
-                <a:latin typeface="DM Sans" pitchFamily="2" charset="77"/>
-              </a:rPr>
-              <a:t>mplementação</a:t>
-            </a:r>
-            <a:r>
-              <a:rPr lang="pt-BR" sz="2400" dirty="0">
-                <a:solidFill>
-                  <a:srgbClr val="137CC0"/>
-                </a:solidFill>
-                <a:latin typeface="DM Sans" pitchFamily="2" charset="77"/>
-              </a:rPr>
-              <a:t> (GI) para os seguintes componentes do Sumário Internacional do Paciente (</a:t>
-            </a:r>
-            <a:r>
-              <a:rPr lang="pt-BR" sz="2400" dirty="0" err="1">
-                <a:solidFill>
-                  <a:srgbClr val="137CC0"/>
-                </a:solidFill>
-                <a:latin typeface="DM Sans" pitchFamily="2" charset="77"/>
-              </a:rPr>
-              <a:t>International</a:t>
-            </a:r>
-            <a:r>
-              <a:rPr lang="pt-BR" sz="2400" dirty="0">
-                <a:solidFill>
-                  <a:srgbClr val="137CC0"/>
-                </a:solidFill>
-                <a:latin typeface="DM Sans" pitchFamily="2" charset="77"/>
-              </a:rPr>
-              <a:t> </a:t>
-            </a:r>
-            <a:r>
-              <a:rPr lang="pt-BR" sz="2400" dirty="0" err="1">
-                <a:solidFill>
-                  <a:srgbClr val="137CC0"/>
-                </a:solidFill>
-                <a:latin typeface="DM Sans" pitchFamily="2" charset="77"/>
-              </a:rPr>
-              <a:t>Patient</a:t>
-            </a:r>
-            <a:r>
-              <a:rPr lang="pt-BR" sz="2400" dirty="0">
-                <a:solidFill>
-                  <a:srgbClr val="137CC0"/>
-                </a:solidFill>
-                <a:latin typeface="DM Sans" pitchFamily="2" charset="77"/>
-              </a:rPr>
-              <a:t> </a:t>
-            </a:r>
-            <a:r>
-              <a:rPr lang="pt-BR" sz="2400" dirty="0" err="1">
-                <a:solidFill>
-                  <a:srgbClr val="137CC0"/>
-                </a:solidFill>
-                <a:latin typeface="DM Sans" pitchFamily="2" charset="77"/>
-              </a:rPr>
-              <a:t>Summary</a:t>
-            </a:r>
-            <a:r>
-              <a:rPr lang="pt-BR" sz="2400" dirty="0">
-                <a:solidFill>
-                  <a:srgbClr val="137CC0"/>
-                </a:solidFill>
-                <a:latin typeface="DM Sans" pitchFamily="2" charset="77"/>
-              </a:rPr>
-              <a:t>-IPS) IPS Brasil:</a:t>
-            </a:r>
-          </a:p>
-          <a:p>
-            <a:pPr marL="342900" indent="-342900">
-              <a:lnSpc>
-                <a:spcPct val="150000"/>
-              </a:lnSpc>
-              <a:buFont typeface="Arial" panose="020B0604020202020204" pitchFamily="34" charset="0"/>
-              <a:buChar char="•"/>
-            </a:pPr>
-            <a:r>
-              <a:rPr lang="pt-BR" sz="2000" dirty="0">
-                <a:solidFill>
-                  <a:srgbClr val="137CC0"/>
-                </a:solidFill>
-                <a:latin typeface="DM Sans" pitchFamily="2" charset="77"/>
-              </a:rPr>
-              <a:t>IMUNIZAÇÃO</a:t>
-            </a:r>
-          </a:p>
-          <a:p>
-            <a:pPr marL="342900" indent="-342900">
-              <a:lnSpc>
-                <a:spcPct val="150000"/>
-              </a:lnSpc>
-              <a:buFont typeface="Arial" panose="020B0604020202020204" pitchFamily="34" charset="0"/>
-              <a:buChar char="•"/>
-            </a:pPr>
-            <a:r>
-              <a:rPr lang="pt-BR" sz="2000" dirty="0">
-                <a:solidFill>
-                  <a:srgbClr val="137CC0"/>
-                </a:solidFill>
-                <a:latin typeface="DM Sans" pitchFamily="2" charset="77"/>
-              </a:rPr>
-              <a:t>EXAMES (COVID19, </a:t>
-            </a:r>
-            <a:r>
-              <a:rPr lang="pt-BR" sz="2000" dirty="0" err="1">
-                <a:solidFill>
-                  <a:srgbClr val="137CC0"/>
-                </a:solidFill>
-                <a:latin typeface="DM Sans" pitchFamily="2" charset="77"/>
-              </a:rPr>
-              <a:t>MonkeyPox</a:t>
-            </a:r>
-            <a:r>
-              <a:rPr lang="pt-BR" sz="2000" dirty="0">
-                <a:solidFill>
-                  <a:srgbClr val="137CC0"/>
-                </a:solidFill>
-                <a:latin typeface="DM Sans" pitchFamily="2" charset="77"/>
-              </a:rPr>
-              <a:t>)</a:t>
-            </a:r>
-          </a:p>
-          <a:p>
-            <a:pPr marL="342900" indent="-342900">
-              <a:lnSpc>
-                <a:spcPct val="150000"/>
-              </a:lnSpc>
-              <a:buFont typeface="Arial" panose="020B0604020202020204" pitchFamily="34" charset="0"/>
-              <a:buChar char="•"/>
-            </a:pPr>
-            <a:r>
-              <a:rPr lang="pt-BR" sz="2000" dirty="0">
-                <a:solidFill>
-                  <a:srgbClr val="137CC0"/>
-                </a:solidFill>
-                <a:latin typeface="DM Sans" pitchFamily="2" charset="77"/>
-              </a:rPr>
-              <a:t>ALERGIAS/REAÇÕES ADVERSAS – inclui a proposta </a:t>
-            </a:r>
-            <a:r>
-              <a:rPr lang="en-BR" sz="2000" dirty="0">
-                <a:solidFill>
-                  <a:srgbClr val="137CC0"/>
-                </a:solidFill>
-                <a:latin typeface="DM Sans" pitchFamily="2" charset="77"/>
-              </a:rPr>
-              <a:t>Modelo Lógico de Alergias/Reações Adversas para RNDS </a:t>
-            </a:r>
-            <a:r>
-              <a:rPr lang="en-US" sz="2000" dirty="0">
-                <a:solidFill>
-                  <a:srgbClr val="137CC0"/>
-                </a:solidFill>
-                <a:latin typeface="DM Sans" pitchFamily="2" charset="77"/>
-              </a:rPr>
-              <a:t> </a:t>
-            </a:r>
-          </a:p>
-          <a:p>
-            <a:pPr marL="342900" indent="-342900">
-              <a:lnSpc>
-                <a:spcPct val="150000"/>
-              </a:lnSpc>
-              <a:buFont typeface="Arial" panose="020B0604020202020204" pitchFamily="34" charset="0"/>
-              <a:buChar char="•"/>
-            </a:pPr>
-            <a:r>
-              <a:rPr lang="en-US" sz="2000" dirty="0">
-                <a:solidFill>
-                  <a:srgbClr val="137CC0"/>
-                </a:solidFill>
-                <a:latin typeface="DM Sans" pitchFamily="2" charset="77"/>
-              </a:rPr>
-              <a:t>MEDICAMENTOS – </a:t>
-            </a:r>
-            <a:r>
-              <a:rPr lang="en-US" sz="2000" dirty="0" err="1">
-                <a:solidFill>
-                  <a:srgbClr val="137CC0"/>
-                </a:solidFill>
-                <a:latin typeface="DM Sans" pitchFamily="2" charset="77"/>
-              </a:rPr>
-              <a:t>inclui</a:t>
-            </a:r>
-            <a:r>
-              <a:rPr lang="en-US" sz="2000" dirty="0">
-                <a:solidFill>
-                  <a:srgbClr val="137CC0"/>
-                </a:solidFill>
-                <a:latin typeface="DM Sans" pitchFamily="2" charset="77"/>
-              </a:rPr>
-              <a:t>: </a:t>
-            </a:r>
-          </a:p>
-          <a:p>
-            <a:pPr marL="800100" lvl="1" indent="-342900">
-              <a:lnSpc>
-                <a:spcPct val="150000"/>
-              </a:lnSpc>
-              <a:buFont typeface="Arial" panose="020B0604020202020204" pitchFamily="34" charset="0"/>
-              <a:buChar char="•"/>
-            </a:pPr>
-            <a:r>
-              <a:rPr lang="en-US" sz="2000" dirty="0">
-                <a:solidFill>
-                  <a:srgbClr val="137CC0"/>
-                </a:solidFill>
-                <a:latin typeface="DM Sans" pitchFamily="2" charset="77"/>
-              </a:rPr>
-              <a:t> </a:t>
-            </a:r>
-            <a:r>
-              <a:rPr lang="en-US" sz="2000" dirty="0" err="1">
-                <a:solidFill>
-                  <a:srgbClr val="137CC0"/>
-                </a:solidFill>
-                <a:latin typeface="DM Sans" pitchFamily="2" charset="77"/>
-              </a:rPr>
-              <a:t>Qualificação</a:t>
-            </a:r>
-            <a:r>
-              <a:rPr lang="en-US" sz="2000" dirty="0">
-                <a:solidFill>
-                  <a:srgbClr val="137CC0"/>
-                </a:solidFill>
-                <a:latin typeface="DM Sans" pitchFamily="2" charset="77"/>
-              </a:rPr>
-              <a:t> do </a:t>
-            </a:r>
-            <a:r>
-              <a:rPr lang="en-US" sz="2000" dirty="0" err="1">
-                <a:solidFill>
-                  <a:srgbClr val="137CC0"/>
-                </a:solidFill>
-                <a:latin typeface="DM Sans" pitchFamily="2" charset="77"/>
-              </a:rPr>
-              <a:t>vocabulário</a:t>
-            </a:r>
-            <a:r>
-              <a:rPr lang="en-US" sz="2000" dirty="0">
-                <a:solidFill>
-                  <a:srgbClr val="137CC0"/>
-                </a:solidFill>
-                <a:latin typeface="DM Sans" pitchFamily="2" charset="77"/>
-              </a:rPr>
-              <a:t> </a:t>
-            </a:r>
-            <a:r>
-              <a:rPr lang="en-US" sz="2000" dirty="0" err="1">
-                <a:solidFill>
-                  <a:srgbClr val="137CC0"/>
-                </a:solidFill>
-                <a:latin typeface="DM Sans" pitchFamily="2" charset="77"/>
-              </a:rPr>
-              <a:t>imunizantes</a:t>
-            </a:r>
-            <a:r>
-              <a:rPr lang="en-US" sz="2000" dirty="0">
-                <a:solidFill>
-                  <a:srgbClr val="137CC0"/>
-                </a:solidFill>
-                <a:latin typeface="DM Sans" pitchFamily="2" charset="77"/>
-              </a:rPr>
-              <a:t> </a:t>
-            </a:r>
-            <a:r>
-              <a:rPr lang="en-US" sz="2000" dirty="0" err="1">
-                <a:solidFill>
-                  <a:srgbClr val="137CC0"/>
-                </a:solidFill>
-                <a:latin typeface="DM Sans" pitchFamily="2" charset="77"/>
-              </a:rPr>
-              <a:t>na</a:t>
-            </a:r>
-            <a:r>
-              <a:rPr lang="en-US" sz="2000" dirty="0">
-                <a:solidFill>
-                  <a:srgbClr val="137CC0"/>
-                </a:solidFill>
-                <a:latin typeface="DM Sans" pitchFamily="2" charset="77"/>
-              </a:rPr>
-              <a:t> OBM para </a:t>
-            </a:r>
-            <a:r>
-              <a:rPr lang="en-US" sz="2000" dirty="0" err="1">
-                <a:solidFill>
-                  <a:srgbClr val="137CC0"/>
-                </a:solidFill>
-                <a:latin typeface="DM Sans" pitchFamily="2" charset="77"/>
-              </a:rPr>
-              <a:t>consumo</a:t>
-            </a:r>
-            <a:r>
-              <a:rPr lang="en-US" sz="2000" dirty="0">
-                <a:solidFill>
-                  <a:srgbClr val="137CC0"/>
-                </a:solidFill>
-                <a:latin typeface="DM Sans" pitchFamily="2" charset="77"/>
-              </a:rPr>
-              <a:t> </a:t>
-            </a:r>
-            <a:r>
-              <a:rPr lang="en-US" sz="2000" dirty="0" err="1">
-                <a:solidFill>
-                  <a:srgbClr val="137CC0"/>
-                </a:solidFill>
-                <a:latin typeface="DM Sans" pitchFamily="2" charset="77"/>
-              </a:rPr>
-              <a:t>pelo</a:t>
-            </a:r>
-            <a:r>
-              <a:rPr lang="en-US" sz="2000" dirty="0">
-                <a:solidFill>
-                  <a:srgbClr val="137CC0"/>
-                </a:solidFill>
-                <a:latin typeface="DM Sans" pitchFamily="2" charset="77"/>
-              </a:rPr>
-              <a:t> PEC</a:t>
-            </a:r>
-          </a:p>
-          <a:p>
-            <a:pPr marL="742950" lvl="1" indent="-285750">
-              <a:lnSpc>
-                <a:spcPct val="150000"/>
-              </a:lnSpc>
-              <a:buFont typeface="Arial" panose="020B0604020202020204" pitchFamily="34" charset="0"/>
-              <a:buChar char="•"/>
-            </a:pPr>
-            <a:r>
-              <a:rPr lang="pt-BR" dirty="0">
-                <a:solidFill>
-                  <a:srgbClr val="137CC0"/>
-                </a:solidFill>
-                <a:latin typeface="DM Sans" pitchFamily="2" charset="77"/>
-              </a:rPr>
-              <a:t>Atualização </a:t>
-            </a:r>
-            <a:r>
-              <a:rPr lang="pt-BR" dirty="0" err="1">
-                <a:solidFill>
-                  <a:srgbClr val="137CC0"/>
-                </a:solidFill>
-                <a:latin typeface="DM Sans" pitchFamily="2" charset="77"/>
-              </a:rPr>
-              <a:t>d</a:t>
-            </a:r>
-            <a:r>
-              <a:rPr lang="en-BR" dirty="0">
-                <a:solidFill>
-                  <a:srgbClr val="137CC0"/>
-                </a:solidFill>
-                <a:latin typeface="DM Sans" pitchFamily="2" charset="77"/>
-              </a:rPr>
-              <a:t>a  base da Oontologia Brasileria de Medicamentos  para</a:t>
-            </a:r>
-            <a:r>
-              <a:rPr lang="pt-BR" dirty="0">
-                <a:solidFill>
-                  <a:srgbClr val="137CC0"/>
-                </a:solidFill>
-                <a:latin typeface="DM Sans" pitchFamily="2" charset="77"/>
-              </a:rPr>
-              <a:t> o </a:t>
-            </a:r>
-            <a:r>
-              <a:rPr lang="en-BR" dirty="0">
-                <a:solidFill>
-                  <a:srgbClr val="137CC0"/>
-                </a:solidFill>
-                <a:latin typeface="DM Sans" pitchFamily="2" charset="77"/>
-              </a:rPr>
-              <a:t>elenco CMED para que PEC possa consumir esta bas</a:t>
-            </a:r>
-            <a:r>
-              <a:rPr lang="pt-BR" dirty="0">
-                <a:solidFill>
-                  <a:srgbClr val="137CC0"/>
-                </a:solidFill>
-                <a:latin typeface="DM Sans" pitchFamily="2" charset="77"/>
-              </a:rPr>
-              <a:t>e e depois enviar os dados padronizados para RNDS para elaboração do IPS</a:t>
-            </a:r>
-            <a:endParaRPr lang="en-BR" dirty="0">
-              <a:solidFill>
-                <a:srgbClr val="137CC0"/>
-              </a:solidFill>
-              <a:latin typeface="DM Sans" pitchFamily="2" charset="77"/>
-            </a:endParaRPr>
-          </a:p>
-        </p:txBody>
-      </p:sp>
-      <p:sp>
-        <p:nvSpPr>
-          <p:cNvPr id="2" name="CaixaDeTexto 1">
-            <a:extLst>
-              <a:ext uri="{FF2B5EF4-FFF2-40B4-BE49-F238E27FC236}">
-                <a16:creationId xmlns:a16="http://schemas.microsoft.com/office/drawing/2014/main" id="{B354CC22-32D5-30F6-25DB-CCBE1F39D3CF}"/>
-              </a:ext>
-            </a:extLst>
-          </p:cNvPr>
-          <p:cNvSpPr txBox="1"/>
-          <p:nvPr/>
-        </p:nvSpPr>
-        <p:spPr>
-          <a:xfrm>
-            <a:off x="7061201" y="6373445"/>
-            <a:ext cx="4953000" cy="369332"/>
-          </a:xfrm>
-          <a:prstGeom prst="rect">
-            <a:avLst/>
-          </a:prstGeom>
-          <a:noFill/>
-        </p:spPr>
-        <p:txBody>
-          <a:bodyPr wrap="square" rtlCol="0">
-            <a:spAutoFit/>
-          </a:bodyPr>
-          <a:lstStyle/>
-          <a:p>
-            <a:r>
-              <a:rPr lang="pt-BR" dirty="0"/>
-              <a:t>*Previsto para alteração de Plano de Trabalho</a:t>
+            <a:r>
+              <a:rPr lang="en-BR" dirty="0"/>
+              <a:t>O projeto inicial previa um escopo de 17 meses, mas acabou sendo aprovado em dez 2022 -&gt; 12 meses -&gt; término em dez 23</a:t>
+            </a:r>
+          </a:p>
+          <a:p>
+            <a:r>
+              <a:rPr lang="en-BR" dirty="0"/>
+              <a:t>O projeto previa extrair as informações DISPONÍVEIS na RNDS para geração do IPS</a:t>
+            </a:r>
+          </a:p>
+          <a:p>
+            <a:pPr lvl="1"/>
+            <a:r>
+              <a:rPr lang="en-BR" dirty="0"/>
+              <a:t>RAC deveria estar completo na RNDS porém, na prática, hoje estão na RNDS:</a:t>
+            </a:r>
+          </a:p>
+          <a:p>
+            <a:pPr lvl="2"/>
+            <a:r>
+              <a:rPr lang="en-BR" dirty="0"/>
+              <a:t>Registro de Imunização</a:t>
+            </a:r>
+          </a:p>
+          <a:p>
+            <a:pPr lvl="2"/>
+            <a:r>
+              <a:rPr lang="en-BR" dirty="0"/>
+              <a:t>Registro de Exames COVID-19 e MonkeyPox</a:t>
+            </a:r>
+          </a:p>
+          <a:p>
+            <a:pPr lvl="1"/>
+            <a:r>
+              <a:rPr lang="en-BR" dirty="0"/>
+              <a:t>Ontologia Brasileiro da Medicmamentos (necessária para o Bloco Medicamentos)  deveria estar com todos os medicamentos da APS</a:t>
+            </a:r>
+          </a:p>
+          <a:p>
+            <a:pPr lvl="2"/>
+            <a:r>
+              <a:rPr lang="en-BR" dirty="0"/>
+              <a:t>Hoje OBM contém o elenco da Farmácia Popular</a:t>
             </a:r>
           </a:p>
         </p:txBody>
@@ -3654,7 +4259,7 @@
     </p:spTree>
     <p:extLst>
       <p:ext uri="{BB962C8B-B14F-4D97-AF65-F5344CB8AC3E}">
-        <p14:creationId xmlns:p14="http://schemas.microsoft.com/office/powerpoint/2010/main" val="1187815924"/>
+        <p14:creationId xmlns:p14="http://schemas.microsoft.com/office/powerpoint/2010/main" val="2589546202"/>
       </p:ext>
     </p:extLst>
   </p:cSld>
@@ -3683,167 +4288,723 @@
       </p:grpSpPr>
       <p:sp>
         <p:nvSpPr>
-          <p:cNvPr id="2" name="Title 1">
+          <p:cNvPr id="4" name="Google Shape;655;p119">
             <a:extLst>
               <a:ext uri="{FF2B5EF4-FFF2-40B4-BE49-F238E27FC236}">
-                <a16:creationId xmlns:a16="http://schemas.microsoft.com/office/drawing/2014/main" id="{5E7ECD00-2C69-69EB-2156-F71D133A3FE0}"/>
+                <a16:creationId xmlns:a16="http://schemas.microsoft.com/office/drawing/2014/main" id="{49DF7715-E032-B3F7-7B4F-3C7533D88733}"/>
               </a:ext>
             </a:extLst>
           </p:cNvPr>
-          <p:cNvSpPr>
-            <a:spLocks noGrp="1"/>
-          </p:cNvSpPr>
-          <p:nvPr>
-            <p:ph type="title"/>
-          </p:nvPr>
-        </p:nvSpPr>
-        <p:spPr/>
-        <p:txBody>
-          <a:bodyPr/>
+          <p:cNvSpPr txBox="1"/>
+          <p:nvPr/>
+        </p:nvSpPr>
+        <p:spPr>
+          <a:xfrm>
+            <a:off x="307517" y="115223"/>
+            <a:ext cx="9975735" cy="738623"/>
+          </a:xfrm>
+          <a:prstGeom prst="rect">
+            <a:avLst/>
+          </a:prstGeom>
+          <a:noFill/>
+          <a:ln>
+            <a:noFill/>
+          </a:ln>
+        </p:spPr>
+        <p:txBody>
+          <a:bodyPr spcFirstLastPara="1" wrap="square" lIns="121900" tIns="121900" rIns="121900" bIns="121900" anchor="t" anchorCtr="0">
+            <a:spAutoFit/>
+          </a:bodyPr>
           <a:lstStyle/>
           <a:p>
-            <a:r>
-              <a:rPr lang="en-BR" dirty="0"/>
-              <a:t>Escopo</a:t>
-            </a:r>
-          </a:p>
-        </p:txBody>
-      </p:sp>
-      <p:sp>
-        <p:nvSpPr>
-          <p:cNvPr id="3" name="Text Placeholder 2">
+            <a:pPr defTabSz="1219170">
+              <a:buClr>
+                <a:srgbClr val="000000"/>
+              </a:buClr>
+            </a:pPr>
+            <a:r>
+              <a:rPr lang="pt-BR" sz="3200" b="1" kern="0" dirty="0">
+                <a:solidFill>
+                  <a:schemeClr val="tx1">
+                    <a:lumMod val="85000"/>
+                    <a:lumOff val="15000"/>
+                  </a:schemeClr>
+                </a:solidFill>
+                <a:latin typeface="Raleway"/>
+                <a:ea typeface="Raleway"/>
+                <a:cs typeface="Raleway"/>
+                <a:sym typeface="Raleway"/>
+              </a:rPr>
+              <a:t>Novo Escopo proposto</a:t>
+            </a:r>
+            <a:endParaRPr sz="3200" b="1" i="1" kern="0" dirty="0">
+              <a:solidFill>
+                <a:schemeClr val="tx1">
+                  <a:lumMod val="85000"/>
+                  <a:lumOff val="15000"/>
+                </a:schemeClr>
+              </a:solidFill>
+              <a:latin typeface="Raleway"/>
+              <a:ea typeface="Raleway"/>
+              <a:cs typeface="Raleway"/>
+              <a:sym typeface="Raleway"/>
+            </a:endParaRPr>
+          </a:p>
+        </p:txBody>
+      </p:sp>
+      <p:sp>
+        <p:nvSpPr>
+          <p:cNvPr id="7" name="CaixaDeTexto 6">
             <a:extLst>
               <a:ext uri="{FF2B5EF4-FFF2-40B4-BE49-F238E27FC236}">
-                <a16:creationId xmlns:a16="http://schemas.microsoft.com/office/drawing/2014/main" id="{248EDEC6-BC19-201C-16D5-0EF8F90C5DDF}"/>
+                <a16:creationId xmlns:a16="http://schemas.microsoft.com/office/drawing/2014/main" id="{2B1A7D1B-47EE-7910-65EA-5D088C9740E3}"/>
               </a:ext>
             </a:extLst>
           </p:cNvPr>
-          <p:cNvSpPr>
-            <a:spLocks noGrp="1"/>
-          </p:cNvSpPr>
-          <p:nvPr>
-            <p:ph type="body" idx="1"/>
-          </p:nvPr>
-        </p:nvSpPr>
-        <p:spPr/>
-        <p:txBody>
-          <a:bodyPr/>
+          <p:cNvSpPr txBox="1"/>
+          <p:nvPr/>
+        </p:nvSpPr>
+        <p:spPr>
+          <a:xfrm>
+            <a:off x="177799" y="1229355"/>
+            <a:ext cx="11836401" cy="3708708"/>
+          </a:xfrm>
+          <a:prstGeom prst="rect">
+            <a:avLst/>
+          </a:prstGeom>
+          <a:noFill/>
+        </p:spPr>
+        <p:txBody>
+          <a:bodyPr wrap="square" anchor="ctr">
+            <a:spAutoFit/>
+          </a:bodyPr>
           <a:lstStyle/>
           <a:p>
-            <a:r>
-              <a:rPr lang="en-BR" dirty="0"/>
-              <a:t>Prova de conceito com a emissão do IPS Brasil para os blocos de</a:t>
-            </a:r>
-          </a:p>
-          <a:p>
-            <a:pPr lvl="1"/>
-            <a:r>
-              <a:rPr lang="en-BR" dirty="0"/>
-              <a:t>Imunização</a:t>
-            </a:r>
-          </a:p>
-          <a:p>
-            <a:pPr lvl="1"/>
-            <a:r>
-              <a:rPr lang="en-BR" dirty="0"/>
-              <a:t>Resultado de Exames (COVID19 e M</a:t>
-            </a:r>
-            <a:r>
-              <a:rPr lang="en-US" dirty="0"/>
+            <a:pPr>
+              <a:spcBef>
+                <a:spcPts val="600"/>
+              </a:spcBef>
+            </a:pPr>
+            <a:r>
+              <a:rPr lang="en-BR" sz="2000" dirty="0">
+                <a:solidFill>
+                  <a:schemeClr val="tx1">
+                    <a:lumMod val="85000"/>
+                    <a:lumOff val="15000"/>
+                  </a:schemeClr>
+                </a:solidFill>
+                <a:latin typeface="DM Sans" pitchFamily="2" charset="77"/>
+              </a:rPr>
+              <a:t>Elaboração </a:t>
+            </a:r>
+            <a:r>
+              <a:rPr lang="pt-BR" sz="2000" dirty="0">
+                <a:solidFill>
+                  <a:schemeClr val="tx1">
+                    <a:lumMod val="85000"/>
+                    <a:lumOff val="15000"/>
+                  </a:schemeClr>
+                </a:solidFill>
+                <a:latin typeface="DM Sans" pitchFamily="2" charset="77"/>
+              </a:rPr>
+              <a:t>dos </a:t>
+            </a:r>
+            <a:r>
+              <a:rPr lang="en-BR" sz="2000" dirty="0">
+                <a:solidFill>
+                  <a:schemeClr val="tx1">
+                    <a:lumMod val="85000"/>
+                    <a:lumOff val="15000"/>
+                  </a:schemeClr>
+                </a:solidFill>
+                <a:latin typeface="DM Sans" pitchFamily="2" charset="77"/>
+              </a:rPr>
+              <a:t>G</a:t>
+            </a:r>
+            <a:r>
+              <a:rPr lang="pt-BR" sz="2000" dirty="0" err="1">
+                <a:solidFill>
+                  <a:schemeClr val="tx1">
+                    <a:lumMod val="85000"/>
+                    <a:lumOff val="15000"/>
+                  </a:schemeClr>
+                </a:solidFill>
+                <a:latin typeface="DM Sans" pitchFamily="2" charset="77"/>
+              </a:rPr>
+              <a:t>uias</a:t>
+            </a:r>
+            <a:r>
+              <a:rPr lang="pt-BR" sz="2000" dirty="0">
+                <a:solidFill>
+                  <a:schemeClr val="tx1">
+                    <a:lumMod val="85000"/>
+                    <a:lumOff val="15000"/>
+                  </a:schemeClr>
+                </a:solidFill>
+                <a:latin typeface="DM Sans" pitchFamily="2" charset="77"/>
+              </a:rPr>
+              <a:t> de </a:t>
+            </a:r>
+            <a:r>
+              <a:rPr lang="en-BR" sz="2000" dirty="0">
+                <a:solidFill>
+                  <a:schemeClr val="tx1">
+                    <a:lumMod val="85000"/>
+                    <a:lumOff val="15000"/>
+                  </a:schemeClr>
+                </a:solidFill>
+                <a:latin typeface="DM Sans" pitchFamily="2" charset="77"/>
+              </a:rPr>
+              <a:t>I</a:t>
+            </a:r>
+            <a:r>
+              <a:rPr lang="pt-BR" sz="2000" dirty="0" err="1">
+                <a:solidFill>
+                  <a:schemeClr val="tx1">
+                    <a:lumMod val="85000"/>
+                    <a:lumOff val="15000"/>
+                  </a:schemeClr>
+                </a:solidFill>
+                <a:latin typeface="DM Sans" pitchFamily="2" charset="77"/>
+              </a:rPr>
+              <a:t>mplementação</a:t>
+            </a:r>
+            <a:r>
+              <a:rPr lang="pt-BR" sz="2000" dirty="0">
+                <a:solidFill>
+                  <a:schemeClr val="tx1">
+                    <a:lumMod val="85000"/>
+                    <a:lumOff val="15000"/>
+                  </a:schemeClr>
+                </a:solidFill>
+                <a:latin typeface="DM Sans" pitchFamily="2" charset="77"/>
+              </a:rPr>
+              <a:t> (GI) para os seguintes componentes do Sumário Internacional do Paciente (</a:t>
+            </a:r>
+            <a:r>
+              <a:rPr lang="pt-BR" sz="2000" dirty="0" err="1">
+                <a:solidFill>
+                  <a:schemeClr val="tx1">
+                    <a:lumMod val="85000"/>
+                    <a:lumOff val="15000"/>
+                  </a:schemeClr>
+                </a:solidFill>
+                <a:latin typeface="DM Sans" pitchFamily="2" charset="77"/>
+              </a:rPr>
+              <a:t>International</a:t>
+            </a:r>
+            <a:r>
+              <a:rPr lang="pt-BR" sz="2000" dirty="0">
+                <a:solidFill>
+                  <a:schemeClr val="tx1">
+                    <a:lumMod val="85000"/>
+                    <a:lumOff val="15000"/>
+                  </a:schemeClr>
+                </a:solidFill>
+                <a:latin typeface="DM Sans" pitchFamily="2" charset="77"/>
+              </a:rPr>
+              <a:t> </a:t>
+            </a:r>
+            <a:r>
+              <a:rPr lang="pt-BR" sz="2000" dirty="0" err="1">
+                <a:solidFill>
+                  <a:schemeClr val="tx1">
+                    <a:lumMod val="85000"/>
+                    <a:lumOff val="15000"/>
+                  </a:schemeClr>
+                </a:solidFill>
+                <a:latin typeface="DM Sans" pitchFamily="2" charset="77"/>
+              </a:rPr>
+              <a:t>Patient</a:t>
+            </a:r>
+            <a:r>
+              <a:rPr lang="pt-BR" sz="2000" dirty="0">
+                <a:solidFill>
+                  <a:schemeClr val="tx1">
+                    <a:lumMod val="85000"/>
+                    <a:lumOff val="15000"/>
+                  </a:schemeClr>
+                </a:solidFill>
+                <a:latin typeface="DM Sans" pitchFamily="2" charset="77"/>
+              </a:rPr>
+              <a:t> </a:t>
+            </a:r>
+            <a:r>
+              <a:rPr lang="pt-BR" sz="2000" dirty="0" err="1">
+                <a:solidFill>
+                  <a:schemeClr val="tx1">
+                    <a:lumMod val="85000"/>
+                    <a:lumOff val="15000"/>
+                  </a:schemeClr>
+                </a:solidFill>
+                <a:latin typeface="DM Sans" pitchFamily="2" charset="77"/>
+              </a:rPr>
+              <a:t>Summary</a:t>
+            </a:r>
+            <a:r>
+              <a:rPr lang="pt-BR" sz="2000" dirty="0">
+                <a:solidFill>
+                  <a:schemeClr val="tx1">
+                    <a:lumMod val="85000"/>
+                    <a:lumOff val="15000"/>
+                  </a:schemeClr>
+                </a:solidFill>
+                <a:latin typeface="DM Sans" pitchFamily="2" charset="77"/>
+              </a:rPr>
+              <a:t>-IPS) IPS Brasil:</a:t>
+            </a:r>
+          </a:p>
+          <a:p>
+            <a:pPr marL="342900" indent="-342900">
+              <a:spcBef>
+                <a:spcPts val="600"/>
+              </a:spcBef>
+              <a:buFont typeface="Arial" panose="020B0604020202020204" pitchFamily="34" charset="0"/>
+              <a:buChar char="•"/>
+            </a:pPr>
+            <a:r>
+              <a:rPr lang="pt-BR" dirty="0">
+                <a:solidFill>
+                  <a:schemeClr val="tx1">
+                    <a:lumMod val="85000"/>
+                    <a:lumOff val="15000"/>
+                  </a:schemeClr>
+                </a:solidFill>
+                <a:latin typeface="DM Sans" pitchFamily="2" charset="77"/>
+              </a:rPr>
+              <a:t>IMUNIZAÇÃO</a:t>
+            </a:r>
+          </a:p>
+          <a:p>
+            <a:pPr marL="342900" indent="-342900">
+              <a:spcBef>
+                <a:spcPts val="600"/>
+              </a:spcBef>
+              <a:buFont typeface="Arial" panose="020B0604020202020204" pitchFamily="34" charset="0"/>
+              <a:buChar char="•"/>
+            </a:pPr>
+            <a:r>
+              <a:rPr lang="pt-BR" dirty="0">
+                <a:solidFill>
+                  <a:schemeClr val="tx1">
+                    <a:lumMod val="85000"/>
+                    <a:lumOff val="15000"/>
+                  </a:schemeClr>
+                </a:solidFill>
+                <a:latin typeface="DM Sans" pitchFamily="2" charset="77"/>
+              </a:rPr>
+              <a:t>EXAMES (COVID19, </a:t>
+            </a:r>
+            <a:r>
+              <a:rPr lang="pt-BR" dirty="0" err="1">
+                <a:solidFill>
+                  <a:schemeClr val="tx1">
+                    <a:lumMod val="85000"/>
+                    <a:lumOff val="15000"/>
+                  </a:schemeClr>
+                </a:solidFill>
+                <a:latin typeface="DM Sans" pitchFamily="2" charset="77"/>
+              </a:rPr>
+              <a:t>MonkeyPox</a:t>
+            </a:r>
+            <a:r>
+              <a:rPr lang="pt-BR" dirty="0">
+                <a:solidFill>
+                  <a:schemeClr val="tx1">
+                    <a:lumMod val="85000"/>
+                    <a:lumOff val="15000"/>
+                  </a:schemeClr>
+                </a:solidFill>
+                <a:latin typeface="DM Sans" pitchFamily="2" charset="77"/>
+              </a:rPr>
+              <a:t>)</a:t>
+            </a:r>
+          </a:p>
+          <a:p>
+            <a:pPr marL="342900" indent="-342900">
+              <a:spcBef>
+                <a:spcPts val="600"/>
+              </a:spcBef>
+              <a:buFont typeface="Arial" panose="020B0604020202020204" pitchFamily="34" charset="0"/>
+              <a:buChar char="•"/>
+            </a:pPr>
+            <a:r>
+              <a:rPr lang="pt-BR" dirty="0">
+                <a:solidFill>
+                  <a:schemeClr val="tx1">
+                    <a:lumMod val="85000"/>
+                    <a:lumOff val="15000"/>
+                  </a:schemeClr>
+                </a:solidFill>
+                <a:latin typeface="DM Sans" pitchFamily="2" charset="77"/>
+              </a:rPr>
+              <a:t>ALERGIAS/REAÇÕES ADVERSAS – inclui a proposta </a:t>
+            </a:r>
+            <a:r>
+              <a:rPr lang="en-BR" dirty="0">
+                <a:solidFill>
+                  <a:schemeClr val="tx1">
+                    <a:lumMod val="85000"/>
+                    <a:lumOff val="15000"/>
+                  </a:schemeClr>
+                </a:solidFill>
+                <a:latin typeface="DM Sans" pitchFamily="2" charset="77"/>
+              </a:rPr>
+              <a:t>Modelo Lógico de Alergias/Reações Adversas para RNDS </a:t>
+            </a:r>
+            <a:r>
+              <a:rPr lang="en-US" dirty="0">
+                <a:solidFill>
+                  <a:schemeClr val="tx1">
+                    <a:lumMod val="85000"/>
+                    <a:lumOff val="15000"/>
+                  </a:schemeClr>
+                </a:solidFill>
+                <a:latin typeface="DM Sans" pitchFamily="2" charset="77"/>
+              </a:rPr>
+              <a:t> </a:t>
+            </a:r>
+          </a:p>
+          <a:p>
+            <a:pPr marL="342900" indent="-342900">
+              <a:spcBef>
+                <a:spcPts val="600"/>
+              </a:spcBef>
+              <a:buFont typeface="Arial" panose="020B0604020202020204" pitchFamily="34" charset="0"/>
+              <a:buChar char="•"/>
+            </a:pPr>
+            <a:r>
+              <a:rPr lang="en-US" dirty="0">
+                <a:solidFill>
+                  <a:schemeClr val="tx1">
+                    <a:lumMod val="85000"/>
+                    <a:lumOff val="15000"/>
+                  </a:schemeClr>
+                </a:solidFill>
+                <a:latin typeface="DM Sans" pitchFamily="2" charset="77"/>
+              </a:rPr>
+              <a:t>MEDICAMENTOS –   </a:t>
+            </a:r>
+            <a:r>
+              <a:rPr lang="pt-BR" sz="1600" dirty="0">
+                <a:solidFill>
+                  <a:schemeClr val="tx1">
+                    <a:lumMod val="85000"/>
+                    <a:lumOff val="15000"/>
+                  </a:schemeClr>
+                </a:solidFill>
+                <a:latin typeface="DM Sans" pitchFamily="2" charset="77"/>
+              </a:rPr>
+              <a:t>Atualização </a:t>
+            </a:r>
+            <a:r>
+              <a:rPr lang="pt-BR" sz="1600" dirty="0" err="1">
+                <a:solidFill>
+                  <a:schemeClr val="tx1">
+                    <a:lumMod val="85000"/>
+                    <a:lumOff val="15000"/>
+                  </a:schemeClr>
+                </a:solidFill>
+                <a:latin typeface="DM Sans" pitchFamily="2" charset="77"/>
+              </a:rPr>
+              <a:t>d</a:t>
+            </a:r>
+            <a:r>
+              <a:rPr lang="en-BR" sz="1600" dirty="0">
+                <a:solidFill>
+                  <a:schemeClr val="tx1">
+                    <a:lumMod val="85000"/>
+                    <a:lumOff val="15000"/>
+                  </a:schemeClr>
+                </a:solidFill>
+                <a:latin typeface="DM Sans" pitchFamily="2" charset="77"/>
+              </a:rPr>
+              <a:t>a  base da Oontologia Brasileria de Medicamentos  para</a:t>
+            </a:r>
+            <a:r>
+              <a:rPr lang="pt-BR" sz="1600" dirty="0">
+                <a:solidFill>
+                  <a:schemeClr val="tx1">
+                    <a:lumMod val="85000"/>
+                    <a:lumOff val="15000"/>
+                  </a:schemeClr>
+                </a:solidFill>
+                <a:latin typeface="DM Sans" pitchFamily="2" charset="77"/>
+              </a:rPr>
+              <a:t> o </a:t>
+            </a:r>
+            <a:r>
+              <a:rPr lang="en-BR" sz="1600" dirty="0">
+                <a:solidFill>
+                  <a:schemeClr val="tx1">
+                    <a:lumMod val="85000"/>
+                    <a:lumOff val="15000"/>
+                  </a:schemeClr>
+                </a:solidFill>
+                <a:latin typeface="DM Sans" pitchFamily="2" charset="77"/>
+              </a:rPr>
+              <a:t>elenco HóRUS/CMED </a:t>
+            </a:r>
+          </a:p>
+          <a:p>
+            <a:pPr marL="285750" indent="-285750">
+              <a:spcBef>
+                <a:spcPts val="600"/>
+              </a:spcBef>
+              <a:buFont typeface="Arial" panose="020B0604020202020204" pitchFamily="34" charset="0"/>
+              <a:buChar char="•"/>
+            </a:pPr>
+            <a:r>
+              <a:rPr lang="en-BR" sz="2000" dirty="0">
+                <a:solidFill>
+                  <a:schemeClr val="tx1">
+                    <a:lumMod val="85000"/>
+                    <a:lumOff val="15000"/>
+                  </a:schemeClr>
+                </a:solidFill>
+                <a:latin typeface="DM Sans" pitchFamily="2" charset="77"/>
+              </a:rPr>
+              <a:t>Prova de conceito da emissão do IPS Brasil para os blocos de Imunização e Resultado de Exames (COVID19 e M</a:t>
+            </a:r>
+            <a:r>
+              <a:rPr lang="en-US" sz="2000" dirty="0">
+                <a:solidFill>
+                  <a:schemeClr val="tx1">
+                    <a:lumMod val="85000"/>
+                    <a:lumOff val="15000"/>
+                  </a:schemeClr>
+                </a:solidFill>
+                <a:latin typeface="DM Sans" pitchFamily="2" charset="77"/>
+              </a:rPr>
               <a:t>o</a:t>
             </a:r>
             <a:r>
-              <a:rPr lang="en-BR" dirty="0"/>
-              <a:t>nkeypox)</a:t>
-            </a:r>
-          </a:p>
-          <a:p>
-            <a:pPr marL="761981" lvl="1" indent="0">
-              <a:buNone/>
+              <a:rPr lang="en-BR" sz="2000" dirty="0">
+                <a:solidFill>
+                  <a:schemeClr val="tx1">
+                    <a:lumMod val="85000"/>
+                    <a:lumOff val="15000"/>
+                  </a:schemeClr>
+                </a:solidFill>
+                <a:latin typeface="DM Sans" pitchFamily="2" charset="77"/>
+              </a:rPr>
+              <a:t>nkeypox) </a:t>
+            </a:r>
+            <a:r>
+              <a:rPr lang="en-US" sz="2000" dirty="0">
+                <a:solidFill>
+                  <a:schemeClr val="tx1">
+                    <a:lumMod val="85000"/>
+                    <a:lumOff val="15000"/>
+                  </a:schemeClr>
+                </a:solidFill>
+                <a:latin typeface="DM Sans" pitchFamily="2" charset="77"/>
+              </a:rPr>
+              <a:t>a </a:t>
+            </a:r>
+            <a:r>
+              <a:rPr lang="en-US" sz="2000" dirty="0" err="1">
+                <a:solidFill>
+                  <a:schemeClr val="tx1">
+                    <a:lumMod val="85000"/>
+                    <a:lumOff val="15000"/>
+                  </a:schemeClr>
+                </a:solidFill>
+                <a:latin typeface="DM Sans" pitchFamily="2" charset="77"/>
+              </a:rPr>
+              <a:t>partir</a:t>
+            </a:r>
+            <a:r>
+              <a:rPr lang="en-US" sz="2000" dirty="0">
+                <a:solidFill>
+                  <a:schemeClr val="tx1">
+                    <a:lumMod val="85000"/>
+                    <a:lumOff val="15000"/>
+                  </a:schemeClr>
+                </a:solidFill>
+                <a:latin typeface="DM Sans" pitchFamily="2" charset="77"/>
+              </a:rPr>
+              <a:t> de conjunto de </a:t>
+            </a:r>
+            <a:r>
+              <a:rPr lang="en-US" sz="2000" dirty="0" err="1">
+                <a:solidFill>
+                  <a:schemeClr val="tx1">
+                    <a:lumMod val="85000"/>
+                    <a:lumOff val="15000"/>
+                  </a:schemeClr>
+                </a:solidFill>
+                <a:latin typeface="DM Sans" pitchFamily="2" charset="77"/>
+              </a:rPr>
+              <a:t>registros</a:t>
+            </a:r>
+            <a:r>
+              <a:rPr lang="en-US" sz="2000" dirty="0">
+                <a:solidFill>
+                  <a:schemeClr val="tx1">
+                    <a:lumMod val="85000"/>
+                    <a:lumOff val="15000"/>
+                  </a:schemeClr>
+                </a:solidFill>
+                <a:latin typeface="DM Sans" pitchFamily="2" charset="77"/>
+              </a:rPr>
+              <a:t> </a:t>
+            </a:r>
+            <a:r>
+              <a:rPr lang="en-US" sz="2000" dirty="0" err="1">
+                <a:solidFill>
+                  <a:schemeClr val="tx1">
+                    <a:lumMod val="85000"/>
+                    <a:lumOff val="15000"/>
+                  </a:schemeClr>
+                </a:solidFill>
+                <a:latin typeface="DM Sans" pitchFamily="2" charset="77"/>
+              </a:rPr>
+              <a:t>enviados</a:t>
+            </a:r>
+            <a:r>
+              <a:rPr lang="en-US" sz="2000" dirty="0">
+                <a:solidFill>
+                  <a:schemeClr val="tx1">
+                    <a:lumMod val="85000"/>
+                    <a:lumOff val="15000"/>
+                  </a:schemeClr>
+                </a:solidFill>
+                <a:latin typeface="DM Sans" pitchFamily="2" charset="77"/>
+              </a:rPr>
+              <a:t> pela RNDS, </a:t>
+            </a:r>
+            <a:r>
+              <a:rPr lang="en-US" sz="2000" dirty="0" err="1">
+                <a:solidFill>
+                  <a:schemeClr val="tx1">
+                    <a:lumMod val="85000"/>
+                    <a:lumOff val="15000"/>
+                  </a:schemeClr>
+                </a:solidFill>
+                <a:latin typeface="DM Sans" pitchFamily="2" charset="77"/>
+              </a:rPr>
+              <a:t>conforme</a:t>
+            </a:r>
+            <a:r>
+              <a:rPr lang="en-US" sz="2000" dirty="0">
+                <a:solidFill>
+                  <a:schemeClr val="tx1">
+                    <a:lumMod val="85000"/>
+                    <a:lumOff val="15000"/>
+                  </a:schemeClr>
+                </a:solidFill>
+                <a:latin typeface="DM Sans" pitchFamily="2" charset="77"/>
+              </a:rPr>
+              <a:t> pactuação com DATASUS</a:t>
+            </a:r>
+            <a:endParaRPr lang="en-US" dirty="0"/>
+          </a:p>
+          <a:p>
+            <a:pPr marL="342900" indent="-342900">
+              <a:buFont typeface="Arial" panose="020B0604020202020204" pitchFamily="34" charset="0"/>
+              <a:buChar char="•"/>
             </a:pPr>
             <a:r>
-              <a:rPr lang="en-US" dirty="0"/>
-              <a:t>a </a:t>
-            </a:r>
-            <a:r>
-              <a:rPr lang="en-US" dirty="0" err="1"/>
-              <a:t>partir</a:t>
-            </a:r>
-            <a:r>
-              <a:rPr lang="en-US" dirty="0"/>
-              <a:t> de conjunto de </a:t>
-            </a:r>
-            <a:r>
-              <a:rPr lang="en-US" dirty="0" err="1"/>
-              <a:t>registros</a:t>
-            </a:r>
-            <a:r>
-              <a:rPr lang="en-US" dirty="0"/>
+              <a:rPr lang="en-US" sz="2000" dirty="0" err="1">
+                <a:solidFill>
+                  <a:schemeClr val="tx1">
+                    <a:lumMod val="85000"/>
+                    <a:lumOff val="15000"/>
+                  </a:schemeClr>
+                </a:solidFill>
+                <a:latin typeface="DM Sans" pitchFamily="2" charset="77"/>
+              </a:rPr>
+              <a:t>Publicação</a:t>
+            </a:r>
+            <a:r>
+              <a:rPr lang="en-US" sz="2000" dirty="0">
+                <a:solidFill>
+                  <a:schemeClr val="tx1">
+                    <a:lumMod val="85000"/>
+                    <a:lumOff val="15000"/>
+                  </a:schemeClr>
+                </a:solidFill>
+                <a:latin typeface="DM Sans" pitchFamily="2" charset="77"/>
+              </a:rPr>
               <a:t> </a:t>
             </a:r>
             <a:r>
-              <a:rPr lang="en-US" dirty="0" err="1"/>
-              <a:t>enviados</a:t>
-            </a:r>
-            <a:r>
-              <a:rPr lang="en-US" dirty="0"/>
-              <a:t> pela RNDS, </a:t>
-            </a:r>
-            <a:r>
-              <a:rPr lang="en-US" dirty="0" err="1"/>
-              <a:t>conforme</a:t>
-            </a:r>
-            <a:r>
-              <a:rPr lang="en-US" dirty="0"/>
-              <a:t> pactuação com DATASUS</a:t>
-            </a:r>
-          </a:p>
-          <a:p>
-            <a:r>
-              <a:rPr lang="en-US" dirty="0" err="1"/>
-              <a:t>Publicação</a:t>
-            </a:r>
-            <a:r>
-              <a:rPr lang="en-US" dirty="0"/>
+              <a:rPr lang="en-US" sz="2000" dirty="0" err="1">
+                <a:solidFill>
+                  <a:schemeClr val="tx1">
+                    <a:lumMod val="85000"/>
+                    <a:lumOff val="15000"/>
+                  </a:schemeClr>
+                </a:solidFill>
+                <a:latin typeface="DM Sans" pitchFamily="2" charset="77"/>
+              </a:rPr>
+              <a:t>científica</a:t>
+            </a:r>
+            <a:r>
+              <a:rPr lang="en-US" sz="2000" dirty="0">
+                <a:solidFill>
+                  <a:schemeClr val="tx1">
+                    <a:lumMod val="85000"/>
+                    <a:lumOff val="15000"/>
+                  </a:schemeClr>
+                </a:solidFill>
+                <a:latin typeface="DM Sans" pitchFamily="2" charset="77"/>
+              </a:rPr>
               <a:t> </a:t>
             </a:r>
             <a:r>
-              <a:rPr lang="en-US" dirty="0" err="1"/>
-              <a:t>científica</a:t>
-            </a:r>
-            <a:r>
-              <a:rPr lang="en-US" dirty="0"/>
-              <a:t> </a:t>
-            </a:r>
-            <a:r>
-              <a:rPr lang="en-US" dirty="0" err="1"/>
+              <a:rPr lang="en-US" sz="2000" dirty="0" err="1">
+                <a:solidFill>
+                  <a:schemeClr val="tx1">
+                    <a:lumMod val="85000"/>
+                    <a:lumOff val="15000"/>
+                  </a:schemeClr>
+                </a:solidFill>
+                <a:latin typeface="DM Sans" pitchFamily="2" charset="77"/>
+              </a:rPr>
               <a:t>sobre</a:t>
             </a:r>
             <a:r>
-              <a:rPr lang="en-US" dirty="0"/>
+              <a:rPr lang="en-US" sz="2000" dirty="0">
+                <a:solidFill>
+                  <a:schemeClr val="tx1">
+                    <a:lumMod val="85000"/>
+                    <a:lumOff val="15000"/>
+                  </a:schemeClr>
+                </a:solidFill>
+                <a:latin typeface="DM Sans" pitchFamily="2" charset="77"/>
+              </a:rPr>
               <a:t> o </a:t>
             </a:r>
             <a:r>
-              <a:rPr lang="en-US" dirty="0" err="1"/>
+              <a:rPr lang="en-US" sz="2000" dirty="0" err="1">
+                <a:solidFill>
+                  <a:schemeClr val="tx1">
+                    <a:lumMod val="85000"/>
+                    <a:lumOff val="15000"/>
+                  </a:schemeClr>
+                </a:solidFill>
+                <a:latin typeface="DM Sans" pitchFamily="2" charset="77"/>
+              </a:rPr>
               <a:t>projeto</a:t>
             </a:r>
-            <a:r>
-              <a:rPr lang="en-US" dirty="0"/>
-              <a:t> </a:t>
-            </a:r>
-          </a:p>
-          <a:p>
-            <a:pPr marL="761981" lvl="1" indent="0">
-              <a:buNone/>
-            </a:pPr>
-            <a:endParaRPr lang="en-US" dirty="0"/>
+            <a:endParaRPr lang="en-BR" sz="2000" dirty="0">
+              <a:solidFill>
+                <a:schemeClr val="tx1">
+                  <a:lumMod val="85000"/>
+                  <a:lumOff val="15000"/>
+                </a:schemeClr>
+              </a:solidFill>
+              <a:latin typeface="DM Sans" pitchFamily="2" charset="77"/>
+            </a:endParaRPr>
           </a:p>
         </p:txBody>
       </p:sp>
     </p:spTree>
     <p:extLst>
       <p:ext uri="{BB962C8B-B14F-4D97-AF65-F5344CB8AC3E}">
-        <p14:creationId xmlns:p14="http://schemas.microsoft.com/office/powerpoint/2010/main" val="211620643"/>
+        <p14:creationId xmlns:p14="http://schemas.microsoft.com/office/powerpoint/2010/main" val="1187815924"/>
       </p:ext>
     </p:extLst>
   </p:cSld>
@@ -3884,8 +5045,8 @@
         </p:nvSpPr>
         <p:spPr>
           <a:xfrm>
-            <a:off x="443754" y="398488"/>
-            <a:ext cx="10777953" cy="6563913"/>
+            <a:off x="287891" y="1018558"/>
+            <a:ext cx="10777953" cy="5548250"/>
           </a:xfrm>
           <a:prstGeom prst="rect">
             <a:avLst/>
@@ -3904,63 +5065,93 @@
               </a:lnSpc>
             </a:pPr>
             <a:r>
-              <a:rPr lang="en-US" sz="2400" dirty="0">
+              <a:rPr lang="en-US" sz="2000" dirty="0">
+                <a:solidFill>
+                  <a:schemeClr val="tx1">
+                    <a:lumMod val="85000"/>
+                    <a:lumOff val="15000"/>
+                  </a:schemeClr>
+                </a:solidFill>
+                <a:latin typeface="DM Sans" pitchFamily="2" charset="77"/>
+              </a:rPr>
+              <a:t> 1</a:t>
+            </a:r>
+            <a:r>
+              <a:rPr lang="en-US" sz="2000" dirty="0">
                 <a:solidFill>
                   <a:srgbClr val="137CC0"/>
                 </a:solidFill>
                 <a:latin typeface="DM Sans" pitchFamily="2" charset="77"/>
               </a:rPr>
-              <a:t> 1. </a:t>
-            </a:r>
-            <a:r>
-              <a:rPr lang="en-US" sz="2400" dirty="0" err="1">
-                <a:solidFill>
-                  <a:srgbClr val="137CC0"/>
+              <a:t>. </a:t>
+            </a:r>
+            <a:r>
+              <a:rPr lang="en-US" sz="2000" dirty="0" err="1">
+                <a:solidFill>
+                  <a:schemeClr val="tx1">
+                    <a:lumMod val="85000"/>
+                    <a:lumOff val="15000"/>
+                  </a:schemeClr>
                 </a:solidFill>
                 <a:latin typeface="DM Sans" pitchFamily="2" charset="77"/>
               </a:rPr>
               <a:t>Infraestrutura</a:t>
             </a:r>
             <a:r>
-              <a:rPr lang="en-US" sz="2400" dirty="0">
-                <a:solidFill>
-                  <a:srgbClr val="137CC0"/>
+              <a:rPr lang="en-US" sz="2000" dirty="0">
+                <a:solidFill>
+                  <a:schemeClr val="tx1">
+                    <a:lumMod val="85000"/>
+                    <a:lumOff val="15000"/>
+                  </a:schemeClr>
                 </a:solidFill>
                 <a:latin typeface="DM Sans" pitchFamily="2" charset="77"/>
               </a:rPr>
               <a:t> de </a:t>
             </a:r>
             <a:r>
-              <a:rPr lang="en-US" sz="2400" dirty="0" err="1">
-                <a:solidFill>
-                  <a:srgbClr val="137CC0"/>
-                </a:solidFill>
-                <a:latin typeface="DM Sans" pitchFamily="2" charset="77"/>
-              </a:rPr>
-              <a:t>Serviços</a:t>
-            </a:r>
-            <a:r>
-              <a:rPr lang="en-US" sz="2400" dirty="0">
-                <a:solidFill>
-                  <a:srgbClr val="137CC0"/>
+              <a:rPr lang="en-US" sz="2000" dirty="0" err="1">
+                <a:solidFill>
+                  <a:schemeClr val="tx1">
+                    <a:lumMod val="85000"/>
+                    <a:lumOff val="15000"/>
+                  </a:schemeClr>
+                </a:solidFill>
+                <a:latin typeface="DM Sans" pitchFamily="2" charset="77"/>
+              </a:rPr>
+              <a:t>Serviço</a:t>
+            </a:r>
+            <a:r>
+              <a:rPr lang="en-US" sz="2000" dirty="0">
+                <a:solidFill>
+                  <a:schemeClr val="tx1">
+                    <a:lumMod val="85000"/>
+                    <a:lumOff val="15000"/>
+                  </a:schemeClr>
                 </a:solidFill>
                 <a:latin typeface="DM Sans" pitchFamily="2" charset="77"/>
               </a:rPr>
               <a:t> de </a:t>
             </a:r>
             <a:r>
-              <a:rPr lang="en-US" sz="2400" dirty="0" err="1">
-                <a:solidFill>
-                  <a:srgbClr val="137CC0"/>
+              <a:rPr lang="en-US" sz="2000" dirty="0" err="1">
+                <a:solidFill>
+                  <a:schemeClr val="tx1">
+                    <a:lumMod val="85000"/>
+                    <a:lumOff val="15000"/>
+                  </a:schemeClr>
                 </a:solidFill>
                 <a:latin typeface="DM Sans" pitchFamily="2" charset="77"/>
               </a:rPr>
               <a:t>Terminologia</a:t>
             </a:r>
             <a:r>
-              <a:rPr lang="en-US" sz="2400" dirty="0">
-                <a:solidFill>
-                  <a:srgbClr val="137CC0"/>
+              <a:rPr lang="en-US" sz="2000" dirty="0">
+                <a:solidFill>
+                  <a:schemeClr val="tx1">
+                    <a:lumMod val="85000"/>
+                    <a:lumOff val="15000"/>
+                  </a:schemeClr>
                 </a:solidFill>
                 <a:latin typeface="DM Sans" pitchFamily="2" charset="77"/>
               </a:rPr>
@@ -3976,274 +5167,376 @@
               <a:buChar char="•"/>
             </a:pPr>
             <a:r>
-              <a:rPr lang="en-US" sz="2400" dirty="0" err="1">
-                <a:solidFill>
-                  <a:srgbClr val="137CC0"/>
-                </a:solidFill>
-                <a:latin typeface="DM Sans" pitchFamily="2" charset="77"/>
-              </a:rPr>
-              <a:t>Contém</a:t>
-            </a:r>
-            <a:r>
-              <a:rPr lang="en-US" sz="2400" dirty="0">
-                <a:solidFill>
-                  <a:srgbClr val="137CC0"/>
+              <a:rPr lang="en-US" sz="2000" dirty="0">
+                <a:solidFill>
+                  <a:schemeClr val="tx1">
+                    <a:lumMod val="85000"/>
+                    <a:lumOff val="15000"/>
+                  </a:schemeClr>
+                </a:solidFill>
+                <a:latin typeface="DM Sans" pitchFamily="2" charset="77"/>
+              </a:rPr>
+              <a:t>Carga de  </a:t>
+            </a:r>
+            <a:r>
+              <a:rPr lang="en-US" sz="2000" dirty="0" err="1">
+                <a:solidFill>
+                  <a:schemeClr val="tx1">
+                    <a:lumMod val="85000"/>
+                    <a:lumOff val="15000"/>
+                  </a:schemeClr>
+                </a:solidFill>
+                <a:latin typeface="DM Sans" pitchFamily="2" charset="77"/>
+              </a:rPr>
+              <a:t>todos</a:t>
+            </a:r>
+            <a:r>
+              <a:rPr lang="en-US" sz="2000" dirty="0">
+                <a:solidFill>
+                  <a:schemeClr val="tx1">
+                    <a:lumMod val="85000"/>
+                    <a:lumOff val="15000"/>
+                  </a:schemeClr>
                 </a:solidFill>
                 <a:latin typeface="DM Sans" pitchFamily="2" charset="77"/>
               </a:rPr>
               <a:t> </a:t>
             </a:r>
             <a:r>
-              <a:rPr lang="en-US" sz="2400" dirty="0" err="1">
-                <a:solidFill>
-                  <a:srgbClr val="137CC0"/>
-                </a:solidFill>
-                <a:latin typeface="DM Sans" pitchFamily="2" charset="77"/>
-              </a:rPr>
-              <a:t>todos</a:t>
-            </a:r>
-            <a:r>
-              <a:rPr lang="en-US" sz="2400" dirty="0">
-                <a:solidFill>
-                  <a:srgbClr val="137CC0"/>
+              <a:rPr lang="en-US" sz="2000" dirty="0" err="1">
+                <a:solidFill>
+                  <a:schemeClr val="tx1">
+                    <a:lumMod val="85000"/>
+                    <a:lumOff val="15000"/>
+                  </a:schemeClr>
+                </a:solidFill>
+                <a:latin typeface="DM Sans" pitchFamily="2" charset="77"/>
+              </a:rPr>
+              <a:t>os</a:t>
+            </a:r>
+            <a:r>
+              <a:rPr lang="en-US" sz="2000" dirty="0">
+                <a:solidFill>
+                  <a:schemeClr val="tx1">
+                    <a:lumMod val="85000"/>
+                    <a:lumOff val="15000"/>
+                  </a:schemeClr>
                 </a:solidFill>
                 <a:latin typeface="DM Sans" pitchFamily="2" charset="77"/>
               </a:rPr>
               <a:t> </a:t>
             </a:r>
             <a:r>
-              <a:rPr lang="en-US" sz="2400" dirty="0" err="1">
-                <a:solidFill>
-                  <a:srgbClr val="137CC0"/>
-                </a:solidFill>
-                <a:latin typeface="DM Sans" pitchFamily="2" charset="77"/>
-              </a:rPr>
-              <a:t>os</a:t>
-            </a:r>
-            <a:r>
-              <a:rPr lang="en-US" sz="2400" dirty="0">
-                <a:solidFill>
-                  <a:srgbClr val="137CC0"/>
+              <a:rPr lang="en-US" sz="2000" dirty="0" err="1">
+                <a:solidFill>
+                  <a:schemeClr val="tx1">
+                    <a:lumMod val="85000"/>
+                    <a:lumOff val="15000"/>
+                  </a:schemeClr>
+                </a:solidFill>
+                <a:latin typeface="DM Sans" pitchFamily="2" charset="77"/>
+              </a:rPr>
+              <a:t>domínios</a:t>
+            </a:r>
+            <a:r>
+              <a:rPr lang="en-US" sz="2000" dirty="0">
+                <a:solidFill>
+                  <a:schemeClr val="tx1">
+                    <a:lumMod val="85000"/>
+                    <a:lumOff val="15000"/>
+                  </a:schemeClr>
+                </a:solidFill>
+                <a:latin typeface="DM Sans" pitchFamily="2" charset="77"/>
+              </a:rPr>
+              <a:t> (Code System e Value Sets) </a:t>
+            </a:r>
+            <a:r>
+              <a:rPr lang="en-US" sz="2000" dirty="0" err="1">
+                <a:solidFill>
+                  <a:schemeClr val="tx1">
+                    <a:lumMod val="85000"/>
+                    <a:lumOff val="15000"/>
+                  </a:schemeClr>
+                </a:solidFill>
+                <a:latin typeface="DM Sans" pitchFamily="2" charset="77"/>
+              </a:rPr>
+              <a:t>referentes</a:t>
+            </a:r>
+            <a:r>
+              <a:rPr lang="en-US" sz="2000" dirty="0">
+                <a:solidFill>
+                  <a:schemeClr val="tx1">
+                    <a:lumMod val="85000"/>
+                    <a:lumOff val="15000"/>
+                  </a:schemeClr>
+                </a:solidFill>
+                <a:latin typeface="DM Sans" pitchFamily="2" charset="77"/>
+              </a:rPr>
+              <a:t> a  </a:t>
+            </a:r>
+            <a:r>
+              <a:rPr lang="en-US" sz="2000" dirty="0" err="1">
+                <a:solidFill>
+                  <a:schemeClr val="tx1">
+                    <a:lumMod val="85000"/>
+                    <a:lumOff val="15000"/>
+                  </a:schemeClr>
+                </a:solidFill>
+                <a:latin typeface="DM Sans" pitchFamily="2" charset="77"/>
+              </a:rPr>
+              <a:t>Imunização</a:t>
+            </a:r>
+            <a:r>
+              <a:rPr lang="en-US" sz="2000" dirty="0">
+                <a:solidFill>
+                  <a:schemeClr val="tx1">
+                    <a:lumMod val="85000"/>
+                    <a:lumOff val="15000"/>
+                  </a:schemeClr>
+                </a:solidFill>
+                <a:latin typeface="DM Sans" pitchFamily="2" charset="77"/>
+              </a:rPr>
+              <a:t>,  </a:t>
+            </a:r>
+            <a:r>
+              <a:rPr lang="en-US" sz="2000" dirty="0" err="1">
+                <a:solidFill>
+                  <a:schemeClr val="tx1">
+                    <a:lumMod val="85000"/>
+                    <a:lumOff val="15000"/>
+                  </a:schemeClr>
+                </a:solidFill>
+                <a:latin typeface="DM Sans" pitchFamily="2" charset="77"/>
+              </a:rPr>
+              <a:t>Exames</a:t>
+            </a:r>
+            <a:r>
+              <a:rPr lang="en-US" sz="2000" dirty="0">
+                <a:solidFill>
+                  <a:schemeClr val="tx1">
+                    <a:lumMod val="85000"/>
+                    <a:lumOff val="15000"/>
+                  </a:schemeClr>
+                </a:solidFill>
+                <a:latin typeface="DM Sans" pitchFamily="2" charset="77"/>
+              </a:rPr>
+              <a:t>, </a:t>
+            </a:r>
+            <a:r>
+              <a:rPr lang="en-US" sz="2000" dirty="0" err="1">
+                <a:solidFill>
+                  <a:schemeClr val="tx1">
+                    <a:lumMod val="85000"/>
+                    <a:lumOff val="15000"/>
+                  </a:schemeClr>
+                </a:solidFill>
+                <a:latin typeface="DM Sans" pitchFamily="2" charset="77"/>
+              </a:rPr>
+              <a:t>Alergias</a:t>
+            </a:r>
+            <a:r>
+              <a:rPr lang="en-US" sz="2000" dirty="0">
+                <a:solidFill>
+                  <a:schemeClr val="tx1">
+                    <a:lumMod val="85000"/>
+                    <a:lumOff val="15000"/>
+                  </a:schemeClr>
+                </a:solidFill>
+                <a:latin typeface="DM Sans" pitchFamily="2" charset="77"/>
+              </a:rPr>
+              <a:t>/</a:t>
+            </a:r>
+            <a:r>
+              <a:rPr lang="en-US" sz="2000" dirty="0" err="1">
+                <a:solidFill>
+                  <a:schemeClr val="tx1">
+                    <a:lumMod val="85000"/>
+                    <a:lumOff val="15000"/>
+                  </a:schemeClr>
+                </a:solidFill>
+                <a:latin typeface="DM Sans" pitchFamily="2" charset="77"/>
+              </a:rPr>
+              <a:t>Reações</a:t>
+            </a:r>
+            <a:r>
+              <a:rPr lang="en-US" sz="2000" dirty="0">
+                <a:solidFill>
+                  <a:schemeClr val="tx1">
+                    <a:lumMod val="85000"/>
+                    <a:lumOff val="15000"/>
+                  </a:schemeClr>
                 </a:solidFill>
                 <a:latin typeface="DM Sans" pitchFamily="2" charset="77"/>
               </a:rPr>
               <a:t> </a:t>
             </a:r>
             <a:r>
-              <a:rPr lang="en-US" sz="2400" dirty="0" err="1">
-                <a:solidFill>
-                  <a:srgbClr val="137CC0"/>
-                </a:solidFill>
-                <a:latin typeface="DM Sans" pitchFamily="2" charset="77"/>
-              </a:rPr>
-              <a:t>domínios</a:t>
-            </a:r>
-            <a:r>
-              <a:rPr lang="en-US" sz="2400" dirty="0">
-                <a:solidFill>
-                  <a:srgbClr val="137CC0"/>
-                </a:solidFill>
-                <a:latin typeface="DM Sans" pitchFamily="2" charset="77"/>
-              </a:rPr>
-              <a:t> (Code System e Value Sets) </a:t>
-            </a:r>
-            <a:r>
-              <a:rPr lang="en-US" sz="2400" dirty="0" err="1">
-                <a:solidFill>
-                  <a:srgbClr val="137CC0"/>
-                </a:solidFill>
-                <a:latin typeface="DM Sans" pitchFamily="2" charset="77"/>
-              </a:rPr>
-              <a:t>referentes</a:t>
-            </a:r>
-            <a:r>
-              <a:rPr lang="en-US" sz="2400" dirty="0">
-                <a:solidFill>
-                  <a:srgbClr val="137CC0"/>
-                </a:solidFill>
-                <a:latin typeface="DM Sans" pitchFamily="2" charset="77"/>
-              </a:rPr>
-              <a:t> a  </a:t>
-            </a:r>
-            <a:r>
-              <a:rPr lang="en-US" sz="2400" dirty="0" err="1">
-                <a:solidFill>
-                  <a:srgbClr val="137CC0"/>
-                </a:solidFill>
-                <a:latin typeface="DM Sans" pitchFamily="2" charset="77"/>
-              </a:rPr>
-              <a:t>Imunização</a:t>
-            </a:r>
-            <a:r>
-              <a:rPr lang="en-US" sz="2400" dirty="0">
-                <a:solidFill>
-                  <a:srgbClr val="137CC0"/>
-                </a:solidFill>
-                <a:latin typeface="DM Sans" pitchFamily="2" charset="77"/>
-              </a:rPr>
-              <a:t>,  </a:t>
-            </a:r>
-            <a:r>
-              <a:rPr lang="en-US" sz="2400" dirty="0" err="1">
-                <a:solidFill>
-                  <a:srgbClr val="137CC0"/>
-                </a:solidFill>
-                <a:latin typeface="DM Sans" pitchFamily="2" charset="77"/>
-              </a:rPr>
-              <a:t>Exames</a:t>
-            </a:r>
-            <a:r>
-              <a:rPr lang="en-US" sz="2400" dirty="0">
-                <a:solidFill>
-                  <a:srgbClr val="137CC0"/>
+              <a:rPr lang="en-US" sz="2000" dirty="0" err="1">
+                <a:solidFill>
+                  <a:schemeClr val="tx1">
+                    <a:lumMod val="85000"/>
+                    <a:lumOff val="15000"/>
+                  </a:schemeClr>
+                </a:solidFill>
+                <a:latin typeface="DM Sans" pitchFamily="2" charset="77"/>
+              </a:rPr>
+              <a:t>Adversas</a:t>
+            </a:r>
+            <a:r>
+              <a:rPr lang="en-US" sz="2000" dirty="0">
+                <a:solidFill>
+                  <a:schemeClr val="tx1">
+                    <a:lumMod val="85000"/>
+                    <a:lumOff val="15000"/>
+                  </a:schemeClr>
                 </a:solidFill>
                 <a:latin typeface="DM Sans" pitchFamily="2" charset="77"/>
               </a:rPr>
               <a:t>, </a:t>
             </a:r>
             <a:r>
-              <a:rPr lang="en-US" sz="2400" dirty="0" err="1">
-                <a:solidFill>
-                  <a:srgbClr val="137CC0"/>
-                </a:solidFill>
-                <a:latin typeface="DM Sans" pitchFamily="2" charset="77"/>
-              </a:rPr>
-              <a:t>Alergias</a:t>
-            </a:r>
-            <a:r>
-              <a:rPr lang="en-US" sz="2400" dirty="0">
-                <a:solidFill>
-                  <a:srgbClr val="137CC0"/>
-                </a:solidFill>
-                <a:latin typeface="DM Sans" pitchFamily="2" charset="77"/>
-              </a:rPr>
-              <a:t>/</a:t>
-            </a:r>
-            <a:r>
-              <a:rPr lang="en-US" sz="2400" dirty="0" err="1">
-                <a:solidFill>
-                  <a:srgbClr val="137CC0"/>
-                </a:solidFill>
-                <a:latin typeface="DM Sans" pitchFamily="2" charset="77"/>
-              </a:rPr>
-              <a:t>Reações</a:t>
-            </a:r>
-            <a:r>
-              <a:rPr lang="en-US" sz="2400" dirty="0">
-                <a:solidFill>
-                  <a:srgbClr val="137CC0"/>
+              <a:rPr lang="en-US" sz="2000" dirty="0" err="1">
+                <a:solidFill>
+                  <a:schemeClr val="tx1">
+                    <a:lumMod val="85000"/>
+                    <a:lumOff val="15000"/>
+                  </a:schemeClr>
+                </a:solidFill>
+                <a:latin typeface="DM Sans" pitchFamily="2" charset="77"/>
+              </a:rPr>
+              <a:t>Medicamentos</a:t>
+            </a:r>
+            <a:r>
+              <a:rPr lang="en-US" sz="2000" dirty="0">
+                <a:solidFill>
+                  <a:schemeClr val="tx1">
+                    <a:lumMod val="85000"/>
+                    <a:lumOff val="15000"/>
+                  </a:schemeClr>
                 </a:solidFill>
                 <a:latin typeface="DM Sans" pitchFamily="2" charset="77"/>
               </a:rPr>
               <a:t> </a:t>
             </a:r>
             <a:r>
-              <a:rPr lang="en-US" sz="2400" dirty="0" err="1">
-                <a:solidFill>
-                  <a:srgbClr val="137CC0"/>
-                </a:solidFill>
-                <a:latin typeface="DM Sans" pitchFamily="2" charset="77"/>
-              </a:rPr>
-              <a:t>Adversas</a:t>
-            </a:r>
-            <a:r>
-              <a:rPr lang="en-US" sz="2400" dirty="0">
-                <a:solidFill>
-                  <a:srgbClr val="137CC0"/>
-                </a:solidFill>
-                <a:latin typeface="DM Sans" pitchFamily="2" charset="77"/>
-              </a:rPr>
-              <a:t>, </a:t>
-            </a:r>
-            <a:r>
-              <a:rPr lang="en-US" sz="2400" dirty="0" err="1">
-                <a:solidFill>
-                  <a:srgbClr val="137CC0"/>
-                </a:solidFill>
-                <a:latin typeface="DM Sans" pitchFamily="2" charset="77"/>
-              </a:rPr>
-              <a:t>Medicamentos</a:t>
-            </a:r>
-            <a:r>
-              <a:rPr lang="en-US" sz="2400" dirty="0">
-                <a:solidFill>
-                  <a:srgbClr val="137CC0"/>
-                </a:solidFill>
-                <a:latin typeface="DM Sans" pitchFamily="2" charset="77"/>
-              </a:rPr>
-              <a:t>  </a:t>
-            </a:r>
-            <a:r>
-              <a:rPr lang="en-US" sz="2400" dirty="0" err="1">
-                <a:solidFill>
-                  <a:srgbClr val="137CC0"/>
-                </a:solidFill>
-                <a:latin typeface="DM Sans" pitchFamily="2" charset="77"/>
-              </a:rPr>
-              <a:t>bem</a:t>
-            </a:r>
-            <a:r>
-              <a:rPr lang="en-US" sz="2400" dirty="0">
-                <a:solidFill>
-                  <a:srgbClr val="137CC0"/>
+              <a:rPr lang="en-US" sz="2000" dirty="0" err="1">
+                <a:solidFill>
+                  <a:schemeClr val="tx1">
+                    <a:lumMod val="85000"/>
+                    <a:lumOff val="15000"/>
+                  </a:schemeClr>
+                </a:solidFill>
+                <a:latin typeface="DM Sans" pitchFamily="2" charset="77"/>
+              </a:rPr>
+              <a:t>disponíveis</a:t>
+            </a:r>
+            <a:r>
+              <a:rPr lang="en-US" sz="2000" dirty="0">
+                <a:solidFill>
+                  <a:schemeClr val="tx1">
+                    <a:lumMod val="85000"/>
+                    <a:lumOff val="15000"/>
+                  </a:schemeClr>
+                </a:solidFill>
+                <a:latin typeface="DM Sans" pitchFamily="2" charset="77"/>
+              </a:rPr>
+              <a:t> no simplifier da RNDS  e carga das </a:t>
+            </a:r>
+            <a:r>
+              <a:rPr lang="en-US" sz="2000" dirty="0" err="1">
+                <a:solidFill>
+                  <a:schemeClr val="tx1">
+                    <a:lumMod val="85000"/>
+                    <a:lumOff val="15000"/>
+                  </a:schemeClr>
+                </a:solidFill>
+                <a:latin typeface="DM Sans" pitchFamily="2" charset="77"/>
+              </a:rPr>
+              <a:t>terminologias</a:t>
+            </a:r>
+            <a:r>
+              <a:rPr lang="en-US" sz="2000" dirty="0">
+                <a:solidFill>
+                  <a:schemeClr val="tx1">
+                    <a:lumMod val="85000"/>
+                    <a:lumOff val="15000"/>
+                  </a:schemeClr>
                 </a:solidFill>
                 <a:latin typeface="DM Sans" pitchFamily="2" charset="77"/>
               </a:rPr>
               <a:t> </a:t>
             </a:r>
             <a:r>
-              <a:rPr lang="en-US" sz="2400" dirty="0" err="1">
-                <a:solidFill>
-                  <a:srgbClr val="137CC0"/>
-                </a:solidFill>
-                <a:latin typeface="DM Sans" pitchFamily="2" charset="77"/>
-              </a:rPr>
-              <a:t>como</a:t>
-            </a:r>
-            <a:r>
-              <a:rPr lang="en-US" sz="2400" dirty="0">
-                <a:solidFill>
-                  <a:srgbClr val="137CC0"/>
-                </a:solidFill>
-                <a:latin typeface="DM Sans" pitchFamily="2" charset="77"/>
-              </a:rPr>
-              <a:t> as </a:t>
-            </a:r>
-            <a:r>
-              <a:rPr lang="en-US" sz="2400" dirty="0" err="1">
-                <a:solidFill>
-                  <a:srgbClr val="137CC0"/>
+              <a:rPr lang="en-US" sz="2000" dirty="0" err="1">
+                <a:solidFill>
+                  <a:schemeClr val="tx1">
+                    <a:lumMod val="85000"/>
+                    <a:lumOff val="15000"/>
+                  </a:schemeClr>
+                </a:solidFill>
+                <a:latin typeface="DM Sans" pitchFamily="2" charset="77"/>
+              </a:rPr>
+              <a:t>utilizadas</a:t>
+            </a:r>
+            <a:r>
+              <a:rPr lang="en-US" sz="2000" dirty="0">
+                <a:solidFill>
+                  <a:schemeClr val="tx1">
+                    <a:lumMod val="85000"/>
+                    <a:lumOff val="15000"/>
+                  </a:schemeClr>
+                </a:solidFill>
+                <a:latin typeface="DM Sans" pitchFamily="2" charset="77"/>
+              </a:rPr>
+              <a:t> no GPS (Global Patient Summary) do IPS no </a:t>
+            </a:r>
+            <a:r>
+              <a:rPr lang="en-US" sz="2000" dirty="0" err="1">
+                <a:solidFill>
+                  <a:schemeClr val="tx1">
+                    <a:lumMod val="85000"/>
+                    <a:lumOff val="15000"/>
+                  </a:schemeClr>
+                </a:solidFill>
+                <a:latin typeface="DM Sans" pitchFamily="2" charset="77"/>
+              </a:rPr>
+              <a:t>servidor</a:t>
+            </a:r>
+            <a:r>
+              <a:rPr lang="en-US" sz="2000" dirty="0">
+                <a:solidFill>
+                  <a:schemeClr val="tx1">
+                    <a:lumMod val="85000"/>
+                    <a:lumOff val="15000"/>
+                  </a:schemeClr>
+                </a:solidFill>
+                <a:latin typeface="DM Sans" pitchFamily="2" charset="77"/>
+              </a:rPr>
+              <a:t> de </a:t>
+            </a:r>
+            <a:r>
+              <a:rPr lang="en-US" sz="2000" dirty="0" err="1">
+                <a:solidFill>
+                  <a:schemeClr val="tx1">
+                    <a:lumMod val="85000"/>
+                    <a:lumOff val="15000"/>
+                  </a:schemeClr>
                 </a:solidFill>
                 <a:latin typeface="DM Sans" pitchFamily="2" charset="77"/>
               </a:rPr>
               <a:t>terminologias</a:t>
             </a:r>
             <a:r>
-              <a:rPr lang="en-US" sz="2400" dirty="0">
-                <a:solidFill>
-                  <a:srgbClr val="137CC0"/>
-                </a:solidFill>
-                <a:latin typeface="DM Sans" pitchFamily="2" charset="77"/>
-              </a:rPr>
-              <a:t> </a:t>
-            </a:r>
-            <a:r>
-              <a:rPr lang="en-US" sz="2400" dirty="0" err="1">
-                <a:solidFill>
-                  <a:srgbClr val="137CC0"/>
-                </a:solidFill>
-                <a:latin typeface="DM Sans" pitchFamily="2" charset="77"/>
-              </a:rPr>
-              <a:t>utilizadas</a:t>
-            </a:r>
-            <a:r>
-              <a:rPr lang="en-US" sz="2400" dirty="0">
-                <a:solidFill>
-                  <a:srgbClr val="137CC0"/>
-                </a:solidFill>
-                <a:latin typeface="DM Sans" pitchFamily="2" charset="77"/>
-              </a:rPr>
-              <a:t> GPS (Global Patient Summary) do IPS</a:t>
+              <a:rPr lang="en-US" sz="2000" dirty="0">
+                <a:solidFill>
+                  <a:schemeClr val="tx1">
+                    <a:lumMod val="85000"/>
+                    <a:lumOff val="15000"/>
+                  </a:schemeClr>
+                </a:solidFill>
+                <a:latin typeface="DM Sans" pitchFamily="2" charset="77"/>
+              </a:rPr>
+              <a:t>;</a:t>
             </a:r>
           </a:p>
           <a:p>
@@ -4255,256 +5548,388 @@
               <a:buChar char="•"/>
             </a:pPr>
             <a:r>
-              <a:rPr lang="en-US" sz="2400" dirty="0" err="1">
-                <a:solidFill>
-                  <a:srgbClr val="137CC0"/>
-                </a:solidFill>
-                <a:latin typeface="DM Sans" pitchFamily="2" charset="77"/>
-              </a:rPr>
-              <a:t>Contém</a:t>
-            </a:r>
-            <a:r>
-              <a:rPr lang="en-US" sz="2400" dirty="0">
-                <a:solidFill>
-                  <a:srgbClr val="137CC0"/>
+              <a:rPr lang="en-US" sz="2000" dirty="0" err="1">
+                <a:solidFill>
+                  <a:schemeClr val="tx1">
+                    <a:lumMod val="85000"/>
+                    <a:lumOff val="15000"/>
+                  </a:schemeClr>
+                </a:solidFill>
+                <a:latin typeface="DM Sans" pitchFamily="2" charset="77"/>
+              </a:rPr>
+              <a:t>Mapeamentos</a:t>
+            </a:r>
+            <a:r>
+              <a:rPr lang="en-US" sz="2000" dirty="0">
+                <a:solidFill>
+                  <a:schemeClr val="tx1">
+                    <a:lumMod val="85000"/>
+                    <a:lumOff val="15000"/>
+                  </a:schemeClr>
+                </a:solidFill>
+                <a:latin typeface="DM Sans" pitchFamily="2" charset="77"/>
+              </a:rPr>
+              <a:t> entre </a:t>
+            </a:r>
+            <a:r>
+              <a:rPr lang="en-US" sz="2000" dirty="0" err="1">
+                <a:solidFill>
+                  <a:schemeClr val="tx1">
+                    <a:lumMod val="85000"/>
+                    <a:lumOff val="15000"/>
+                  </a:schemeClr>
+                </a:solidFill>
+                <a:latin typeface="DM Sans" pitchFamily="2" charset="77"/>
+              </a:rPr>
+              <a:t>os</a:t>
+            </a:r>
+            <a:r>
+              <a:rPr lang="en-US" sz="2000" dirty="0">
+                <a:solidFill>
+                  <a:schemeClr val="tx1">
+                    <a:lumMod val="85000"/>
+                    <a:lumOff val="15000"/>
+                  </a:schemeClr>
                 </a:solidFill>
                 <a:latin typeface="DM Sans" pitchFamily="2" charset="77"/>
               </a:rPr>
               <a:t> </a:t>
             </a:r>
             <a:r>
-              <a:rPr lang="en-US" sz="2400" dirty="0" err="1">
-                <a:solidFill>
-                  <a:srgbClr val="137CC0"/>
+              <a:rPr lang="en-US" sz="2000" dirty="0" err="1">
+                <a:solidFill>
+                  <a:schemeClr val="tx1">
+                    <a:lumMod val="85000"/>
+                    <a:lumOff val="15000"/>
+                  </a:schemeClr>
+                </a:solidFill>
+                <a:latin typeface="DM Sans" pitchFamily="2" charset="77"/>
+              </a:rPr>
+              <a:t>domínios</a:t>
+            </a:r>
+            <a:r>
+              <a:rPr lang="en-US" sz="2000" dirty="0">
+                <a:solidFill>
+                  <a:schemeClr val="tx1">
+                    <a:lumMod val="85000"/>
+                    <a:lumOff val="15000"/>
+                  </a:schemeClr>
+                </a:solidFill>
+                <a:latin typeface="DM Sans" pitchFamily="2" charset="77"/>
+              </a:rPr>
+              <a:t> do MS </a:t>
+            </a:r>
+            <a:r>
+              <a:rPr lang="en-US" sz="2000" dirty="0" err="1">
+                <a:solidFill>
+                  <a:schemeClr val="tx1">
+                    <a:lumMod val="85000"/>
+                    <a:lumOff val="15000"/>
+                  </a:schemeClr>
+                </a:solidFill>
+                <a:latin typeface="DM Sans" pitchFamily="2" charset="77"/>
+              </a:rPr>
+              <a:t>nos</a:t>
+            </a:r>
+            <a:r>
+              <a:rPr lang="en-US" sz="2000" dirty="0">
+                <a:solidFill>
+                  <a:schemeClr val="tx1">
+                    <a:lumMod val="85000"/>
+                    <a:lumOff val="15000"/>
+                  </a:schemeClr>
+                </a:solidFill>
+                <a:latin typeface="DM Sans" pitchFamily="2" charset="77"/>
+              </a:rPr>
+              <a:t> </a:t>
+            </a:r>
+            <a:r>
+              <a:rPr lang="en-US" sz="2000" dirty="0" err="1">
+                <a:solidFill>
+                  <a:schemeClr val="tx1">
+                    <a:lumMod val="85000"/>
+                    <a:lumOff val="15000"/>
+                  </a:schemeClr>
+                </a:solidFill>
+                <a:latin typeface="DM Sans" pitchFamily="2" charset="77"/>
+              </a:rPr>
+              <a:t>componentes</a:t>
+            </a:r>
+            <a:r>
+              <a:rPr lang="en-US" sz="2000" dirty="0">
+                <a:solidFill>
+                  <a:schemeClr val="tx1">
+                    <a:lumMod val="85000"/>
+                    <a:lumOff val="15000"/>
+                  </a:schemeClr>
+                </a:solidFill>
+                <a:latin typeface="DM Sans" pitchFamily="2" charset="77"/>
+              </a:rPr>
+              <a:t> de </a:t>
+            </a:r>
+            <a:r>
+              <a:rPr lang="en-US" sz="2000" dirty="0" err="1">
+                <a:solidFill>
+                  <a:schemeClr val="tx1">
+                    <a:lumMod val="85000"/>
+                    <a:lumOff val="15000"/>
+                  </a:schemeClr>
+                </a:solidFill>
+                <a:latin typeface="DM Sans" pitchFamily="2" charset="77"/>
+              </a:rPr>
+              <a:t>Imunização</a:t>
+            </a:r>
+            <a:r>
+              <a:rPr lang="en-US" sz="2000" dirty="0">
+                <a:solidFill>
+                  <a:schemeClr val="tx1">
+                    <a:lumMod val="85000"/>
+                    <a:lumOff val="15000"/>
+                  </a:schemeClr>
+                </a:solidFill>
+                <a:latin typeface="DM Sans" pitchFamily="2" charset="77"/>
+              </a:rPr>
+              <a:t>, </a:t>
+            </a:r>
+            <a:r>
+              <a:rPr lang="en-US" sz="2000" dirty="0" err="1">
+                <a:solidFill>
+                  <a:schemeClr val="tx1">
+                    <a:lumMod val="85000"/>
+                    <a:lumOff val="15000"/>
+                  </a:schemeClr>
+                </a:solidFill>
+                <a:latin typeface="DM Sans" pitchFamily="2" charset="77"/>
+              </a:rPr>
+              <a:t>Alergias</a:t>
+            </a:r>
+            <a:r>
+              <a:rPr lang="en-US" sz="2000" dirty="0">
+                <a:solidFill>
+                  <a:schemeClr val="tx1">
+                    <a:lumMod val="85000"/>
+                    <a:lumOff val="15000"/>
+                  </a:schemeClr>
+                </a:solidFill>
+                <a:latin typeface="DM Sans" pitchFamily="2" charset="77"/>
+              </a:rPr>
+              <a:t>/</a:t>
+            </a:r>
+            <a:r>
+              <a:rPr lang="en-US" sz="2000" dirty="0" err="1">
+                <a:solidFill>
+                  <a:schemeClr val="tx1">
+                    <a:lumMod val="85000"/>
+                    <a:lumOff val="15000"/>
+                  </a:schemeClr>
+                </a:solidFill>
+                <a:latin typeface="DM Sans" pitchFamily="2" charset="77"/>
+              </a:rPr>
+              <a:t>Reações</a:t>
+            </a:r>
+            <a:r>
+              <a:rPr lang="en-US" sz="2000" dirty="0">
+                <a:solidFill>
+                  <a:schemeClr val="tx1">
+                    <a:lumMod val="85000"/>
+                    <a:lumOff val="15000"/>
+                  </a:schemeClr>
+                </a:solidFill>
+                <a:latin typeface="DM Sans" pitchFamily="2" charset="77"/>
+              </a:rPr>
+              <a:t> </a:t>
+            </a:r>
+            <a:r>
+              <a:rPr lang="en-US" sz="2000" dirty="0" err="1">
+                <a:solidFill>
+                  <a:schemeClr val="tx1">
+                    <a:lumMod val="85000"/>
+                    <a:lumOff val="15000"/>
+                  </a:schemeClr>
+                </a:solidFill>
+                <a:latin typeface="DM Sans" pitchFamily="2" charset="77"/>
+              </a:rPr>
+              <a:t>Adversas</a:t>
+            </a:r>
+            <a:r>
+              <a:rPr lang="en-US" sz="2000" dirty="0">
+                <a:solidFill>
+                  <a:schemeClr val="tx1">
+                    <a:lumMod val="85000"/>
+                    <a:lumOff val="15000"/>
+                  </a:schemeClr>
+                </a:solidFill>
+                <a:latin typeface="DM Sans" pitchFamily="2" charset="77"/>
+              </a:rPr>
+              <a:t> para as </a:t>
+            </a:r>
+            <a:r>
+              <a:rPr lang="en-US" sz="2000" dirty="0" err="1">
+                <a:solidFill>
+                  <a:schemeClr val="tx1">
+                    <a:lumMod val="85000"/>
+                    <a:lumOff val="15000"/>
+                  </a:schemeClr>
+                </a:solidFill>
+                <a:latin typeface="DM Sans" pitchFamily="2" charset="77"/>
+              </a:rPr>
+              <a:t>terminologias</a:t>
+            </a:r>
+            <a:r>
+              <a:rPr lang="en-US" sz="2000" dirty="0">
+                <a:solidFill>
+                  <a:schemeClr val="tx1">
+                    <a:lumMod val="85000"/>
+                    <a:lumOff val="15000"/>
+                  </a:schemeClr>
+                </a:solidFill>
+                <a:latin typeface="DM Sans" pitchFamily="2" charset="77"/>
+              </a:rPr>
+              <a:t> </a:t>
+            </a:r>
+            <a:r>
+              <a:rPr lang="en-US" sz="2000" dirty="0" err="1">
+                <a:solidFill>
+                  <a:schemeClr val="tx1">
+                    <a:lumMod val="85000"/>
+                    <a:lumOff val="15000"/>
+                  </a:schemeClr>
+                </a:solidFill>
+                <a:latin typeface="DM Sans" pitchFamily="2" charset="77"/>
+              </a:rPr>
+              <a:t>adotadas</a:t>
+            </a:r>
+            <a:r>
+              <a:rPr lang="en-US" sz="2000" dirty="0">
+                <a:solidFill>
+                  <a:schemeClr val="tx1">
+                    <a:lumMod val="85000"/>
+                    <a:lumOff val="15000"/>
+                  </a:schemeClr>
+                </a:solidFill>
+                <a:latin typeface="DM Sans" pitchFamily="2" charset="77"/>
+              </a:rPr>
+              <a:t> no IPS – </a:t>
+            </a:r>
+            <a:r>
+              <a:rPr lang="en-US" sz="2000" dirty="0" err="1">
+                <a:solidFill>
+                  <a:schemeClr val="tx1">
+                    <a:lumMod val="85000"/>
+                    <a:lumOff val="15000"/>
+                  </a:schemeClr>
+                </a:solidFill>
+                <a:latin typeface="DM Sans" pitchFamily="2" charset="77"/>
+              </a:rPr>
+              <a:t>definição</a:t>
+            </a:r>
+            <a:r>
+              <a:rPr lang="en-US" sz="2000" dirty="0">
+                <a:solidFill>
+                  <a:schemeClr val="tx1">
+                    <a:lumMod val="85000"/>
+                    <a:lumOff val="15000"/>
+                  </a:schemeClr>
+                </a:solidFill>
+                <a:latin typeface="DM Sans" pitchFamily="2" charset="77"/>
+              </a:rPr>
+              <a:t> e carga de </a:t>
+            </a:r>
+            <a:r>
+              <a:rPr lang="en-US" sz="2000" dirty="0" err="1">
+                <a:solidFill>
+                  <a:schemeClr val="tx1">
+                    <a:lumMod val="85000"/>
+                    <a:lumOff val="15000"/>
+                  </a:schemeClr>
                 </a:solidFill>
                 <a:latin typeface="DM Sans" pitchFamily="2" charset="77"/>
               </a:rPr>
               <a:t>todos</a:t>
             </a:r>
             <a:r>
-              <a:rPr lang="en-US" sz="2400" dirty="0">
-                <a:solidFill>
-                  <a:srgbClr val="137CC0"/>
+              <a:rPr lang="en-US" sz="2000" dirty="0">
+                <a:solidFill>
+                  <a:schemeClr val="tx1">
+                    <a:lumMod val="85000"/>
+                    <a:lumOff val="15000"/>
+                  </a:schemeClr>
                 </a:solidFill>
                 <a:latin typeface="DM Sans" pitchFamily="2" charset="77"/>
               </a:rPr>
               <a:t> </a:t>
             </a:r>
             <a:r>
-              <a:rPr lang="en-US" sz="2400" dirty="0" err="1">
-                <a:solidFill>
-                  <a:srgbClr val="137CC0"/>
+              <a:rPr lang="en-US" sz="2000" dirty="0" err="1">
+                <a:solidFill>
+                  <a:schemeClr val="tx1">
+                    <a:lumMod val="85000"/>
+                    <a:lumOff val="15000"/>
+                  </a:schemeClr>
                 </a:solidFill>
                 <a:latin typeface="DM Sans" pitchFamily="2" charset="77"/>
               </a:rPr>
               <a:t>os</a:t>
             </a:r>
             <a:r>
-              <a:rPr lang="en-US" sz="2400" dirty="0">
-                <a:solidFill>
-                  <a:srgbClr val="137CC0"/>
+              <a:rPr lang="en-US" sz="2000" dirty="0">
+                <a:solidFill>
+                  <a:schemeClr val="tx1">
+                    <a:lumMod val="85000"/>
+                    <a:lumOff val="15000"/>
+                  </a:schemeClr>
                 </a:solidFill>
                 <a:latin typeface="DM Sans" pitchFamily="2" charset="77"/>
               </a:rPr>
               <a:t> </a:t>
             </a:r>
             <a:r>
-              <a:rPr lang="en-US" sz="2400" dirty="0" err="1">
-                <a:solidFill>
-                  <a:srgbClr val="137CC0"/>
-                </a:solidFill>
-                <a:latin typeface="DM Sans" pitchFamily="2" charset="77"/>
-              </a:rPr>
-              <a:t>mapeamentos</a:t>
-            </a:r>
-            <a:r>
-              <a:rPr lang="en-US" sz="2400" dirty="0">
-                <a:solidFill>
-                  <a:srgbClr val="137CC0"/>
-                </a:solidFill>
-                <a:latin typeface="DM Sans" pitchFamily="2" charset="77"/>
-              </a:rPr>
-              <a:t> entre </a:t>
-            </a:r>
-            <a:r>
-              <a:rPr lang="en-US" sz="2400" dirty="0" err="1">
-                <a:solidFill>
-                  <a:srgbClr val="137CC0"/>
-                </a:solidFill>
-                <a:latin typeface="DM Sans" pitchFamily="2" charset="77"/>
-              </a:rPr>
-              <a:t>os</a:t>
-            </a:r>
-            <a:r>
-              <a:rPr lang="en-US" sz="2400" dirty="0">
-                <a:solidFill>
-                  <a:srgbClr val="137CC0"/>
-                </a:solidFill>
-                <a:latin typeface="DM Sans" pitchFamily="2" charset="77"/>
-              </a:rPr>
-              <a:t> </a:t>
-            </a:r>
-            <a:r>
-              <a:rPr lang="en-US" sz="2400" dirty="0" err="1">
-                <a:solidFill>
-                  <a:srgbClr val="137CC0"/>
-                </a:solidFill>
-                <a:latin typeface="DM Sans" pitchFamily="2" charset="77"/>
-              </a:rPr>
-              <a:t>domínios</a:t>
-            </a:r>
-            <a:r>
-              <a:rPr lang="en-US" sz="2400" dirty="0">
-                <a:solidFill>
-                  <a:srgbClr val="137CC0"/>
-                </a:solidFill>
-                <a:latin typeface="DM Sans" pitchFamily="2" charset="77"/>
-              </a:rPr>
-              <a:t> do MS </a:t>
-            </a:r>
-            <a:r>
-              <a:rPr lang="en-US" sz="2400" dirty="0" err="1">
-                <a:solidFill>
-                  <a:srgbClr val="137CC0"/>
-                </a:solidFill>
-                <a:latin typeface="DM Sans" pitchFamily="2" charset="77"/>
-              </a:rPr>
-              <a:t>nos</a:t>
-            </a:r>
-            <a:r>
-              <a:rPr lang="en-US" sz="2400" dirty="0">
-                <a:solidFill>
-                  <a:srgbClr val="137CC0"/>
-                </a:solidFill>
-                <a:latin typeface="DM Sans" pitchFamily="2" charset="77"/>
-              </a:rPr>
-              <a:t> </a:t>
-            </a:r>
-            <a:r>
-              <a:rPr lang="en-US" sz="2400" dirty="0" err="1">
-                <a:solidFill>
-                  <a:srgbClr val="137CC0"/>
-                </a:solidFill>
-                <a:latin typeface="DM Sans" pitchFamily="2" charset="77"/>
-              </a:rPr>
-              <a:t>componentes</a:t>
-            </a:r>
-            <a:r>
-              <a:rPr lang="en-US" sz="2400" dirty="0">
-                <a:solidFill>
-                  <a:srgbClr val="137CC0"/>
+              <a:rPr lang="en-US" sz="2000" dirty="0" err="1">
+                <a:solidFill>
+                  <a:schemeClr val="tx1">
+                    <a:lumMod val="85000"/>
+                    <a:lumOff val="15000"/>
+                  </a:schemeClr>
+                </a:solidFill>
+                <a:latin typeface="DM Sans" pitchFamily="2" charset="77"/>
+              </a:rPr>
+              <a:t>mapas</a:t>
+            </a:r>
+            <a:r>
+              <a:rPr lang="en-US" sz="2000" dirty="0">
+                <a:solidFill>
+                  <a:schemeClr val="tx1">
+                    <a:lumMod val="85000"/>
+                    <a:lumOff val="15000"/>
+                  </a:schemeClr>
                 </a:solidFill>
                 <a:latin typeface="DM Sans" pitchFamily="2" charset="77"/>
               </a:rPr>
               <a:t> de </a:t>
             </a:r>
             <a:r>
-              <a:rPr lang="en-US" sz="2400" dirty="0" err="1">
-                <a:solidFill>
-                  <a:srgbClr val="137CC0"/>
-                </a:solidFill>
-                <a:latin typeface="DM Sans" pitchFamily="2" charset="77"/>
-              </a:rPr>
-              <a:t>Imunização</a:t>
-            </a:r>
-            <a:r>
-              <a:rPr lang="en-US" sz="2400" dirty="0">
-                <a:solidFill>
-                  <a:srgbClr val="137CC0"/>
-                </a:solidFill>
-                <a:latin typeface="DM Sans" pitchFamily="2" charset="77"/>
-              </a:rPr>
-              <a:t>, </a:t>
-            </a:r>
-            <a:r>
-              <a:rPr lang="en-US" sz="2400" dirty="0" err="1">
-                <a:solidFill>
-                  <a:srgbClr val="137CC0"/>
-                </a:solidFill>
-                <a:latin typeface="DM Sans" pitchFamily="2" charset="77"/>
-              </a:rPr>
-              <a:t>Alergias</a:t>
-            </a:r>
-            <a:r>
-              <a:rPr lang="en-US" sz="2400" dirty="0">
-                <a:solidFill>
-                  <a:srgbClr val="137CC0"/>
-                </a:solidFill>
-                <a:latin typeface="DM Sans" pitchFamily="2" charset="77"/>
-              </a:rPr>
-              <a:t>/</a:t>
-            </a:r>
-            <a:r>
-              <a:rPr lang="en-US" sz="2400" dirty="0" err="1">
-                <a:solidFill>
-                  <a:srgbClr val="137CC0"/>
-                </a:solidFill>
-                <a:latin typeface="DM Sans" pitchFamily="2" charset="77"/>
-              </a:rPr>
-              <a:t>Reações</a:t>
-            </a:r>
-            <a:r>
-              <a:rPr lang="en-US" sz="2400" dirty="0">
-                <a:solidFill>
-                  <a:srgbClr val="137CC0"/>
-                </a:solidFill>
-                <a:latin typeface="DM Sans" pitchFamily="2" charset="77"/>
-              </a:rPr>
-              <a:t> </a:t>
-            </a:r>
-            <a:r>
-              <a:rPr lang="en-US" sz="2400" dirty="0" err="1">
-                <a:solidFill>
-                  <a:srgbClr val="137CC0"/>
-                </a:solidFill>
-                <a:latin typeface="DM Sans" pitchFamily="2" charset="77"/>
-              </a:rPr>
-              <a:t>Adversas</a:t>
-            </a:r>
-            <a:r>
-              <a:rPr lang="en-US" sz="2400" dirty="0">
-                <a:solidFill>
-                  <a:srgbClr val="137CC0"/>
-                </a:solidFill>
-                <a:latin typeface="DM Sans" pitchFamily="2" charset="77"/>
-              </a:rPr>
-              <a:t> para as </a:t>
-            </a:r>
-            <a:r>
-              <a:rPr lang="en-US" sz="2400" dirty="0" err="1">
-                <a:solidFill>
-                  <a:srgbClr val="137CC0"/>
-                </a:solidFill>
-                <a:latin typeface="DM Sans" pitchFamily="2" charset="77"/>
-              </a:rPr>
-              <a:t>terminologias</a:t>
-            </a:r>
-            <a:r>
-              <a:rPr lang="en-US" sz="2400" dirty="0">
-                <a:solidFill>
-                  <a:srgbClr val="137CC0"/>
-                </a:solidFill>
-                <a:latin typeface="DM Sans" pitchFamily="2" charset="77"/>
-              </a:rPr>
-              <a:t> </a:t>
-            </a:r>
-            <a:r>
-              <a:rPr lang="en-US" sz="2400" dirty="0" err="1">
-                <a:solidFill>
-                  <a:srgbClr val="137CC0"/>
-                </a:solidFill>
-                <a:latin typeface="DM Sans" pitchFamily="2" charset="77"/>
-              </a:rPr>
-              <a:t>adotadas</a:t>
-            </a:r>
-            <a:r>
-              <a:rPr lang="en-US" sz="2400" dirty="0">
-                <a:solidFill>
-                  <a:srgbClr val="137CC0"/>
-                </a:solidFill>
-                <a:latin typeface="DM Sans" pitchFamily="2" charset="77"/>
-              </a:rPr>
-              <a:t> no IPS</a:t>
+              <a:rPr lang="en-US" sz="2000" dirty="0" err="1">
+                <a:solidFill>
+                  <a:schemeClr val="tx1">
+                    <a:lumMod val="85000"/>
+                    <a:lumOff val="15000"/>
+                  </a:schemeClr>
+                </a:solidFill>
+                <a:latin typeface="DM Sans" pitchFamily="2" charset="77"/>
+              </a:rPr>
+              <a:t>conceito</a:t>
+            </a:r>
+            <a:r>
+              <a:rPr lang="en-US" sz="2000" dirty="0">
+                <a:solidFill>
+                  <a:schemeClr val="tx1">
+                    <a:lumMod val="85000"/>
+                    <a:lumOff val="15000"/>
+                  </a:schemeClr>
+                </a:solidFill>
+                <a:latin typeface="DM Sans" pitchFamily="2" charset="77"/>
+              </a:rPr>
+              <a:t> (concept maps);</a:t>
             </a:r>
           </a:p>
           <a:p>
@@ -4516,185 +5941,183 @@
               <a:buChar char="•"/>
             </a:pPr>
             <a:r>
-              <a:rPr lang="en-US" sz="2400" dirty="0" err="1">
-                <a:solidFill>
-                  <a:srgbClr val="137CC0"/>
+              <a:rPr lang="en-US" sz="2000" dirty="0" err="1">
+                <a:solidFill>
+                  <a:schemeClr val="tx1">
+                    <a:lumMod val="85000"/>
+                    <a:lumOff val="15000"/>
+                  </a:schemeClr>
                 </a:solidFill>
                 <a:latin typeface="DM Sans" pitchFamily="2" charset="77"/>
               </a:rPr>
               <a:t>Proposta</a:t>
             </a:r>
             <a:r>
-              <a:rPr lang="en-US" sz="2400" dirty="0">
-                <a:solidFill>
-                  <a:srgbClr val="137CC0"/>
+              <a:rPr lang="en-US" sz="2000" dirty="0">
+                <a:solidFill>
+                  <a:schemeClr val="tx1">
+                    <a:lumMod val="85000"/>
+                    <a:lumOff val="15000"/>
+                  </a:schemeClr>
                 </a:solidFill>
                 <a:latin typeface="DM Sans" pitchFamily="2" charset="77"/>
               </a:rPr>
               <a:t> de </a:t>
             </a:r>
             <a:r>
-              <a:rPr lang="en-US" sz="2400" dirty="0" err="1">
-                <a:solidFill>
-                  <a:srgbClr val="137CC0"/>
+              <a:rPr lang="en-US" sz="2000" dirty="0" err="1">
+                <a:solidFill>
+                  <a:schemeClr val="tx1">
+                    <a:lumMod val="85000"/>
+                    <a:lumOff val="15000"/>
+                  </a:schemeClr>
                 </a:solidFill>
                 <a:latin typeface="DM Sans" pitchFamily="2" charset="77"/>
               </a:rPr>
               <a:t>Governança</a:t>
             </a:r>
             <a:r>
-              <a:rPr lang="en-US" sz="2400" dirty="0">
-                <a:solidFill>
-                  <a:srgbClr val="137CC0"/>
+              <a:rPr lang="en-US" sz="2000" dirty="0">
+                <a:solidFill>
+                  <a:schemeClr val="tx1">
+                    <a:lumMod val="85000"/>
+                    <a:lumOff val="15000"/>
+                  </a:schemeClr>
                 </a:solidFill>
                 <a:latin typeface="DM Sans" pitchFamily="2" charset="77"/>
               </a:rPr>
               <a:t> e </a:t>
             </a:r>
             <a:r>
-              <a:rPr lang="en-US" sz="2400" dirty="0" err="1">
-                <a:solidFill>
-                  <a:srgbClr val="137CC0"/>
+              <a:rPr lang="en-US" sz="2000" dirty="0" err="1">
+                <a:solidFill>
+                  <a:schemeClr val="tx1">
+                    <a:lumMod val="85000"/>
+                    <a:lumOff val="15000"/>
+                  </a:schemeClr>
                 </a:solidFill>
                 <a:latin typeface="DM Sans" pitchFamily="2" charset="77"/>
               </a:rPr>
               <a:t>Curadoria</a:t>
             </a:r>
             <a:r>
-              <a:rPr lang="en-US" sz="2400" dirty="0">
-                <a:solidFill>
-                  <a:srgbClr val="137CC0"/>
+              <a:rPr lang="en-US" sz="2000" dirty="0">
+                <a:solidFill>
+                  <a:schemeClr val="tx1">
+                    <a:lumMod val="85000"/>
+                    <a:lumOff val="15000"/>
+                  </a:schemeClr>
                 </a:solidFill>
                 <a:latin typeface="DM Sans" pitchFamily="2" charset="77"/>
               </a:rPr>
               <a:t> das </a:t>
             </a:r>
             <a:r>
-              <a:rPr lang="en-US" sz="2400" dirty="0" err="1">
-                <a:solidFill>
-                  <a:srgbClr val="137CC0"/>
+              <a:rPr lang="en-US" sz="2000" dirty="0" err="1">
+                <a:solidFill>
+                  <a:schemeClr val="tx1">
+                    <a:lumMod val="85000"/>
+                    <a:lumOff val="15000"/>
+                  </a:schemeClr>
                 </a:solidFill>
                 <a:latin typeface="DM Sans" pitchFamily="2" charset="77"/>
               </a:rPr>
               <a:t>Terminologias</a:t>
             </a:r>
             <a:r>
-              <a:rPr lang="en-US" sz="2400" dirty="0">
-                <a:solidFill>
-                  <a:srgbClr val="137CC0"/>
+              <a:rPr lang="en-US" sz="2000" dirty="0">
+                <a:solidFill>
+                  <a:schemeClr val="tx1">
+                    <a:lumMod val="85000"/>
+                    <a:lumOff val="15000"/>
+                  </a:schemeClr>
                 </a:solidFill>
                 <a:latin typeface="DM Sans" pitchFamily="2" charset="77"/>
               </a:rPr>
               <a:t> MS </a:t>
             </a:r>
             <a:r>
-              <a:rPr lang="en-US" sz="2400" dirty="0" err="1">
-                <a:solidFill>
-                  <a:srgbClr val="137CC0"/>
+              <a:rPr lang="en-US" sz="2000" dirty="0" err="1">
+                <a:solidFill>
+                  <a:schemeClr val="tx1">
+                    <a:lumMod val="85000"/>
+                    <a:lumOff val="15000"/>
+                  </a:schemeClr>
                 </a:solidFill>
                 <a:latin typeface="DM Sans" pitchFamily="2" charset="77"/>
               </a:rPr>
               <a:t>disponíveis</a:t>
             </a:r>
             <a:r>
-              <a:rPr lang="en-US" sz="2400" dirty="0">
-                <a:solidFill>
-                  <a:srgbClr val="137CC0"/>
+              <a:rPr lang="en-US" sz="2000" dirty="0">
+                <a:solidFill>
+                  <a:schemeClr val="tx1">
+                    <a:lumMod val="85000"/>
+                    <a:lumOff val="15000"/>
+                  </a:schemeClr>
                 </a:solidFill>
                 <a:latin typeface="DM Sans" pitchFamily="2" charset="77"/>
               </a:rPr>
               <a:t> no </a:t>
             </a:r>
             <a:r>
-              <a:rPr lang="en-US" sz="2400" dirty="0" err="1">
-                <a:solidFill>
-                  <a:srgbClr val="137CC0"/>
+              <a:rPr lang="en-US" sz="2000" dirty="0" err="1">
+                <a:solidFill>
+                  <a:schemeClr val="tx1">
+                    <a:lumMod val="85000"/>
+                    <a:lumOff val="15000"/>
+                  </a:schemeClr>
                 </a:solidFill>
                 <a:latin typeface="DM Sans" pitchFamily="2" charset="77"/>
               </a:rPr>
               <a:t>Servidor</a:t>
             </a:r>
             <a:r>
-              <a:rPr lang="en-US" sz="2400" dirty="0">
-                <a:solidFill>
-                  <a:srgbClr val="137CC0"/>
+              <a:rPr lang="en-US" sz="2000" dirty="0">
+                <a:solidFill>
+                  <a:schemeClr val="tx1">
+                    <a:lumMod val="85000"/>
+                    <a:lumOff val="15000"/>
+                  </a:schemeClr>
                 </a:solidFill>
                 <a:latin typeface="DM Sans" pitchFamily="2" charset="77"/>
               </a:rPr>
               <a:t> de </a:t>
             </a:r>
             <a:r>
-              <a:rPr lang="en-US" sz="2400" dirty="0" err="1">
-                <a:solidFill>
-                  <a:srgbClr val="137CC0"/>
+              <a:rPr lang="en-US" sz="2000" dirty="0" err="1">
+                <a:solidFill>
+                  <a:schemeClr val="tx1">
+                    <a:lumMod val="85000"/>
+                    <a:lumOff val="15000"/>
+                  </a:schemeClr>
                 </a:solidFill>
                 <a:latin typeface="DM Sans" pitchFamily="2" charset="77"/>
               </a:rPr>
               <a:t>Terminologia</a:t>
             </a:r>
-            <a:endParaRPr lang="en-US" sz="2400" dirty="0">
+            <a:endParaRPr lang="en-US" sz="2000" dirty="0">
               <a:solidFill>
-                <a:srgbClr val="137CC0"/>
+                <a:schemeClr val="tx1">
+                  <a:lumMod val="85000"/>
+                  <a:lumOff val="15000"/>
+                </a:schemeClr>
               </a:solidFill>
               <a:latin typeface="DM Sans" pitchFamily="2" charset="77"/>
             </a:endParaRPr>
           </a:p>
           <a:p>
-            <a:pPr marL="1392238" lvl="1" indent="-374650">
+            <a:pPr marL="1017588" lvl="1">
               <a:lnSpc>
                 <a:spcPct val="150000"/>
               </a:lnSpc>
-              <a:buFont typeface="Arial" panose="020B0604020202020204" pitchFamily="34" charset="0"/>
-              <a:buChar char="•"/>
             </a:pPr>
-            <a:r>
-              <a:rPr lang="en-US" sz="2400" dirty="0" err="1">
-                <a:solidFill>
-                  <a:srgbClr val="137CC0"/>
-                </a:solidFill>
-                <a:latin typeface="DM Sans" pitchFamily="2" charset="77"/>
-              </a:rPr>
-              <a:t>Políticas</a:t>
-            </a:r>
-            <a:r>
-              <a:rPr lang="en-US" sz="2400" dirty="0">
-                <a:solidFill>
-                  <a:srgbClr val="137CC0"/>
-                </a:solidFill>
-                <a:latin typeface="DM Sans" pitchFamily="2" charset="77"/>
-              </a:rPr>
-              <a:t> de </a:t>
-            </a:r>
-            <a:r>
-              <a:rPr lang="en-US" sz="2400" dirty="0" err="1">
-                <a:solidFill>
-                  <a:srgbClr val="137CC0"/>
-                </a:solidFill>
-                <a:latin typeface="DM Sans" pitchFamily="2" charset="77"/>
-              </a:rPr>
-              <a:t>atualização</a:t>
-            </a:r>
-            <a:r>
-              <a:rPr lang="en-US" sz="2400" dirty="0">
-                <a:solidFill>
-                  <a:srgbClr val="137CC0"/>
-                </a:solidFill>
-                <a:latin typeface="DM Sans" pitchFamily="2" charset="77"/>
-              </a:rPr>
-              <a:t> e </a:t>
-            </a:r>
-            <a:r>
-              <a:rPr lang="en-US" sz="2400" dirty="0" err="1">
-                <a:solidFill>
-                  <a:srgbClr val="137CC0"/>
-                </a:solidFill>
-                <a:latin typeface="DM Sans" pitchFamily="2" charset="77"/>
-              </a:rPr>
-              <a:t>curadoria</a:t>
-            </a:r>
-            <a:endParaRPr lang="en-US" sz="2400" dirty="0">
+            <a:endParaRPr lang="en-US" sz="2000" dirty="0">
               <a:solidFill>
-                <a:srgbClr val="137CC0"/>
+                <a:schemeClr val="tx1">
+                  <a:lumMod val="85000"/>
+                  <a:lumOff val="15000"/>
+                </a:schemeClr>
               </a:solidFill>
               <a:latin typeface="DM Sans" pitchFamily="2" charset="77"/>
             </a:endParaRPr>
@@ -4745,10 +6168,13 @@
             <a:r>
               <a:rPr lang="en-BR" dirty="0">
                 <a:solidFill>
-                  <a:srgbClr val="CBB5E1"/>
-                </a:solidFill>
-              </a:rPr>
-              <a:t>Entregáveis</a:t>
+                  <a:schemeClr val="tx1">
+                    <a:lumMod val="85000"/>
+                    <a:lumOff val="15000"/>
+                  </a:schemeClr>
+                </a:solidFill>
+              </a:rPr>
+              <a:t>Entregáveis  </a:t>
             </a:r>
           </a:p>
         </p:txBody>
@@ -4807,10 +6233,13 @@
             <a:r>
               <a:rPr lang="en-BR" dirty="0">
                 <a:solidFill>
-                  <a:srgbClr val="CBB5E1"/>
-                </a:solidFill>
-              </a:rPr>
-              <a:t>Entregáveis</a:t>
+                  <a:schemeClr val="tx1">
+                    <a:lumMod val="85000"/>
+                    <a:lumOff val="15000"/>
+                  </a:schemeClr>
+                </a:solidFill>
+              </a:rPr>
+              <a:t>Entregáveis (cont)</a:t>
             </a:r>
           </a:p>
         </p:txBody>
@@ -4834,7 +6263,7 @@
         <p:spPr>
           <a:xfrm>
             <a:off x="730624" y="1459220"/>
-            <a:ext cx="10515600" cy="5033655"/>
+            <a:ext cx="10515600" cy="3240567"/>
           </a:xfrm>
           <a:prstGeom prst="rect">
             <a:avLst/>
@@ -4854,7 +6283,10 @@
             <a:r>
               <a:rPr lang="en-US" sz="2400" dirty="0" err="1">
                 <a:solidFill>
-                  <a:srgbClr val="137CC0"/>
+                  <a:schemeClr val="tx1">
+                    <a:lumMod val="85000"/>
+                    <a:lumOff val="15000"/>
+                  </a:schemeClr>
                 </a:solidFill>
                 <a:latin typeface="DM Sans" pitchFamily="2" charset="77"/>
               </a:rPr>
@@ -4863,7 +6295,10 @@
             <a:r>
               <a:rPr lang="en-US" sz="2400" dirty="0">
                 <a:solidFill>
-                  <a:srgbClr val="137CC0"/>
+                  <a:schemeClr val="tx1">
+                    <a:lumMod val="85000"/>
+                    <a:lumOff val="15000"/>
+                  </a:schemeClr>
                 </a:solidFill>
                 <a:latin typeface="DM Sans" pitchFamily="2" charset="77"/>
               </a:rPr>
@@ -4872,7 +6307,10 @@
             <a:r>
               <a:rPr lang="en-US" sz="2400" dirty="0" err="1">
                 <a:solidFill>
-                  <a:srgbClr val="137CC0"/>
+                  <a:schemeClr val="tx1">
+                    <a:lumMod val="85000"/>
+                    <a:lumOff val="15000"/>
+                  </a:schemeClr>
                 </a:solidFill>
                 <a:latin typeface="DM Sans" pitchFamily="2" charset="77"/>
               </a:rPr>
@@ -4881,7 +6319,10 @@
             <a:r>
               <a:rPr lang="en-US" sz="2400" dirty="0">
                 <a:solidFill>
-                  <a:srgbClr val="137CC0"/>
+                  <a:schemeClr val="tx1">
+                    <a:lumMod val="85000"/>
+                    <a:lumOff val="15000"/>
+                  </a:schemeClr>
                 </a:solidFill>
                 <a:latin typeface="DM Sans" pitchFamily="2" charset="77"/>
               </a:rPr>
@@ -4890,7 +6331,10 @@
             <a:r>
               <a:rPr lang="en-US" sz="2400" dirty="0" err="1">
                 <a:solidFill>
-                  <a:srgbClr val="137CC0"/>
+                  <a:schemeClr val="tx1">
+                    <a:lumMod val="85000"/>
+                    <a:lumOff val="15000"/>
+                  </a:schemeClr>
                 </a:solidFill>
                 <a:latin typeface="DM Sans" pitchFamily="2" charset="77"/>
               </a:rPr>
@@ -4899,7 +6343,10 @@
             <a:r>
               <a:rPr lang="en-US" sz="2400" dirty="0">
                 <a:solidFill>
-                  <a:srgbClr val="137CC0"/>
+                  <a:schemeClr val="tx1">
+                    <a:lumMod val="85000"/>
+                    <a:lumOff val="15000"/>
+                  </a:schemeClr>
                 </a:solidFill>
                 <a:latin typeface="DM Sans" pitchFamily="2" charset="77"/>
               </a:rPr>
@@ -4908,7 +6355,10 @@
             <a:r>
               <a:rPr lang="en-US" sz="2400" dirty="0" err="1">
                 <a:solidFill>
-                  <a:srgbClr val="137CC0"/>
+                  <a:schemeClr val="tx1">
+                    <a:lumMod val="85000"/>
+                    <a:lumOff val="15000"/>
+                  </a:schemeClr>
                 </a:solidFill>
                 <a:latin typeface="DM Sans" pitchFamily="2" charset="77"/>
               </a:rPr>
@@ -4916,7 +6366,10 @@
             </a:r>
             <a:endParaRPr lang="en-US" sz="2400" dirty="0">
               <a:solidFill>
-                <a:srgbClr val="137CC0"/>
+                <a:schemeClr val="tx1">
+                  <a:lumMod val="85000"/>
+                  <a:lumOff val="15000"/>
+                </a:schemeClr>
               </a:solidFill>
               <a:latin typeface="DM Sans" pitchFamily="2" charset="77"/>
             </a:endParaRPr>
@@ -4929,7 +6382,10 @@
             <a:r>
               <a:rPr lang="en-US" sz="2400" dirty="0">
                 <a:solidFill>
-                  <a:srgbClr val="137CC0"/>
+                  <a:schemeClr val="tx1">
+                    <a:lumMod val="85000"/>
+                    <a:lumOff val="15000"/>
+                  </a:schemeClr>
                 </a:solidFill>
                 <a:latin typeface="DM Sans" pitchFamily="2" charset="77"/>
               </a:rPr>
@@ -4938,7 +6394,10 @@
             <a:r>
               <a:rPr lang="en-US" sz="2400" dirty="0" err="1">
                 <a:solidFill>
-                  <a:srgbClr val="137CC0"/>
+                  <a:schemeClr val="tx1">
+                    <a:lumMod val="85000"/>
+                    <a:lumOff val="15000"/>
+                  </a:schemeClr>
                 </a:solidFill>
                 <a:latin typeface="DM Sans" pitchFamily="2" charset="77"/>
               </a:rPr>
@@ -4947,7 +6406,10 @@
             <a:r>
               <a:rPr lang="en-US" sz="2400" dirty="0">
                 <a:solidFill>
-                  <a:srgbClr val="137CC0"/>
+                  <a:schemeClr val="tx1">
+                    <a:lumMod val="85000"/>
+                    <a:lumOff val="15000"/>
+                  </a:schemeClr>
                 </a:solidFill>
                 <a:latin typeface="DM Sans" pitchFamily="2" charset="77"/>
               </a:rPr>
@@ -4956,7 +6418,10 @@
             <a:r>
               <a:rPr lang="en-US" sz="2400" dirty="0" err="1">
                 <a:solidFill>
-                  <a:srgbClr val="137CC0"/>
+                  <a:schemeClr val="tx1">
+                    <a:lumMod val="85000"/>
+                    <a:lumOff val="15000"/>
+                  </a:schemeClr>
                 </a:solidFill>
                 <a:latin typeface="DM Sans" pitchFamily="2" charset="77"/>
               </a:rPr>
@@ -4965,7 +6430,10 @@
             <a:r>
               <a:rPr lang="en-US" sz="2400" dirty="0">
                 <a:solidFill>
-                  <a:srgbClr val="137CC0"/>
+                  <a:schemeClr val="tx1">
+                    <a:lumMod val="85000"/>
+                    <a:lumOff val="15000"/>
+                  </a:schemeClr>
                 </a:solidFill>
                 <a:latin typeface="DM Sans" pitchFamily="2" charset="77"/>
               </a:rPr>
@@ -4974,7 +6442,10 @@
             <a:r>
               <a:rPr lang="en-US" sz="2400" dirty="0" err="1">
                 <a:solidFill>
-                  <a:srgbClr val="137CC0"/>
+                  <a:schemeClr val="tx1">
+                    <a:lumMod val="85000"/>
+                    <a:lumOff val="15000"/>
+                  </a:schemeClr>
                 </a:solidFill>
                 <a:latin typeface="DM Sans" pitchFamily="2" charset="77"/>
               </a:rPr>
@@ -4983,7 +6454,10 @@
             <a:r>
               <a:rPr lang="en-US" sz="2400" dirty="0">
                 <a:solidFill>
-                  <a:srgbClr val="137CC0"/>
+                  <a:schemeClr val="tx1">
+                    <a:lumMod val="85000"/>
+                    <a:lumOff val="15000"/>
+                  </a:schemeClr>
                 </a:solidFill>
                 <a:latin typeface="DM Sans" pitchFamily="2" charset="77"/>
               </a:rPr>
@@ -4992,7 +6466,10 @@
             <a:r>
               <a:rPr lang="en-US" sz="2400" dirty="0" err="1">
                 <a:solidFill>
-                  <a:srgbClr val="137CC0"/>
+                  <a:schemeClr val="tx1">
+                    <a:lumMod val="85000"/>
+                    <a:lumOff val="15000"/>
+                  </a:schemeClr>
                 </a:solidFill>
                 <a:latin typeface="DM Sans" pitchFamily="2" charset="77"/>
               </a:rPr>
@@ -5001,235 +6478,10 @@
             <a:r>
               <a:rPr lang="en-US" sz="2400" dirty="0">
                 <a:solidFill>
-                  <a:srgbClr val="137CC0"/>
-                </a:solidFill>
-                <a:latin typeface="DM Sans" pitchFamily="2" charset="77"/>
-              </a:rPr>
-              <a:t> do IPS</a:t>
-            </a:r>
-          </a:p>
-          <a:p>
-            <a:pPr marL="895350" indent="-455613">
-              <a:buFont typeface="Arial" panose="020B0604020202020204" pitchFamily="34" charset="0"/>
-              <a:buChar char="•"/>
-            </a:pPr>
-            <a:r>
-              <a:rPr lang="en-US" sz="2400" dirty="0">
-                <a:solidFill>
-                  <a:srgbClr val="137CC0"/>
-                </a:solidFill>
-                <a:latin typeface="DM Sans" pitchFamily="2" charset="77"/>
-              </a:rPr>
-              <a:t>PEC </a:t>
-            </a:r>
-            <a:r>
-              <a:rPr lang="en-US" sz="2400" dirty="0" err="1">
-                <a:solidFill>
-                  <a:srgbClr val="137CC0"/>
-                </a:solidFill>
-                <a:latin typeface="DM Sans" pitchFamily="2" charset="77"/>
-              </a:rPr>
-              <a:t>poderá</a:t>
-            </a:r>
-            <a:r>
-              <a:rPr lang="en-US" sz="2400" dirty="0">
-                <a:solidFill>
-                  <a:srgbClr val="137CC0"/>
-                </a:solidFill>
-                <a:latin typeface="DM Sans" pitchFamily="2" charset="77"/>
-              </a:rPr>
-              <a:t> </a:t>
-            </a:r>
-            <a:r>
-              <a:rPr lang="en-US" sz="2400" dirty="0" err="1">
-                <a:solidFill>
-                  <a:srgbClr val="137CC0"/>
-                </a:solidFill>
-                <a:latin typeface="DM Sans" pitchFamily="2" charset="77"/>
-              </a:rPr>
-              <a:t>consumir</a:t>
-            </a:r>
-            <a:r>
-              <a:rPr lang="en-US" sz="2400" dirty="0">
-                <a:solidFill>
-                  <a:srgbClr val="137CC0"/>
-                </a:solidFill>
-                <a:latin typeface="DM Sans" pitchFamily="2" charset="77"/>
-              </a:rPr>
-              <a:t> base </a:t>
-            </a:r>
-            <a:r>
-              <a:rPr lang="en-US" sz="2400" dirty="0" err="1">
-                <a:solidFill>
-                  <a:srgbClr val="137CC0"/>
-                </a:solidFill>
-                <a:latin typeface="DM Sans" pitchFamily="2" charset="77"/>
-              </a:rPr>
-              <a:t>atualizada</a:t>
-            </a:r>
-            <a:r>
-              <a:rPr lang="en-US" sz="2400" dirty="0">
-                <a:solidFill>
-                  <a:srgbClr val="137CC0"/>
-                </a:solidFill>
-                <a:latin typeface="DM Sans" pitchFamily="2" charset="77"/>
-              </a:rPr>
-              <a:t> e </a:t>
-            </a:r>
-            <a:r>
-              <a:rPr lang="en-US" sz="2400" dirty="0" err="1">
-                <a:solidFill>
-                  <a:srgbClr val="137CC0"/>
-                </a:solidFill>
-                <a:latin typeface="DM Sans" pitchFamily="2" charset="77"/>
-              </a:rPr>
-              <a:t>enviar</a:t>
-            </a:r>
-            <a:r>
-              <a:rPr lang="en-US" sz="2400" dirty="0">
-                <a:solidFill>
-                  <a:srgbClr val="137CC0"/>
-                </a:solidFill>
-                <a:latin typeface="DM Sans" pitchFamily="2" charset="77"/>
-              </a:rPr>
-              <a:t> </a:t>
-            </a:r>
-            <a:r>
-              <a:rPr lang="en-US" sz="2400" dirty="0" err="1">
-                <a:solidFill>
-                  <a:srgbClr val="137CC0"/>
-                </a:solidFill>
-                <a:latin typeface="DM Sans" pitchFamily="2" charset="77"/>
-              </a:rPr>
-              <a:t>lista</a:t>
-            </a:r>
-            <a:r>
-              <a:rPr lang="en-US" sz="2400" dirty="0">
-                <a:solidFill>
-                  <a:srgbClr val="137CC0"/>
-                </a:solidFill>
-                <a:latin typeface="DM Sans" pitchFamily="2" charset="77"/>
-              </a:rPr>
-              <a:t> de </a:t>
-            </a:r>
-            <a:r>
-              <a:rPr lang="en-US" sz="2400" dirty="0" err="1">
-                <a:solidFill>
-                  <a:srgbClr val="137CC0"/>
-                </a:solidFill>
-                <a:latin typeface="DM Sans" pitchFamily="2" charset="77"/>
-              </a:rPr>
-              <a:t>medicamentos</a:t>
-            </a:r>
-            <a:r>
-              <a:rPr lang="en-US" sz="2400" dirty="0">
-                <a:solidFill>
-                  <a:srgbClr val="137CC0"/>
-                </a:solidFill>
-                <a:latin typeface="DM Sans" pitchFamily="2" charset="77"/>
-              </a:rPr>
-              <a:t> para RNDS</a:t>
-            </a:r>
-          </a:p>
-          <a:p>
-            <a:pPr marL="895350" indent="-455613">
-              <a:buFont typeface="Arial" panose="020B0604020202020204" pitchFamily="34" charset="0"/>
-              <a:buChar char="•"/>
-            </a:pPr>
-            <a:r>
-              <a:rPr lang="en-US" sz="2400" dirty="0">
-                <a:solidFill>
-                  <a:srgbClr val="137CC0"/>
-                </a:solidFill>
-                <a:latin typeface="DM Sans" pitchFamily="2" charset="77"/>
-              </a:rPr>
-              <a:t>Lista RNDS </a:t>
-            </a:r>
-            <a:r>
-              <a:rPr lang="en-US" sz="2400" dirty="0" err="1">
-                <a:solidFill>
-                  <a:srgbClr val="137CC0"/>
-                </a:solidFill>
-                <a:latin typeface="DM Sans" pitchFamily="2" charset="77"/>
-              </a:rPr>
-              <a:t>será</a:t>
-            </a:r>
-            <a:r>
-              <a:rPr lang="en-US" sz="2400" dirty="0">
-                <a:solidFill>
-                  <a:srgbClr val="137CC0"/>
-                </a:solidFill>
-                <a:latin typeface="DM Sans" pitchFamily="2" charset="77"/>
-              </a:rPr>
-              <a:t> </a:t>
-            </a:r>
-            <a:r>
-              <a:rPr lang="en-US" sz="2400" dirty="0" err="1">
-                <a:solidFill>
-                  <a:srgbClr val="137CC0"/>
-                </a:solidFill>
-                <a:latin typeface="DM Sans" pitchFamily="2" charset="77"/>
-              </a:rPr>
-              <a:t>utilizada</a:t>
-            </a:r>
-            <a:r>
-              <a:rPr lang="en-US" sz="2400" dirty="0">
-                <a:solidFill>
-                  <a:srgbClr val="137CC0"/>
-                </a:solidFill>
-                <a:latin typeface="DM Sans" pitchFamily="2" charset="77"/>
-              </a:rPr>
-              <a:t> para </a:t>
-            </a:r>
-            <a:r>
-              <a:rPr lang="en-US" sz="2400" dirty="0" err="1">
-                <a:solidFill>
-                  <a:srgbClr val="137CC0"/>
-                </a:solidFill>
-                <a:latin typeface="DM Sans" pitchFamily="2" charset="77"/>
-              </a:rPr>
-              <a:t>compor</a:t>
-            </a:r>
-            <a:r>
-              <a:rPr lang="en-US" sz="2400" dirty="0">
-                <a:solidFill>
-                  <a:srgbClr val="137CC0"/>
-                </a:solidFill>
-                <a:latin typeface="DM Sans" pitchFamily="2" charset="77"/>
-              </a:rPr>
-              <a:t> o </a:t>
-            </a:r>
-            <a:r>
-              <a:rPr lang="en-US" sz="2400" dirty="0" err="1">
-                <a:solidFill>
-                  <a:srgbClr val="137CC0"/>
-                </a:solidFill>
-                <a:latin typeface="DM Sans" pitchFamily="2" charset="77"/>
-              </a:rPr>
-              <a:t>bloco</a:t>
-            </a:r>
-            <a:r>
-              <a:rPr lang="en-US" sz="2400" dirty="0">
-                <a:solidFill>
-                  <a:srgbClr val="137CC0"/>
-                </a:solidFill>
-                <a:latin typeface="DM Sans" pitchFamily="2" charset="77"/>
-              </a:rPr>
-              <a:t> </a:t>
-            </a:r>
-            <a:r>
-              <a:rPr lang="en-US" sz="2400" dirty="0" err="1">
-                <a:solidFill>
-                  <a:srgbClr val="137CC0"/>
-                </a:solidFill>
-                <a:latin typeface="DM Sans" pitchFamily="2" charset="77"/>
-              </a:rPr>
-              <a:t>Medicamentos</a:t>
-            </a:r>
-            <a:r>
-              <a:rPr lang="en-US" sz="2400" dirty="0">
-                <a:solidFill>
-                  <a:srgbClr val="137CC0"/>
+                  <a:schemeClr val="tx1">
+                    <a:lumMod val="85000"/>
+                    <a:lumOff val="15000"/>
+                  </a:schemeClr>
                 </a:solidFill>
                 <a:latin typeface="DM Sans" pitchFamily="2" charset="77"/>
               </a:rPr>
@@ -5245,31 +6497,61 @@
               <a:buAutoNum type="arabicPeriod" startAt="3"/>
             </a:pPr>
             <a:r>
+              <a:rPr lang="pt-BR" sz="2400">
+                <a:solidFill>
+                  <a:schemeClr val="tx1">
+                    <a:lumMod val="85000"/>
+                    <a:lumOff val="15000"/>
+                  </a:schemeClr>
+                </a:solidFill>
+                <a:latin typeface="DM Sans" pitchFamily="2" charset="77"/>
+              </a:rPr>
+              <a:t> Definição </a:t>
+            </a:r>
+            <a:r>
               <a:rPr lang="pt-BR" sz="2400" dirty="0">
                 <a:solidFill>
+                  <a:schemeClr val="tx1">
+                    <a:lumMod val="85000"/>
+                    <a:lumOff val="15000"/>
+                  </a:schemeClr>
+                </a:solidFill>
+                <a:latin typeface="DM Sans" pitchFamily="2" charset="77"/>
+              </a:rPr>
+              <a:t>dos perfis IPS HL7 FHIR para  Imunização, Exames, Alergias/</a:t>
+            </a:r>
+            <a:r>
+              <a:rPr lang="pt-BR" sz="2400" dirty="0" err="1">
+                <a:solidFill>
+                  <a:schemeClr val="tx1">
+                    <a:lumMod val="85000"/>
+                    <a:lumOff val="15000"/>
+                  </a:schemeClr>
+                </a:solidFill>
+                <a:latin typeface="DM Sans" pitchFamily="2" charset="77"/>
+              </a:rPr>
+              <a:t>Reaçoes</a:t>
+            </a:r>
+            <a:r>
+              <a:rPr lang="pt-BR" sz="2400" dirty="0">
+                <a:solidFill>
+                  <a:schemeClr val="tx1">
+                    <a:lumMod val="85000"/>
+                    <a:lumOff val="15000"/>
+                  </a:schemeClr>
+                </a:solidFill>
+                <a:latin typeface="DM Sans" pitchFamily="2" charset="77"/>
+              </a:rPr>
+              <a:t> Adversas e Medicamentos para a composição do GI IPS Brasil. Na falta de modelo lógico na RNDS para o componente o mesmo será proposto pelo projeto</a:t>
+            </a:r>
+            <a:r>
+              <a:rPr lang="pt-BR" sz="2400" dirty="0">
+                <a:solidFill>
                   <a:srgbClr val="137CC0"/>
                 </a:solidFill>
                 <a:latin typeface="DM Sans" pitchFamily="2" charset="77"/>
               </a:rPr>
-              <a:t>Definição dos perfis IPS HL7 FHIR para  Imunização, Exames, Alergias/</a:t>
-            </a:r>
-            <a:r>
-              <a:rPr lang="pt-BR" sz="2400" dirty="0" err="1">
-                <a:solidFill>
-                  <a:srgbClr val="137CC0"/>
-                </a:solidFill>
-                <a:latin typeface="DM Sans" pitchFamily="2" charset="77"/>
-              </a:rPr>
-              <a:t>Reaçoes</a:t>
-            </a:r>
-            <a:r>
-              <a:rPr lang="pt-BR" sz="2400" dirty="0">
-                <a:solidFill>
-                  <a:srgbClr val="137CC0"/>
-                </a:solidFill>
-                <a:latin typeface="DM Sans" pitchFamily="2" charset="77"/>
-              </a:rPr>
-              <a:t> Adversas e Medicamentos para a composição do GI IPS Brasil. Na falta de modelo lógico na RNDS para o componente o mesmo será proposto pelo projeto.   </a:t>
+              <a:t>.   </a:t>
             </a:r>
             <a:endParaRPr lang="en-BR" sz="2400" dirty="0">
               <a:solidFill>
@@ -5348,12 +6630,14 @@
             <a:r>
               <a:rPr lang="en-BR" dirty="0">
                 <a:solidFill>
-                  <a:srgbClr val="CBB5E1"/>
-                </a:solidFill>
-              </a:rPr>
-              <a:t>Entregáveis</a:t>
-            </a:r>
-            <a:endParaRPr lang="en-BR" dirty="0"/>
+                  <a:schemeClr val="tx1">
+                    <a:lumMod val="85000"/>
+                    <a:lumOff val="15000"/>
+                  </a:schemeClr>
+                </a:solidFill>
+              </a:rPr>
+              <a:t>Entregáveis (cont)</a:t>
+            </a:r>
           </a:p>
         </p:txBody>
       </p:sp>
@@ -5380,7 +6664,9 @@
           </a:xfrm>
         </p:spPr>
         <p:txBody>
-          <a:bodyPr/>
+          <a:bodyPr>
+            <a:normAutofit lnSpcReduction="10000"/>
+          </a:bodyPr>
           <a:lstStyle/>
           <a:p>
             <a:pPr algn="just">
@@ -5391,7 +6677,7 @@
               <a:buAutoNum type="arabicPeriod" startAt="4"/>
             </a:pPr>
             <a:r>
-              <a:rPr lang="pt-BR" sz="1800" b="1" dirty="0">
+              <a:rPr lang="pt-BR" sz="2400" dirty="0">
                 <a:effectLst/>
                 <a:latin typeface="Arial" panose="020B0604020202020204" pitchFamily="34" charset="0"/>
                 <a:ea typeface="Arial" panose="020B0604020202020204" pitchFamily="34" charset="0"/>
@@ -5400,9 +6686,12 @@
               <a:t>Realização de </a:t>
             </a:r>
             <a:r>
-              <a:rPr lang="pt-BR" sz="1800" b="1" u="sng" dirty="0">
-                <a:solidFill>
-                  <a:srgbClr val="0563C1"/>
+              <a:rPr lang="pt-BR" sz="2400" dirty="0">
+                <a:solidFill>
+                  <a:schemeClr val="tx1">
+                    <a:lumMod val="85000"/>
+                    <a:lumOff val="15000"/>
+                  </a:schemeClr>
                 </a:solidFill>
                 <a:effectLst/>
                 <a:latin typeface="Arial" panose="020B0604020202020204" pitchFamily="34" charset="0"/>
@@ -5412,7 +6701,13 @@
               <a:t>provas de conceito (POC)</a:t>
             </a:r>
             <a:r>
-              <a:rPr lang="pt-BR" sz="1800" dirty="0">
+              <a:rPr lang="pt-BR" sz="2400" dirty="0">
+                <a:solidFill>
+                  <a:schemeClr val="tx1">
+                    <a:lumMod val="85000"/>
+                    <a:lumOff val="15000"/>
+                  </a:schemeClr>
+                </a:solidFill>
                 <a:effectLst/>
                 <a:latin typeface="Calibri" panose="020F0502020204030204" pitchFamily="34" charset="0"/>
                 <a:ea typeface="Calibri" panose="020F0502020204030204" pitchFamily="34" charset="0"/>
@@ -5421,100 +6716,151 @@
               <a:t> </a:t>
             </a:r>
             <a:r>
-              <a:rPr lang="pt-BR" sz="1800" dirty="0">
+              <a:rPr lang="pt-BR" sz="2400" dirty="0">
+                <a:solidFill>
+                  <a:schemeClr val="tx1">
+                    <a:lumMod val="85000"/>
+                    <a:lumOff val="15000"/>
+                  </a:schemeClr>
+                </a:solidFill>
                 <a:effectLst/>
                 <a:latin typeface="Arial" panose="020B0604020202020204" pitchFamily="34" charset="0"/>
                 <a:ea typeface="Arial" panose="020B0604020202020204" pitchFamily="34" charset="0"/>
                 <a:cs typeface="Times New Roman" panose="02020603050405020304" pitchFamily="18" charset="0"/>
               </a:rPr>
-              <a:t>: Realização de </a:t>
-            </a:r>
-            <a:r>
-              <a:rPr lang="pt-BR" sz="1800" u="sng" dirty="0">
-                <a:solidFill>
-                  <a:srgbClr val="0563C1"/>
+              <a:t>: Realização de testes de conformidade conforme </a:t>
+            </a:r>
+            <a:r>
+              <a:rPr lang="pt-BR" sz="2400" dirty="0">
+                <a:solidFill>
+                  <a:schemeClr val="tx1">
+                    <a:lumMod val="85000"/>
+                    <a:lumOff val="15000"/>
+                  </a:schemeClr>
+                </a:solidFill>
+                <a:effectLst/>
+                <a:latin typeface="Arial" panose="020B0604020202020204" pitchFamily="34" charset="0"/>
+                <a:ea typeface="Calibri" panose="020F0502020204030204" pitchFamily="34" charset="0"/>
+              </a:rPr>
+              <a:t>.   </a:t>
+            </a:r>
+            <a:r>
+              <a:rPr lang="pt-BR" sz="2400" dirty="0">
+                <a:solidFill>
+                  <a:schemeClr val="tx1">
+                    <a:lumMod val="85000"/>
+                    <a:lumOff val="15000"/>
+                  </a:schemeClr>
+                </a:solidFill>
+                <a:effectLst/>
+                <a:latin typeface="Arial" panose="020B0604020202020204" pitchFamily="34" charset="0"/>
+                <a:ea typeface="Calibri" panose="020F0502020204030204" pitchFamily="34" charset="0"/>
+                <a:hlinkClick r:id="rId2">
+                  <a:extLst>
+                    <a:ext uri="{A12FA001-AC4F-418D-AE19-62706E023703}">
+                      <ahyp:hlinkClr xmlns:ahyp="http://schemas.microsoft.com/office/drawing/2018/hyperlinkcolor" val="tx"/>
+                    </a:ext>
+                  </a:extLst>
+                </a:hlinkClick>
+              </a:rPr>
+              <a:t>http://fhir.org/conformance-testing/</a:t>
+            </a:r>
+            <a:r>
+              <a:rPr lang="pt-BR" sz="2400" dirty="0">
+                <a:solidFill>
+                  <a:schemeClr val="tx1">
+                    <a:lumMod val="85000"/>
+                    <a:lumOff val="15000"/>
+                  </a:schemeClr>
+                </a:solidFill>
+                <a:effectLst/>
+                <a:latin typeface="Arial" panose="020B0604020202020204" pitchFamily="34" charset="0"/>
+                <a:ea typeface="Calibri" panose="020F0502020204030204" pitchFamily="34" charset="0"/>
+              </a:rPr>
+              <a:t> </a:t>
+            </a:r>
+            <a:r>
+              <a:rPr lang="pt-BR" sz="2400" dirty="0">
+                <a:solidFill>
+                  <a:schemeClr val="tx1">
+                    <a:lumMod val="85000"/>
+                    <a:lumOff val="15000"/>
+                  </a:schemeClr>
+                </a:solidFill>
+                <a:effectLst/>
+                <a:latin typeface="Calibri" panose="020F0502020204030204" pitchFamily="34" charset="0"/>
+                <a:ea typeface="Calibri" panose="020F0502020204030204" pitchFamily="34" charset="0"/>
+                <a:cs typeface="Times New Roman" panose="02020603050405020304" pitchFamily="18" charset="0"/>
+              </a:rPr>
+              <a:t> </a:t>
+            </a:r>
+            <a:r>
+              <a:rPr lang="pt-BR" sz="2400" dirty="0">
+                <a:solidFill>
+                  <a:schemeClr val="tx1">
+                    <a:lumMod val="85000"/>
+                    <a:lumOff val="15000"/>
+                  </a:schemeClr>
+                </a:solidFill>
+                <a:effectLst/>
+                <a:latin typeface="Arial" panose="020B0604020202020204" pitchFamily="34" charset="0"/>
+                <a:ea typeface="Calibri" panose="020F0502020204030204" pitchFamily="34" charset="0"/>
+                <a:cs typeface="Times New Roman" panose="02020603050405020304" pitchFamily="18" charset="0"/>
+              </a:rPr>
+              <a:t> </a:t>
+            </a:r>
+            <a:r>
+              <a:rPr lang="pt-BR" sz="2400" dirty="0">
+                <a:solidFill>
+                  <a:schemeClr val="tx1">
+                    <a:lumMod val="85000"/>
+                    <a:lumOff val="15000"/>
+                  </a:schemeClr>
                 </a:solidFill>
                 <a:effectLst/>
                 <a:latin typeface="Arial" panose="020B0604020202020204" pitchFamily="34" charset="0"/>
                 <a:ea typeface="Arial" panose="020B0604020202020204" pitchFamily="34" charset="0"/>
                 <a:cs typeface="Times New Roman" panose="02020603050405020304" pitchFamily="18" charset="0"/>
               </a:rPr>
-              <a:t>testes de conformidade conforme </a:t>
-            </a:r>
-            <a:r>
-              <a:rPr lang="pt-BR" sz="1800" dirty="0">
-                <a:effectLst/>
-                <a:latin typeface="Arial" panose="020B0604020202020204" pitchFamily="34" charset="0"/>
-                <a:ea typeface="Calibri" panose="020F0502020204030204" pitchFamily="34" charset="0"/>
-              </a:rPr>
-              <a:t>.   </a:t>
-            </a:r>
-            <a:r>
-              <a:rPr lang="pt-BR" sz="1800" u="sng" dirty="0">
-                <a:solidFill>
-                  <a:srgbClr val="0563C1"/>
-                </a:solidFill>
-                <a:effectLst/>
-                <a:latin typeface="Arial" panose="020B0604020202020204" pitchFamily="34" charset="0"/>
-                <a:ea typeface="Calibri" panose="020F0502020204030204" pitchFamily="34" charset="0"/>
-                <a:hlinkClick r:id="rId2"/>
-              </a:rPr>
-              <a:t>http://fhir.org/conformance-testing/</a:t>
-            </a:r>
-            <a:r>
-              <a:rPr lang="pt-BR" sz="1800" dirty="0">
-                <a:effectLst/>
-                <a:latin typeface="Arial" panose="020B0604020202020204" pitchFamily="34" charset="0"/>
-                <a:ea typeface="Calibri" panose="020F0502020204030204" pitchFamily="34" charset="0"/>
-              </a:rPr>
-              <a:t> </a:t>
-            </a:r>
-            <a:r>
-              <a:rPr lang="pt-BR" sz="1800" dirty="0">
-                <a:effectLst/>
-                <a:latin typeface="Calibri" panose="020F0502020204030204" pitchFamily="34" charset="0"/>
-                <a:ea typeface="Calibri" panose="020F0502020204030204" pitchFamily="34" charset="0"/>
-                <a:cs typeface="Times New Roman" panose="02020603050405020304" pitchFamily="18" charset="0"/>
-              </a:rPr>
-              <a:t> </a:t>
-            </a:r>
-            <a:r>
-              <a:rPr lang="pt-BR" sz="1800" dirty="0">
-                <a:effectLst/>
-                <a:latin typeface="Arial" panose="020B0604020202020204" pitchFamily="34" charset="0"/>
-                <a:ea typeface="Calibri" panose="020F0502020204030204" pitchFamily="34" charset="0"/>
-                <a:cs typeface="Times New Roman" panose="02020603050405020304" pitchFamily="18" charset="0"/>
-              </a:rPr>
-              <a:t> </a:t>
-            </a:r>
-            <a:r>
-              <a:rPr lang="pt-BR" sz="1800" dirty="0">
+              <a:t> para os casos de teste especificados – Exames COVID-19 e </a:t>
+            </a:r>
+            <a:r>
+              <a:rPr lang="pt-BR" sz="2400" dirty="0" err="1">
+                <a:solidFill>
+                  <a:schemeClr val="tx1">
+                    <a:lumMod val="85000"/>
+                    <a:lumOff val="15000"/>
+                  </a:schemeClr>
+                </a:solidFill>
                 <a:effectLst/>
                 <a:latin typeface="Arial" panose="020B0604020202020204" pitchFamily="34" charset="0"/>
                 <a:ea typeface="Arial" panose="020B0604020202020204" pitchFamily="34" charset="0"/>
                 <a:cs typeface="Times New Roman" panose="02020603050405020304" pitchFamily="18" charset="0"/>
               </a:rPr>
-              <a:t> para os casos de teste especificados – Exames COVID-19 e </a:t>
-            </a:r>
-            <a:r>
-              <a:rPr lang="pt-BR" sz="1800" dirty="0" err="1">
+              <a:t>MonkeyPox</a:t>
+            </a:r>
+            <a:r>
+              <a:rPr lang="pt-BR" sz="2400" dirty="0">
+                <a:solidFill>
+                  <a:schemeClr val="tx1">
+                    <a:lumMod val="85000"/>
+                    <a:lumOff val="15000"/>
+                  </a:schemeClr>
+                </a:solidFill>
                 <a:effectLst/>
                 <a:latin typeface="Arial" panose="020B0604020202020204" pitchFamily="34" charset="0"/>
                 <a:ea typeface="Arial" panose="020B0604020202020204" pitchFamily="34" charset="0"/>
                 <a:cs typeface="Times New Roman" panose="02020603050405020304" pitchFamily="18" charset="0"/>
               </a:rPr>
-              <a:t>MonkeyPox</a:t>
-            </a:r>
-            <a:r>
-              <a:rPr lang="pt-BR" sz="1800" dirty="0">
-                <a:effectLst/>
-                <a:latin typeface="Arial" panose="020B0604020202020204" pitchFamily="34" charset="0"/>
-                <a:ea typeface="Arial" panose="020B0604020202020204" pitchFamily="34" charset="0"/>
-                <a:cs typeface="Times New Roman" panose="02020603050405020304" pitchFamily="18" charset="0"/>
-              </a:rPr>
-              <a:t>  e Registro de Imunização</a:t>
-            </a:r>
-            <a:endParaRPr lang="en-BR" sz="1800" dirty="0">
+              <a:t>  e Registro de Imunização;</a:t>
+            </a:r>
+            <a:endParaRPr lang="en-BR" sz="2400" dirty="0">
+              <a:solidFill>
+                <a:schemeClr val="tx1">
+                  <a:lumMod val="85000"/>
+                  <a:lumOff val="15000"/>
+                </a:schemeClr>
+              </a:solidFill>
               <a:effectLst/>
               <a:latin typeface="Calibri" panose="020F0502020204030204" pitchFamily="34" charset="0"/>
               <a:ea typeface="Calibri" panose="020F0502020204030204" pitchFamily="34" charset="0"/>
@@ -5530,9 +6876,12 @@
               <a:buAutoNum type="arabicPeriod" startAt="4"/>
             </a:pPr>
             <a:r>
-              <a:rPr lang="pt-BR" sz="1800" b="1" u="sng" dirty="0">
-                <a:solidFill>
-                  <a:srgbClr val="0563C1"/>
+              <a:rPr lang="pt-BR" sz="2400" dirty="0">
+                <a:solidFill>
+                  <a:schemeClr val="tx1">
+                    <a:lumMod val="85000"/>
+                    <a:lumOff val="15000"/>
+                  </a:schemeClr>
                 </a:solidFill>
                 <a:effectLst/>
                 <a:latin typeface="Arial" panose="020B0604020202020204" pitchFamily="34" charset="0"/>
@@ -5542,7 +6891,13 @@
               <a:t>Publicação do guia</a:t>
             </a:r>
             <a:r>
-              <a:rPr lang="pt-BR" sz="1800" dirty="0">
+              <a:rPr lang="pt-BR" sz="2400" dirty="0">
+                <a:solidFill>
+                  <a:schemeClr val="tx1">
+                    <a:lumMod val="85000"/>
+                    <a:lumOff val="15000"/>
+                  </a:schemeClr>
+                </a:solidFill>
                 <a:effectLst/>
                 <a:latin typeface="Calibri" panose="020F0502020204030204" pitchFamily="34" charset="0"/>
                 <a:ea typeface="Calibri" panose="020F0502020204030204" pitchFamily="34" charset="0"/>
@@ -5551,7 +6906,13 @@
               <a:t> </a:t>
             </a:r>
             <a:r>
-              <a:rPr lang="pt-BR" sz="1800" dirty="0">
+              <a:rPr lang="pt-BR" sz="2400" dirty="0">
+                <a:solidFill>
+                  <a:schemeClr val="tx1">
+                    <a:lumMod val="85000"/>
+                    <a:lumOff val="15000"/>
+                  </a:schemeClr>
+                </a:solidFill>
                 <a:effectLst/>
                 <a:latin typeface="Arial" panose="020B0604020202020204" pitchFamily="34" charset="0"/>
                 <a:ea typeface="Calibri" panose="020F0502020204030204" pitchFamily="34" charset="0"/>
@@ -5560,25 +6921,57 @@
               <a:t> </a:t>
             </a:r>
             <a:r>
-              <a:rPr lang="pt-BR" sz="1800" b="1" dirty="0">
+              <a:rPr lang="pt-BR" sz="2400" dirty="0">
+                <a:solidFill>
+                  <a:schemeClr val="tx1">
+                    <a:lumMod val="85000"/>
+                    <a:lumOff val="15000"/>
+                  </a:schemeClr>
+                </a:solidFill>
                 <a:effectLst/>
                 <a:latin typeface="Arial" panose="020B0604020202020204" pitchFamily="34" charset="0"/>
                 <a:ea typeface="Arial" panose="020B0604020202020204" pitchFamily="34" charset="0"/>
                 <a:cs typeface="Times New Roman" panose="02020603050405020304" pitchFamily="18" charset="0"/>
               </a:rPr>
-              <a:t> de implementação (HL7/FHIR-IG Brasil-IPS)</a:t>
-            </a:r>
-            <a:r>
-              <a:rPr lang="pt-BR" sz="1800" dirty="0">
+              <a:t> de implementação (HL7/FHIR-IG Brasil-IPS): Publicação do guia com os componentes Imunização, Exames, Alergias/Reações Adversas e Medicamentos com status ativo em serviço FHIR para internalização e uso do modelo de serviço Brasil-IPS no padrão de interoperabilidade HL7-FHIR, com armazenamento dos documentos IPS Brasil em repositório FHIR no mesmo servidor</a:t>
+            </a:r>
+            <a:r>
+              <a:rPr lang="pt-BR" sz="2400" dirty="0">
+                <a:solidFill>
+                  <a:schemeClr val="tx1">
+                    <a:lumMod val="85000"/>
+                    <a:lumOff val="15000"/>
+                  </a:schemeClr>
+                </a:solidFill>
+                <a:latin typeface="Arial" panose="020B0604020202020204" pitchFamily="34" charset="0"/>
+                <a:ea typeface="Arial" panose="020B0604020202020204" pitchFamily="34" charset="0"/>
+                <a:cs typeface="Times New Roman" panose="02020603050405020304" pitchFamily="18" charset="0"/>
+              </a:rPr>
+              <a:t>;</a:t>
+            </a:r>
+            <a:r>
+              <a:rPr lang="pt-BR" sz="2400" dirty="0">
+                <a:solidFill>
+                  <a:schemeClr val="tx1">
+                    <a:lumMod val="85000"/>
+                    <a:lumOff val="15000"/>
+                  </a:schemeClr>
+                </a:solidFill>
                 <a:effectLst/>
                 <a:latin typeface="Arial" panose="020B0604020202020204" pitchFamily="34" charset="0"/>
                 <a:ea typeface="Arial" panose="020B0604020202020204" pitchFamily="34" charset="0"/>
                 <a:cs typeface="Times New Roman" panose="02020603050405020304" pitchFamily="18" charset="0"/>
               </a:rPr>
-              <a:t>: Publicação do guia com status ativo em serviço FHIR para internalização e uso do modelo de serviço Brasil-IPS no padrão de interoperabilidade HL7-FHIR, com armazenamento dos documentos IPS Brasil em repositório FHIR no mesmo servidor.. </a:t>
-            </a:r>
-            <a:r>
-              <a:rPr lang="pt-BR" sz="1800" b="1" dirty="0">
+              <a:t> </a:t>
+            </a:r>
+            <a:r>
+              <a:rPr lang="pt-BR" sz="2400" b="1" dirty="0">
+                <a:solidFill>
+                  <a:schemeClr val="tx1">
+                    <a:lumMod val="85000"/>
+                    <a:lumOff val="15000"/>
+                  </a:schemeClr>
+                </a:solidFill>
                 <a:effectLst/>
                 <a:latin typeface="Arial" panose="020B0604020202020204" pitchFamily="34" charset="0"/>
                 <a:ea typeface="Arial" panose="020B0604020202020204" pitchFamily="34" charset="0"/>
@@ -5586,7 +6979,13 @@
               </a:rPr>
               <a:t> </a:t>
             </a:r>
-            <a:endParaRPr lang="en-BR" sz="1800" dirty="0">
+            <a:endParaRPr lang="en-BR" sz="2400" dirty="0">
+              <a:solidFill>
+                <a:schemeClr val="tx1">
+                  <a:lumMod val="85000"/>
+                  <a:lumOff val="15000"/>
+                </a:schemeClr>
+              </a:solidFill>
               <a:effectLst/>
               <a:latin typeface="Calibri" panose="020F0502020204030204" pitchFamily="34" charset="0"/>
               <a:ea typeface="Calibri" panose="020F0502020204030204" pitchFamily="34" charset="0"/>
@@ -5602,24 +7001,39 @@
               <a:buAutoNum type="arabicPeriod" startAt="4"/>
             </a:pPr>
             <a:r>
-              <a:rPr lang="pt-BR" sz="1800" b="1" dirty="0">
+              <a:rPr lang="pt-BR" sz="2400" dirty="0">
+                <a:solidFill>
+                  <a:schemeClr val="tx1">
+                    <a:lumMod val="85000"/>
+                    <a:lumOff val="15000"/>
+                  </a:schemeClr>
+                </a:solidFill>
                 <a:effectLst/>
                 <a:latin typeface="Arial" panose="020B0604020202020204" pitchFamily="34" charset="0"/>
                 <a:ea typeface="Arial" panose="020B0604020202020204" pitchFamily="34" charset="0"/>
                 <a:cs typeface="Times New Roman" panose="02020603050405020304" pitchFamily="18" charset="0"/>
               </a:rPr>
-              <a:t>Publicação de artigos científicos:</a:t>
-            </a:r>
-            <a:r>
-              <a:rPr lang="pt-BR" sz="1800" dirty="0">
+              <a:t>Publicação de artigos científicos</a:t>
+            </a:r>
+            <a:r>
+              <a:rPr lang="pt-BR" sz="2400" b="1" dirty="0">
                 <a:effectLst/>
                 <a:latin typeface="Arial" panose="020B0604020202020204" pitchFamily="34" charset="0"/>
                 <a:ea typeface="Arial" panose="020B0604020202020204" pitchFamily="34" charset="0"/>
                 <a:cs typeface="Times New Roman" panose="02020603050405020304" pitchFamily="18" charset="0"/>
               </a:rPr>
-              <a:t> Elaboração de artigos científicos sobre o tema, para disseminação dos resultados obtidos.</a:t>
-            </a:r>
-            <a:endParaRPr lang="en-BR" sz="1800" dirty="0">
+              <a:t>:</a:t>
+            </a:r>
+            <a:r>
+              <a:rPr lang="pt-BR" sz="2400" dirty="0">
+                <a:effectLst/>
+                <a:latin typeface="Arial" panose="020B0604020202020204" pitchFamily="34" charset="0"/>
+                <a:ea typeface="Arial" panose="020B0604020202020204" pitchFamily="34" charset="0"/>
+                <a:cs typeface="Times New Roman" panose="02020603050405020304" pitchFamily="18" charset="0"/>
+              </a:rPr>
+              <a:t> Elaboração de pelo menos um artigo científico sobre o tema, para disseminação dos resultados obtidos.</a:t>
+            </a:r>
+            <a:endParaRPr lang="en-BR" sz="2400" dirty="0">
               <a:effectLst/>
               <a:latin typeface="Calibri" panose="020F0502020204030204" pitchFamily="34" charset="0"/>
               <a:ea typeface="Calibri" panose="020F0502020204030204" pitchFamily="34" charset="0"/>
@@ -5934,4 +7348,299 @@
     </a:ext>
   </a:extLst>
 </a:theme>
+</file>
+
+<file path=ppt/theme/theme2.xml><?xml version="1.0" encoding="utf-8"?>
+<a:theme xmlns:a="http://schemas.openxmlformats.org/drawingml/2006/main" name="Office Theme">
+  <a:themeElements>
+    <a:clrScheme name="Office">
+      <a:dk1>
+        <a:sysClr val="windowText" lastClr="000000"/>
+      </a:dk1>
+      <a:lt1>
+        <a:sysClr val="window" lastClr="FFFFFF"/>
+      </a:lt1>
+      <a:dk2>
+        <a:srgbClr val="44546A"/>
+      </a:dk2>
+      <a:lt2>
+        <a:srgbClr val="E7E6E6"/>
+      </a:lt2>
+      <a:accent1>
+        <a:srgbClr val="4472C4"/>
+      </a:accent1>
+      <a:accent2>
+        <a:srgbClr val="ED7D31"/>
+      </a:accent2>
+      <a:accent3>
+        <a:srgbClr val="A5A5A5"/>
+      </a:accent3>
+      <a:accent4>
+        <a:srgbClr val="FFC000"/>
+      </a:accent4>
+      <a:accent5>
+        <a:srgbClr val="5B9BD5"/>
+      </a:accent5>
+      <a:accent6>
+        <a:srgbClr val="70AD47"/>
+      </a:accent6>
+      <a:hlink>
+        <a:srgbClr val="0563C1"/>
+      </a:hlink>
+      <a:folHlink>
+        <a:srgbClr val="954F72"/>
+      </a:folHlink>
+    </a:clrScheme>
+    <a:fontScheme name="Office">
+      <a:majorFont>
+        <a:latin typeface="Calibri Light" panose="020F0302020204030204"/>
+        <a:ea typeface=""/>
+        <a:cs typeface=""/>
+        <a:font script="Jpan" typeface="游ゴシック Light"/>
+        <a:font script="Hang" typeface="맑은 고딕"/>
+        <a:font script="Hans" typeface="等线 Light"/>
+        <a:font script="Hant" typeface="新細明體"/>
+        <a:font script="Arab" typeface="Times New Roman"/>
+        <a:font script="Hebr" typeface="Times New Roman"/>
+        <a:font script="Thai" typeface="Angsana New"/>
+        <a:font script="Ethi" typeface="Nyala"/>
+        <a:font script="Beng" typeface="Vrinda"/>
+        <a:font script="Gujr" typeface="Shruti"/>
+        <a:font script="Khmr" typeface="MoolBoran"/>
+        <a:font script="Knda" typeface="Tunga"/>
+        <a:font script="Guru" typeface="Raavi"/>
+        <a:font script="Cans" typeface="Euphemia"/>
+        <a:font script="Cher" typeface="Plantagenet Cherokee"/>
+        <a:font script="Yiii" typeface="Microsoft Yi Baiti"/>
+        <a:font script="Tibt" typeface="Microsoft Himalaya"/>
+        <a:font script="Thaa" typeface="MV Boli"/>
+        <a:font script="Deva" typeface="Mangal"/>
+        <a:font script="Telu" typeface="Gautami"/>
+        <a:font script="Taml" typeface="Latha"/>
+        <a:font script="Syrc" typeface="Estrangelo Edessa"/>
+        <a:font script="Orya" typeface="Kalinga"/>
+        <a:font script="Mlym" typeface="Kartika"/>
+        <a:font script="Laoo" typeface="DokChampa"/>
+        <a:font script="Sinh" typeface="Iskoola Pota"/>
+        <a:font script="Mong" typeface="Mongolian Baiti"/>
+        <a:font script="Viet" typeface="Times New Roman"/>
+        <a:font script="Uigh" typeface="Microsoft Uighur"/>
+        <a:font script="Geor" typeface="Sylfaen"/>
+        <a:font script="Armn" typeface="Arial"/>
+        <a:font script="Bugi" typeface="Leelawadee UI"/>
+        <a:font script="Bopo" typeface="Microsoft JhengHei"/>
+        <a:font script="Java" typeface="Javanese Text"/>
+        <a:font script="Lisu" typeface="Segoe UI"/>
+        <a:font script="Mymr" typeface="Myanmar Text"/>
+        <a:font script="Nkoo" typeface="Ebrima"/>
+        <a:font script="Olck" typeface="Nirmala UI"/>
+        <a:font script="Osma" typeface="Ebrima"/>
+        <a:font script="Phag" typeface="Phagspa"/>
+        <a:font script="Syrn" typeface="Estrangelo Edessa"/>
+        <a:font script="Syrj" typeface="Estrangelo Edessa"/>
+        <a:font script="Syre" typeface="Estrangelo Edessa"/>
+        <a:font script="Sora" typeface="Nirmala UI"/>
+        <a:font script="Tale" typeface="Microsoft Tai Le"/>
+        <a:font script="Talu" typeface="Microsoft New Tai Lue"/>
+        <a:font script="Tfng" typeface="Ebrima"/>
+      </a:majorFont>
+      <a:minorFont>
+        <a:latin typeface="Calibri" panose="020F0502020204030204"/>
+        <a:ea typeface=""/>
+        <a:cs typeface=""/>
+        <a:font script="Jpan" typeface="游ゴシック"/>
+        <a:font script="Hang" typeface="맑은 고딕"/>
+        <a:font script="Hans" typeface="等线"/>
+        <a:font script="Hant" typeface="新細明體"/>
+        <a:font script="Arab" typeface="Arial"/>
+        <a:font script="Hebr" typeface="Arial"/>
+        <a:font script="Thai" typeface="Cordia New"/>
+        <a:font script="Ethi" typeface="Nyala"/>
+        <a:font script="Beng" typeface="Vrinda"/>
+        <a:font script="Gujr" typeface="Shruti"/>
+        <a:font script="Khmr" typeface="DaunPenh"/>
+        <a:font script="Knda" typeface="Tunga"/>
+        <a:font script="Guru" typeface="Raavi"/>
+        <a:font script="Cans" typeface="Euphemia"/>
+        <a:font script="Cher" typeface="Plantagenet Cherokee"/>
+        <a:font script="Yiii" typeface="Microsoft Yi Baiti"/>
+        <a:font script="Tibt" typeface="Microsoft Himalaya"/>
+        <a:font script="Thaa" typeface="MV Boli"/>
+        <a:font script="Deva" typeface="Mangal"/>
+        <a:font script="Telu" typeface="Gautami"/>
+        <a:font script="Taml" typeface="Latha"/>
+        <a:font script="Syrc" typeface="Estrangelo Edessa"/>
+        <a:font script="Orya" typeface="Kalinga"/>
+        <a:font script="Mlym" typeface="Kartika"/>
+        <a:font script="Laoo" typeface="DokChampa"/>
+        <a:font script="Sinh" typeface="Iskoola Pota"/>
+        <a:font script="Mong" typeface="Mongolian Baiti"/>
+        <a:font script="Viet" typeface="Arial"/>
+        <a:font script="Uigh" typeface="Microsoft Uighur"/>
+        <a:font script="Geor" typeface="Sylfaen"/>
+        <a:font script="Armn" typeface="Arial"/>
+        <a:font script="Bugi" typeface="Leelawadee UI"/>
+        <a:font script="Bopo" typeface="Microsoft JhengHei"/>
+        <a:font script="Java" typeface="Javanese Text"/>
+        <a:font script="Lisu" typeface="Segoe UI"/>
+        <a:font script="Mymr" typeface="Myanmar Text"/>
+        <a:font script="Nkoo" typeface="Ebrima"/>
+        <a:font script="Olck" typeface="Nirmala UI"/>
+        <a:font script="Osma" typeface="Ebrima"/>
+        <a:font script="Phag" typeface="Phagspa"/>
+        <a:font script="Syrn" typeface="Estrangelo Edessa"/>
+        <a:font script="Syrj" typeface="Estrangelo Edessa"/>
+        <a:font script="Syre" typeface="Estrangelo Edessa"/>
+        <a:font script="Sora" typeface="Nirmala UI"/>
+        <a:font script="Tale" typeface="Microsoft Tai Le"/>
+        <a:font script="Talu" typeface="Microsoft New Tai Lue"/>
+        <a:font script="Tfng" typeface="Ebrima"/>
+      </a:minorFont>
+    </a:fontScheme>
+    <a:fmtScheme name="Office">
+      <a:fillStyleLst>
+        <a:solidFill>
+          <a:schemeClr val="phClr"/>
+        </a:solidFill>
+        <a:gradFill rotWithShape="1">
+          <a:gsLst>
+            <a:gs pos="0">
+              <a:schemeClr val="phClr">
+                <a:lumMod val="110000"/>
+                <a:satMod val="105000"/>
+                <a:tint val="67000"/>
+              </a:schemeClr>
+            </a:gs>
+            <a:gs pos="50000">
+              <a:schemeClr val="phClr">
+                <a:lumMod val="105000"/>
+                <a:satMod val="103000"/>
+                <a:tint val="73000"/>
+              </a:schemeClr>
+            </a:gs>
+            <a:gs pos="100000">
+              <a:schemeClr val="phClr">
+                <a:lumMod val="105000"/>
+                <a:satMod val="109000"/>
+                <a:tint val="81000"/>
+              </a:schemeClr>
+            </a:gs>
+          </a:gsLst>
+          <a:lin ang="5400000" scaled="0"/>
+        </a:gradFill>
+        <a:gradFill rotWithShape="1">
+          <a:gsLst>
+            <a:gs pos="0">
+              <a:schemeClr val="phClr">
+                <a:satMod val="103000"/>
+                <a:lumMod val="102000"/>
+                <a:tint val="94000"/>
+              </a:schemeClr>
+            </a:gs>
+            <a:gs pos="50000">
+              <a:schemeClr val="phClr">
+                <a:satMod val="110000"/>
+                <a:lumMod val="100000"/>
+                <a:shade val="100000"/>
+              </a:schemeClr>
+            </a:gs>
+            <a:gs pos="100000">
+              <a:schemeClr val="phClr">
+                <a:lumMod val="99000"/>
+                <a:satMod val="120000"/>
+                <a:shade val="78000"/>
+              </a:schemeClr>
+            </a:gs>
+          </a:gsLst>
+          <a:lin ang="5400000" scaled="0"/>
+        </a:gradFill>
+      </a:fillStyleLst>
+      <a:lnStyleLst>
+        <a:ln w="6350" cap="flat" cmpd="sng" algn="ctr">
+          <a:solidFill>
+            <a:schemeClr val="phClr"/>
+          </a:solidFill>
+          <a:prstDash val="solid"/>
+          <a:miter lim="800000"/>
+        </a:ln>
+        <a:ln w="12700" cap="flat" cmpd="sng" algn="ctr">
+          <a:solidFill>
+            <a:schemeClr val="phClr"/>
+          </a:solidFill>
+          <a:prstDash val="solid"/>
+          <a:miter lim="800000"/>
+        </a:ln>
+        <a:ln w="19050" cap="flat" cmpd="sng" algn="ctr">
+          <a:solidFill>
+            <a:schemeClr val="phClr"/>
+          </a:solidFill>
+          <a:prstDash val="solid"/>
+          <a:miter lim="800000"/>
+        </a:ln>
+      </a:lnStyleLst>
+      <a:effectStyleLst>
+        <a:effectStyle>
+          <a:effectLst/>
+        </a:effectStyle>
+        <a:effectStyle>
+          <a:effectLst/>
+        </a:effectStyle>
+        <a:effectStyle>
+          <a:effectLst>
+            <a:outerShdw blurRad="57150" dist="19050" dir="5400000" algn="ctr" rotWithShape="0">
+              <a:srgbClr val="000000">
+                <a:alpha val="63000"/>
+              </a:srgbClr>
+            </a:outerShdw>
+          </a:effectLst>
+        </a:effectStyle>
+      </a:effectStyleLst>
+      <a:bgFillStyleLst>
+        <a:solidFill>
+          <a:schemeClr val="phClr"/>
+        </a:solidFill>
+        <a:solidFill>
+          <a:schemeClr val="phClr">
+            <a:tint val="95000"/>
+            <a:satMod val="170000"/>
+          </a:schemeClr>
+        </a:solidFill>
+        <a:gradFill rotWithShape="1">
+          <a:gsLst>
+            <a:gs pos="0">
+              <a:schemeClr val="phClr">
+                <a:tint val="93000"/>
+                <a:satMod val="150000"/>
+                <a:shade val="98000"/>
+                <a:lumMod val="102000"/>
+              </a:schemeClr>
+            </a:gs>
+            <a:gs pos="50000">
+              <a:schemeClr val="phClr">
+                <a:tint val="98000"/>
+                <a:satMod val="130000"/>
+                <a:shade val="90000"/>
+                <a:lumMod val="103000"/>
+              </a:schemeClr>
+            </a:gs>
+            <a:gs pos="100000">
+              <a:schemeClr val="phClr">
+                <a:shade val="63000"/>
+                <a:satMod val="120000"/>
+              </a:schemeClr>
+            </a:gs>
+          </a:gsLst>
+          <a:lin ang="5400000" scaled="0"/>
+        </a:gradFill>
+      </a:bgFillStyleLst>
+    </a:fmtScheme>
+  </a:themeElements>
+  <a:objectDefaults/>
+  <a:extraClrSchemeLst/>
+  <a:extLst>
+    <a:ext uri="{05A4C25C-085E-4340-85A3-A5531E510DB2}">
+      <thm15:themeFamily xmlns:thm15="http://schemas.microsoft.com/office/thememl/2012/main" name="Office Theme" id="{62F939B6-93AF-4DB8-9C6B-D6C7DFDC589F}" vid="{4A3C46E8-61CC-4603-A589-7422A47A8E4A}"/>
+    </a:ext>
+  </a:extLst>
+</a:theme>
 </file>
--- a/Gestão do Projeto/ApresentacoesProjeto/EscopoAlteracaoMarco23.pptx
+++ b/Gestão do Projeto/ApresentacoesProjeto/EscopoAlteracaoMarco23.pptx
@@ -202,7 +202,7 @@
           <a:p>
             <a:fld id="{956A9880-E9EC-9746-B3F7-730A38DDE7C0}" type="datetimeFigureOut">
               <a:rPr lang="en-BR" smtClean="0"/>
-              <a:t>27/03/23</a:t>
+              <a:t>04/12/2023</a:t>
             </a:fld>
             <a:endParaRPr lang="en-BR"/>
           </a:p>
@@ -361,7 +361,7 @@
           <a:p>
             <a:fld id="{0AEABE7F-92F5-1543-8732-913DD11A229F}" type="slidenum">
               <a:rPr lang="en-BR" smtClean="0"/>
-              <a:t>‹#›</a:t>
+              <a:t>‹nº›</a:t>
             </a:fld>
             <a:endParaRPr lang="en-BR"/>
           </a:p>
@@ -710,7 +710,7 @@
           <a:p>
             <a:fld id="{C764DE79-268F-4C1A-8933-263129D2AF90}" type="datetimeFigureOut">
               <a:rPr lang="en-US" dirty="0"/>
-              <a:t>3/27/23</a:t>
+              <a:t>4/12/2023</a:t>
             </a:fld>
             <a:endParaRPr lang="en-US" dirty="0"/>
           </a:p>
@@ -752,7 +752,7 @@
           <a:p>
             <a:fld id="{48F63A3B-78C7-47BE-AE5E-E10140E04643}" type="slidenum">
               <a:rPr lang="en-US" dirty="0"/>
-              <a:t>‹#›</a:t>
+              <a:t>‹nº›</a:t>
             </a:fld>
             <a:endParaRPr lang="en-US" dirty="0"/>
           </a:p>
@@ -875,7 +875,7 @@
           <a:p>
             <a:fld id="{C764DE79-268F-4C1A-8933-263129D2AF90}" type="datetimeFigureOut">
               <a:rPr lang="en-US" dirty="0"/>
-              <a:t>3/27/23</a:t>
+              <a:t>4/12/2023</a:t>
             </a:fld>
             <a:endParaRPr lang="en-US" dirty="0"/>
           </a:p>
@@ -917,7 +917,7 @@
           <a:p>
             <a:fld id="{48F63A3B-78C7-47BE-AE5E-E10140E04643}" type="slidenum">
               <a:rPr lang="en-US" dirty="0"/>
-              <a:t>‹#›</a:t>
+              <a:t>‹nº›</a:t>
             </a:fld>
             <a:endParaRPr lang="en-US" dirty="0"/>
           </a:p>
@@ -1050,7 +1050,7 @@
           <a:p>
             <a:fld id="{C764DE79-268F-4C1A-8933-263129D2AF90}" type="datetimeFigureOut">
               <a:rPr lang="en-US" dirty="0"/>
-              <a:t>3/27/23</a:t>
+              <a:t>4/12/2023</a:t>
             </a:fld>
             <a:endParaRPr lang="en-US" dirty="0"/>
           </a:p>
@@ -1092,7 +1092,7 @@
           <a:p>
             <a:fld id="{48F63A3B-78C7-47BE-AE5E-E10140E04643}" type="slidenum">
               <a:rPr lang="en-US" dirty="0"/>
-              <a:t>‹#›</a:t>
+              <a:t>‹nº›</a:t>
             </a:fld>
             <a:endParaRPr lang="en-US" dirty="0"/>
           </a:p>
@@ -1215,7 +1215,7 @@
           <a:p>
             <a:fld id="{C764DE79-268F-4C1A-8933-263129D2AF90}" type="datetimeFigureOut">
               <a:rPr lang="en-US" dirty="0"/>
-              <a:t>3/27/23</a:t>
+              <a:t>4/12/2023</a:t>
             </a:fld>
             <a:endParaRPr lang="en-US" dirty="0"/>
           </a:p>
@@ -1257,7 +1257,7 @@
           <a:p>
             <a:fld id="{48F63A3B-78C7-47BE-AE5E-E10140E04643}" type="slidenum">
               <a:rPr lang="en-US" dirty="0"/>
-              <a:t>‹#›</a:t>
+              <a:t>‹nº›</a:t>
             </a:fld>
             <a:endParaRPr lang="en-US" dirty="0"/>
           </a:p>
@@ -1456,7 +1456,7 @@
           <a:p>
             <a:fld id="{C764DE79-268F-4C1A-8933-263129D2AF90}" type="datetimeFigureOut">
               <a:rPr lang="en-US" dirty="0"/>
-              <a:t>3/27/23</a:t>
+              <a:t>4/12/2023</a:t>
             </a:fld>
             <a:endParaRPr lang="en-US" dirty="0"/>
           </a:p>
@@ -1498,7 +1498,7 @@
           <a:p>
             <a:fld id="{48F63A3B-78C7-47BE-AE5E-E10140E04643}" type="slidenum">
               <a:rPr lang="en-US" dirty="0"/>
-              <a:t>‹#›</a:t>
+              <a:t>‹nº›</a:t>
             </a:fld>
             <a:endParaRPr lang="en-US" dirty="0"/>
           </a:p>
@@ -1683,7 +1683,7 @@
           <a:p>
             <a:fld id="{C764DE79-268F-4C1A-8933-263129D2AF90}" type="datetimeFigureOut">
               <a:rPr lang="en-US" dirty="0"/>
-              <a:t>3/27/23</a:t>
+              <a:t>4/12/2023</a:t>
             </a:fld>
             <a:endParaRPr lang="en-US" dirty="0"/>
           </a:p>
@@ -1725,7 +1725,7 @@
           <a:p>
             <a:fld id="{48F63A3B-78C7-47BE-AE5E-E10140E04643}" type="slidenum">
               <a:rPr lang="en-US" dirty="0"/>
-              <a:t>‹#›</a:t>
+              <a:t>‹nº›</a:t>
             </a:fld>
             <a:endParaRPr lang="en-US" dirty="0"/>
           </a:p>
@@ -2045,7 +2045,7 @@
           <a:p>
             <a:fld id="{C764DE79-268F-4C1A-8933-263129D2AF90}" type="datetimeFigureOut">
               <a:rPr lang="en-US" dirty="0"/>
-              <a:t>3/27/23</a:t>
+              <a:t>4/12/2023</a:t>
             </a:fld>
             <a:endParaRPr lang="en-US" dirty="0"/>
           </a:p>
@@ -2087,7 +2087,7 @@
           <a:p>
             <a:fld id="{48F63A3B-78C7-47BE-AE5E-E10140E04643}" type="slidenum">
               <a:rPr lang="en-US" dirty="0"/>
-              <a:t>‹#›</a:t>
+              <a:t>‹nº›</a:t>
             </a:fld>
             <a:endParaRPr lang="en-US" dirty="0"/>
           </a:p>
@@ -2158,7 +2158,7 @@
           <a:p>
             <a:fld id="{C764DE79-268F-4C1A-8933-263129D2AF90}" type="datetimeFigureOut">
               <a:rPr lang="en-US" dirty="0"/>
-              <a:t>3/27/23</a:t>
+              <a:t>4/12/2023</a:t>
             </a:fld>
             <a:endParaRPr lang="en-US" dirty="0"/>
           </a:p>
@@ -2200,7 +2200,7 @@
           <a:p>
             <a:fld id="{48F63A3B-78C7-47BE-AE5E-E10140E04643}" type="slidenum">
               <a:rPr lang="en-US" dirty="0"/>
-              <a:t>‹#›</a:t>
+              <a:t>‹nº›</a:t>
             </a:fld>
             <a:endParaRPr lang="en-US" dirty="0"/>
           </a:p>
@@ -2276,7 +2276,7 @@
           <a:p>
             <a:fld id="{C764DE79-268F-4C1A-8933-263129D2AF90}" type="datetimeFigureOut">
               <a:rPr lang="en-US" dirty="0"/>
-              <a:t>3/27/23</a:t>
+              <a:t>4/12/2023</a:t>
             </a:fld>
             <a:endParaRPr lang="en-US" dirty="0"/>
           </a:p>
@@ -2318,7 +2318,7 @@
           <a:p>
             <a:fld id="{48F63A3B-78C7-47BE-AE5E-E10140E04643}" type="slidenum">
               <a:rPr lang="en-US" dirty="0"/>
-              <a:t>‹#›</a:t>
+              <a:t>‹nº›</a:t>
             </a:fld>
             <a:endParaRPr lang="en-US" dirty="0"/>
           </a:p>
@@ -2548,7 +2548,7 @@
           <a:p>
             <a:fld id="{C764DE79-268F-4C1A-8933-263129D2AF90}" type="datetimeFigureOut">
               <a:rPr lang="en-US" dirty="0"/>
-              <a:t>3/27/23</a:t>
+              <a:t>4/12/2023</a:t>
             </a:fld>
             <a:endParaRPr lang="en-US" dirty="0"/>
           </a:p>
@@ -2590,7 +2590,7 @@
           <a:p>
             <a:fld id="{48F63A3B-78C7-47BE-AE5E-E10140E04643}" type="slidenum">
               <a:rPr lang="en-US" dirty="0"/>
-              <a:t>‹#›</a:t>
+              <a:t>‹nº›</a:t>
             </a:fld>
             <a:endParaRPr lang="en-US" dirty="0"/>
           </a:p>
@@ -2800,7 +2800,7 @@
           <a:p>
             <a:fld id="{C764DE79-268F-4C1A-8933-263129D2AF90}" type="datetimeFigureOut">
               <a:rPr lang="en-US" dirty="0"/>
-              <a:t>3/27/23</a:t>
+              <a:t>4/12/2023</a:t>
             </a:fld>
             <a:endParaRPr lang="en-US" dirty="0"/>
           </a:p>
@@ -2842,7 +2842,7 @@
           <a:p>
             <a:fld id="{48F63A3B-78C7-47BE-AE5E-E10140E04643}" type="slidenum">
               <a:rPr lang="en-US" dirty="0"/>
-              <a:t>‹#›</a:t>
+              <a:t>‹nº›</a:t>
             </a:fld>
             <a:endParaRPr lang="en-US" dirty="0"/>
           </a:p>
@@ -3008,7 +3008,7 @@
           <a:p>
             <a:fld id="{C764DE79-268F-4C1A-8933-263129D2AF90}" type="datetimeFigureOut">
               <a:rPr lang="en-US" dirty="0"/>
-              <a:t>3/27/23</a:t>
+              <a:t>4/12/2023</a:t>
             </a:fld>
             <a:endParaRPr lang="en-US" dirty="0"/>
           </a:p>
@@ -3086,7 +3086,7 @@
           <a:p>
             <a:fld id="{48F63A3B-78C7-47BE-AE5E-E10140E04643}" type="slidenum">
               <a:rPr lang="en-US" dirty="0"/>
-              <a:t>‹#›</a:t>
+              <a:t>‹nº›</a:t>
             </a:fld>
             <a:endParaRPr lang="en-US" dirty="0"/>
           </a:p>
@@ -4087,7 +4087,27 @@
                 <a:latin typeface="DM Sans" panose="020B0604020202020204"/>
                 <a:ea typeface="Verdana"/>
               </a:rPr>
-              <a:t>Promoção do Ambiente de  Interconectividade em Saúde como apoio a Implementação da Estratégia de Saúde Digital do Brasil</a:t>
+              <a:t>Promoção do Ambiente de  Interconectividade em Saúde como apoio a Implementação da Estratégia de Saúde Digital do </a:t>
+            </a:r>
+            <a:r>
+              <a:rPr lang="pt-BR" sz="3200" b="1" dirty="0" smtClean="0">
+                <a:solidFill>
+                  <a:srgbClr val="137CC0"/>
+                </a:solidFill>
+                <a:latin typeface="DM Sans" panose="020B0604020202020204"/>
+                <a:ea typeface="Verdana"/>
+              </a:rPr>
+              <a:t>Brasil - </a:t>
+            </a:r>
+            <a:r>
+              <a:rPr lang="pt-BR" sz="3200" b="1" dirty="0">
+                <a:solidFill>
+                  <a:srgbClr val="137CC0"/>
+                </a:solidFill>
+                <a:latin typeface="DM Sans" panose="020B0604020202020204"/>
+                <a:ea typeface="Verdana"/>
+              </a:rPr>
+              <a:t/>
             </a:r>
             <a:br>
               <a:rPr lang="pt-BR" sz="3200" b="1" dirty="0">
@@ -4098,6 +4118,16 @@
                 <a:ea typeface="Verdana"/>
               </a:rPr>
             </a:br>
+            <a:r>
+              <a:rPr lang="pt-BR" sz="3200" b="1" dirty="0">
+                <a:solidFill>
+                  <a:srgbClr val="137CC0"/>
+                </a:solidFill>
+                <a:latin typeface="DM Sans" panose="020B0604020202020204"/>
+                <a:ea typeface="Verdana"/>
+              </a:rPr>
+              <a:t/>
+            </a:r>
             <a:br>
               <a:rPr lang="pt-BR" sz="3200" b="1" dirty="0">
                 <a:solidFill>
@@ -4205,7 +4235,9 @@
         </p:nvSpPr>
         <p:spPr/>
         <p:txBody>
-          <a:bodyPr/>
+          <a:bodyPr>
+            <a:normAutofit fontScale="92500" lnSpcReduction="10000"/>
+          </a:bodyPr>
           <a:lstStyle/>
           <a:p>
             <a:r>
@@ -6758,7 +6790,7 @@
                 <a:hlinkClick r:id="rId2">
                   <a:extLst>
                     <a:ext uri="{A12FA001-AC4F-418D-AE19-62706E023703}">
-                      <ahyp:hlinkClr xmlns:ahyp="http://schemas.microsoft.com/office/drawing/2018/hyperlinkcolor" val="tx"/>
+                      <ahyp:hlinkClr xmlns:ahyp="http://schemas.microsoft.com/office/drawing/2018/hyperlinkcolor" xmlns="" val="tx"/>
                     </a:ext>
                   </a:extLst>
                 </a:hlinkClick>

--- a/Gestão do Projeto/ApresentacoesProjeto/EscopoAlteracaoMarco23.pptx
+++ b/Gestão do Projeto/ApresentacoesProjeto/EscopoAlteracaoMarco23.pptx
@@ -202,7 +202,7 @@
           <a:p>
             <a:fld id="{956A9880-E9EC-9746-B3F7-730A38DDE7C0}" type="datetimeFigureOut">
               <a:rPr lang="en-BR" smtClean="0"/>
-              <a:t>04/12/2023</a:t>
+              <a:t>27/03/23</a:t>
             </a:fld>
             <a:endParaRPr lang="en-BR"/>
           </a:p>
@@ -361,7 +361,7 @@
           <a:p>
             <a:fld id="{0AEABE7F-92F5-1543-8732-913DD11A229F}" type="slidenum">
               <a:rPr lang="en-BR" smtClean="0"/>
-              <a:t>‹nº›</a:t>
+              <a:t>‹#›</a:t>
             </a:fld>
             <a:endParaRPr lang="en-BR"/>
           </a:p>
@@ -710,7 +710,7 @@
           <a:p>
             <a:fld id="{C764DE79-268F-4C1A-8933-263129D2AF90}" type="datetimeFigureOut">
               <a:rPr lang="en-US" dirty="0"/>
-              <a:t>4/12/2023</a:t>
+              <a:t>3/27/23</a:t>
             </a:fld>
             <a:endParaRPr lang="en-US" dirty="0"/>
           </a:p>
@@ -752,7 +752,7 @@
           <a:p>
             <a:fld id="{48F63A3B-78C7-47BE-AE5E-E10140E04643}" type="slidenum">
               <a:rPr lang="en-US" dirty="0"/>
-              <a:t>‹nº›</a:t>
+              <a:t>‹#›</a:t>
             </a:fld>
             <a:endParaRPr lang="en-US" dirty="0"/>
           </a:p>
@@ -875,7 +875,7 @@
           <a:p>
             <a:fld id="{C764DE79-268F-4C1A-8933-263129D2AF90}" type="datetimeFigureOut">
               <a:rPr lang="en-US" dirty="0"/>
-              <a:t>4/12/2023</a:t>
+              <a:t>3/27/23</a:t>
             </a:fld>
             <a:endParaRPr lang="en-US" dirty="0"/>
           </a:p>
@@ -917,7 +917,7 @@
           <a:p>
             <a:fld id="{48F63A3B-78C7-47BE-AE5E-E10140E04643}" type="slidenum">
               <a:rPr lang="en-US" dirty="0"/>
-              <a:t>‹nº›</a:t>
+              <a:t>‹#›</a:t>
             </a:fld>
             <a:endParaRPr lang="en-US" dirty="0"/>
           </a:p>
@@ -1050,7 +1050,7 @@
           <a:p>
             <a:fld id="{C764DE79-268F-4C1A-8933-263129D2AF90}" type="datetimeFigureOut">
               <a:rPr lang="en-US" dirty="0"/>
-              <a:t>4/12/2023</a:t>
+              <a:t>3/27/23</a:t>
             </a:fld>
             <a:endParaRPr lang="en-US" dirty="0"/>
           </a:p>
@@ -1092,7 +1092,7 @@
           <a:p>
             <a:fld id="{48F63A3B-78C7-47BE-AE5E-E10140E04643}" type="slidenum">
               <a:rPr lang="en-US" dirty="0"/>
-              <a:t>‹nº›</a:t>
+              <a:t>‹#›</a:t>
             </a:fld>
             <a:endParaRPr lang="en-US" dirty="0"/>
           </a:p>
@@ -1215,7 +1215,7 @@
           <a:p>
             <a:fld id="{C764DE79-268F-4C1A-8933-263129D2AF90}" type="datetimeFigureOut">
               <a:rPr lang="en-US" dirty="0"/>
-              <a:t>4/12/2023</a:t>
+              <a:t>3/27/23</a:t>
             </a:fld>
             <a:endParaRPr lang="en-US" dirty="0"/>
           </a:p>
@@ -1257,7 +1257,7 @@
           <a:p>
             <a:fld id="{48F63A3B-78C7-47BE-AE5E-E10140E04643}" type="slidenum">
               <a:rPr lang="en-US" dirty="0"/>
-              <a:t>‹nº›</a:t>
+              <a:t>‹#›</a:t>
             </a:fld>
             <a:endParaRPr lang="en-US" dirty="0"/>
           </a:p>
@@ -1456,7 +1456,7 @@
           <a:p>
             <a:fld id="{C764DE79-268F-4C1A-8933-263129D2AF90}" type="datetimeFigureOut">
               <a:rPr lang="en-US" dirty="0"/>
-              <a:t>4/12/2023</a:t>
+              <a:t>3/27/23</a:t>
             </a:fld>
             <a:endParaRPr lang="en-US" dirty="0"/>
           </a:p>
@@ -1498,7 +1498,7 @@
           <a:p>
             <a:fld id="{48F63A3B-78C7-47BE-AE5E-E10140E04643}" type="slidenum">
               <a:rPr lang="en-US" dirty="0"/>
-              <a:t>‹nº›</a:t>
+              <a:t>‹#›</a:t>
             </a:fld>
             <a:endParaRPr lang="en-US" dirty="0"/>
           </a:p>
@@ -1683,7 +1683,7 @@
           <a:p>
             <a:fld id="{C764DE79-268F-4C1A-8933-263129D2AF90}" type="datetimeFigureOut">
               <a:rPr lang="en-US" dirty="0"/>
-              <a:t>4/12/2023</a:t>
+              <a:t>3/27/23</a:t>
             </a:fld>
             <a:endParaRPr lang="en-US" dirty="0"/>
           </a:p>
@@ -1725,7 +1725,7 @@
           <a:p>
             <a:fld id="{48F63A3B-78C7-47BE-AE5E-E10140E04643}" type="slidenum">
               <a:rPr lang="en-US" dirty="0"/>
-              <a:t>‹nº›</a:t>
+              <a:t>‹#›</a:t>
             </a:fld>
             <a:endParaRPr lang="en-US" dirty="0"/>
           </a:p>
@@ -2045,7 +2045,7 @@
           <a:p>
             <a:fld id="{C764DE79-268F-4C1A-8933-263129D2AF90}" type="datetimeFigureOut">
               <a:rPr lang="en-US" dirty="0"/>
-              <a:t>4/12/2023</a:t>
+              <a:t>3/27/23</a:t>
             </a:fld>
             <a:endParaRPr lang="en-US" dirty="0"/>
           </a:p>
@@ -2087,7 +2087,7 @@
           <a:p>
             <a:fld id="{48F63A3B-78C7-47BE-AE5E-E10140E04643}" type="slidenum">
               <a:rPr lang="en-US" dirty="0"/>
-              <a:t>‹nº›</a:t>
+              <a:t>‹#›</a:t>
             </a:fld>
             <a:endParaRPr lang="en-US" dirty="0"/>
           </a:p>
@@ -2158,7 +2158,7 @@
           <a:p>
             <a:fld id="{C764DE79-268F-4C1A-8933-263129D2AF90}" type="datetimeFigureOut">
               <a:rPr lang="en-US" dirty="0"/>
-              <a:t>4/12/2023</a:t>
+              <a:t>3/27/23</a:t>
             </a:fld>
             <a:endParaRPr lang="en-US" dirty="0"/>
           </a:p>
@@ -2200,7 +2200,7 @@
           <a:p>
             <a:fld id="{48F63A3B-78C7-47BE-AE5E-E10140E04643}" type="slidenum">
               <a:rPr lang="en-US" dirty="0"/>
-              <a:t>‹nº›</a:t>
+              <a:t>‹#›</a:t>
             </a:fld>
             <a:endParaRPr lang="en-US" dirty="0"/>
           </a:p>
@@ -2276,7 +2276,7 @@
           <a:p>
             <a:fld id="{C764DE79-268F-4C1A-8933-263129D2AF90}" type="datetimeFigureOut">
               <a:rPr lang="en-US" dirty="0"/>
-              <a:t>4/12/2023</a:t>
+              <a:t>3/27/23</a:t>
             </a:fld>
             <a:endParaRPr lang="en-US" dirty="0"/>
           </a:p>
@@ -2318,7 +2318,7 @@
           <a:p>
             <a:fld id="{48F63A3B-78C7-47BE-AE5E-E10140E04643}" type="slidenum">
               <a:rPr lang="en-US" dirty="0"/>
-              <a:t>‹nº›</a:t>
+              <a:t>‹#›</a:t>
             </a:fld>
             <a:endParaRPr lang="en-US" dirty="0"/>
           </a:p>
@@ -2548,7 +2548,7 @@
           <a:p>
             <a:fld id="{C764DE79-268F-4C1A-8933-263129D2AF90}" type="datetimeFigureOut">
               <a:rPr lang="en-US" dirty="0"/>
-              <a:t>4/12/2023</a:t>
+              <a:t>3/27/23</a:t>
             </a:fld>
             <a:endParaRPr lang="en-US" dirty="0"/>
           </a:p>
@@ -2590,7 +2590,7 @@
           <a:p>
             <a:fld id="{48F63A3B-78C7-47BE-AE5E-E10140E04643}" type="slidenum">
               <a:rPr lang="en-US" dirty="0"/>
-              <a:t>‹nº›</a:t>
+              <a:t>‹#›</a:t>
             </a:fld>
             <a:endParaRPr lang="en-US" dirty="0"/>
           </a:p>
@@ -2800,7 +2800,7 @@
           <a:p>
             <a:fld id="{C764DE79-268F-4C1A-8933-263129D2AF90}" type="datetimeFigureOut">
               <a:rPr lang="en-US" dirty="0"/>
-              <a:t>4/12/2023</a:t>
+              <a:t>3/27/23</a:t>
             </a:fld>
             <a:endParaRPr lang="en-US" dirty="0"/>
           </a:p>
@@ -2842,7 +2842,7 @@
           <a:p>
             <a:fld id="{48F63A3B-78C7-47BE-AE5E-E10140E04643}" type="slidenum">
               <a:rPr lang="en-US" dirty="0"/>
-              <a:t>‹nº›</a:t>
+              <a:t>‹#›</a:t>
             </a:fld>
             <a:endParaRPr lang="en-US" dirty="0"/>
           </a:p>
@@ -3008,7 +3008,7 @@
           <a:p>
             <a:fld id="{C764DE79-268F-4C1A-8933-263129D2AF90}" type="datetimeFigureOut">
               <a:rPr lang="en-US" dirty="0"/>
-              <a:t>4/12/2023</a:t>
+              <a:t>3/27/23</a:t>
             </a:fld>
             <a:endParaRPr lang="en-US" dirty="0"/>
           </a:p>
@@ -3086,7 +3086,7 @@
           <a:p>
             <a:fld id="{48F63A3B-78C7-47BE-AE5E-E10140E04643}" type="slidenum">
               <a:rPr lang="en-US" dirty="0"/>
-              <a:t>‹nº›</a:t>
+              <a:t>‹#›</a:t>
             </a:fld>
             <a:endParaRPr lang="en-US" dirty="0"/>
           </a:p>
@@ -4087,47 +4087,17 @@
                 <a:latin typeface="DM Sans" panose="020B0604020202020204"/>
                 <a:ea typeface="Verdana"/>
               </a:rPr>
-              <a:t>Promoção do Ambiente de  Interconectividade em Saúde como apoio a Implementação da Estratégia de Saúde Digital do </a:t>
-            </a:r>
-            <a:r>
-              <a:rPr lang="pt-BR" sz="3200" b="1" dirty="0" smtClean="0">
+              <a:t>Promoção do Ambiente de  Interconectividade em Saúde como apoio a Implementação da Estratégia de Saúde Digital do Brasil</a:t>
+            </a:r>
+            <a:br>
+              <a:rPr lang="pt-BR" sz="3200" b="1" dirty="0">
                 <a:solidFill>
                   <a:srgbClr val="137CC0"/>
                 </a:solidFill>
                 <a:latin typeface="DM Sans" panose="020B0604020202020204"/>
                 <a:ea typeface="Verdana"/>
               </a:rPr>
-              <a:t>Brasil - </a:t>
-            </a:r>
-            <a:r>
-              <a:rPr lang="pt-BR" sz="3200" b="1" dirty="0">
-                <a:solidFill>
-                  <a:srgbClr val="137CC0"/>
-                </a:solidFill>
-                <a:latin typeface="DM Sans" panose="020B0604020202020204"/>
-                <a:ea typeface="Verdana"/>
-              </a:rPr>
-              <a:t/>
-            </a:r>
-            <a:br>
-              <a:rPr lang="pt-BR" sz="3200" b="1" dirty="0">
-                <a:solidFill>
-                  <a:srgbClr val="137CC0"/>
-                </a:solidFill>
-                <a:latin typeface="DM Sans" panose="020B0604020202020204"/>
-                <a:ea typeface="Verdana"/>
-              </a:rPr>
             </a:br>
-            <a:r>
-              <a:rPr lang="pt-BR" sz="3200" b="1" dirty="0">
-                <a:solidFill>
-                  <a:srgbClr val="137CC0"/>
-                </a:solidFill>
-                <a:latin typeface="DM Sans" panose="020B0604020202020204"/>
-                <a:ea typeface="Verdana"/>
-              </a:rPr>
-              <a:t/>
-            </a:r>
             <a:br>
               <a:rPr lang="pt-BR" sz="3200" b="1" dirty="0">
                 <a:solidFill>
@@ -4235,9 +4205,7 @@
         </p:nvSpPr>
         <p:spPr/>
         <p:txBody>
-          <a:bodyPr>
-            <a:normAutofit fontScale="92500" lnSpcReduction="10000"/>
-          </a:bodyPr>
+          <a:bodyPr/>
           <a:lstStyle/>
           <a:p>
             <a:r>
@@ -6790,7 +6758,7 @@
                 <a:hlinkClick r:id="rId2">
                   <a:extLst>
                     <a:ext uri="{A12FA001-AC4F-418D-AE19-62706E023703}">
-                      <ahyp:hlinkClr xmlns:ahyp="http://schemas.microsoft.com/office/drawing/2018/hyperlinkcolor" xmlns="" val="tx"/>
+                      <ahyp:hlinkClr xmlns:ahyp="http://schemas.microsoft.com/office/drawing/2018/hyperlinkcolor" val="tx"/>
                     </a:ext>
                   </a:extLst>
                 </a:hlinkClick>
